--- a/FIORENZO FEDERICO/02_FedericoFiorenzo.pptx
+++ b/FIORENZO FEDERICO/02_FedericoFiorenzo.pptx
@@ -18,7 +18,9 @@
     <p:sldId id="268" r:id="rId12"/>
     <p:sldId id="269" r:id="rId13"/>
     <p:sldId id="270" r:id="rId14"/>
-    <p:sldId id="266" r:id="rId15"/>
+    <p:sldId id="272" r:id="rId15"/>
+    <p:sldId id="273" r:id="rId16"/>
+    <p:sldId id="266" r:id="rId17"/>
   </p:sldIdLst>
   <p:sldSz cx="12192000" cy="6858000"/>
   <p:notesSz cx="6858000" cy="9144000"/>
@@ -124,6 +126,7 @@
 <p1510:revInfo xmlns:a="http://schemas.openxmlformats.org/drawingml/2006/main" xmlns:r="http://schemas.openxmlformats.org/officeDocument/2006/relationships" xmlns:p1510="http://schemas.microsoft.com/office/powerpoint/2015/10/main">
   <p1510:revLst>
     <p1510:client id="{1A31BE24-FB3E-520D-020F-D58FCDCE39C6}" v="537" dt="2026-02-18T19:23:31.643"/>
+    <p1510:client id="{B67CEE5E-5FA4-42C8-F197-ECD706FFE5EF}" v="250" dt="2026-02-20T15:54:35.675"/>
     <p1510:client id="{FC88FD98-3364-4C89-B686-8C248E6A45F1}" v="92" dt="2026-02-18T21:36:24.929"/>
   </p1510:revLst>
 </p1510:revInfo>
@@ -245,30 +248,6 @@
             <ac:spMk id="3" creationId="{47EB5145-AB63-7211-29FA-94A797D5D3D1}"/>
           </ac:spMkLst>
         </pc:spChg>
-        <pc:spChg chg="add del">
-          <ac:chgData name="Federico Fiorenzo" userId="S::fiorenzo.federico@pzis022008.onmicrosoft.com::ce5ba4a8-a967-4402-b281-0e7a73d7b195" providerId="AD" clId="Web-{1A31BE24-FB3E-520D-020F-D58FCDCE39C6}" dt="2026-02-18T19:10:44.799" v="498"/>
-          <ac:spMkLst>
-            <pc:docMk/>
-            <pc:sldMk cId="639444863" sldId="267"/>
-            <ac:spMk id="8" creationId="{923E8915-D2AA-4327-A45A-972C3CA9574B}"/>
-          </ac:spMkLst>
-        </pc:spChg>
-        <pc:spChg chg="add del">
-          <ac:chgData name="Federico Fiorenzo" userId="S::fiorenzo.federico@pzis022008.onmicrosoft.com::ce5ba4a8-a967-4402-b281-0e7a73d7b195" providerId="AD" clId="Web-{1A31BE24-FB3E-520D-020F-D58FCDCE39C6}" dt="2026-02-18T19:10:44.799" v="498"/>
-          <ac:spMkLst>
-            <pc:docMk/>
-            <pc:sldMk cId="639444863" sldId="267"/>
-            <ac:spMk id="10" creationId="{8302FC3C-9804-4950-B721-5FD704BA6065}"/>
-          </ac:spMkLst>
-        </pc:spChg>
-        <pc:spChg chg="add del">
-          <ac:chgData name="Federico Fiorenzo" userId="S::fiorenzo.federico@pzis022008.onmicrosoft.com::ce5ba4a8-a967-4402-b281-0e7a73d7b195" providerId="AD" clId="Web-{1A31BE24-FB3E-520D-020F-D58FCDCE39C6}" dt="2026-02-18T19:10:44.799" v="498"/>
-          <ac:spMkLst>
-            <pc:docMk/>
-            <pc:sldMk cId="639444863" sldId="267"/>
-            <ac:spMk id="16" creationId="{F3798573-F27B-47EB-8EA4-7EE34954C2D6}"/>
-          </ac:spMkLst>
-        </pc:spChg>
         <pc:spChg chg="add">
           <ac:chgData name="Federico Fiorenzo" userId="S::fiorenzo.federico@pzis022008.onmicrosoft.com::ce5ba4a8-a967-4402-b281-0e7a73d7b195" providerId="AD" clId="Web-{1A31BE24-FB3E-520D-020F-D58FCDCE39C6}" dt="2026-02-18T19:10:44.799" v="499"/>
           <ac:spMkLst>
@@ -301,22 +280,6 @@
             <ac:spMk id="21" creationId="{6A681326-1C9D-44A3-A627-3871BDAE4127}"/>
           </ac:spMkLst>
         </pc:spChg>
-        <pc:picChg chg="add del">
-          <ac:chgData name="Federico Fiorenzo" userId="S::fiorenzo.federico@pzis022008.onmicrosoft.com::ce5ba4a8-a967-4402-b281-0e7a73d7b195" providerId="AD" clId="Web-{1A31BE24-FB3E-520D-020F-D58FCDCE39C6}" dt="2026-02-18T19:10:44.799" v="498"/>
-          <ac:picMkLst>
-            <pc:docMk/>
-            <pc:sldMk cId="639444863" sldId="267"/>
-            <ac:picMk id="14" creationId="{3BC6EBB2-9BDC-4075-BA6B-43A9FBF9C86C}"/>
-          </ac:picMkLst>
-        </pc:picChg>
-        <pc:cxnChg chg="add del">
-          <ac:chgData name="Federico Fiorenzo" userId="S::fiorenzo.federico@pzis022008.onmicrosoft.com::ce5ba4a8-a967-4402-b281-0e7a73d7b195" providerId="AD" clId="Web-{1A31BE24-FB3E-520D-020F-D58FCDCE39C6}" dt="2026-02-18T19:10:44.799" v="498"/>
-          <ac:cxnSpMkLst>
-            <pc:docMk/>
-            <pc:sldMk cId="639444863" sldId="267"/>
-            <ac:cxnSpMk id="12" creationId="{6B9695BD-ECF6-49CA-8877-8C493193C65D}"/>
-          </ac:cxnSpMkLst>
-        </pc:cxnChg>
       </pc:sldChg>
       <pc:sldChg chg="addSp modSp new mod setBg setClrOvrMap">
         <pc:chgData name="Federico Fiorenzo" userId="S::fiorenzo.federico@pzis022008.onmicrosoft.com::ce5ba4a8-a967-4402-b281-0e7a73d7b195" providerId="AD" clId="Web-{1A31BE24-FB3E-520D-020F-D58FCDCE39C6}" dt="2026-02-18T18:59:34.249" v="234"/>
@@ -426,30 +389,6 @@
             <ac:spMk id="3" creationId="{5DE6B015-FB28-0AA0-FE12-E26E9CE8278C}"/>
           </ac:spMkLst>
         </pc:spChg>
-        <pc:spChg chg="add del">
-          <ac:chgData name="Federico Fiorenzo" userId="S::fiorenzo.federico@pzis022008.onmicrosoft.com::ce5ba4a8-a967-4402-b281-0e7a73d7b195" providerId="AD" clId="Web-{1A31BE24-FB3E-520D-020F-D58FCDCE39C6}" dt="2026-02-18T19:21:28.562" v="573"/>
-          <ac:spMkLst>
-            <pc:docMk/>
-            <pc:sldMk cId="2590366512" sldId="270"/>
-            <ac:spMk id="8" creationId="{923E8915-D2AA-4327-A45A-972C3CA9574B}"/>
-          </ac:spMkLst>
-        </pc:spChg>
-        <pc:spChg chg="add del">
-          <ac:chgData name="Federico Fiorenzo" userId="S::fiorenzo.federico@pzis022008.onmicrosoft.com::ce5ba4a8-a967-4402-b281-0e7a73d7b195" providerId="AD" clId="Web-{1A31BE24-FB3E-520D-020F-D58FCDCE39C6}" dt="2026-02-18T19:21:28.562" v="573"/>
-          <ac:spMkLst>
-            <pc:docMk/>
-            <pc:sldMk cId="2590366512" sldId="270"/>
-            <ac:spMk id="10" creationId="{8302FC3C-9804-4950-B721-5FD704BA6065}"/>
-          </ac:spMkLst>
-        </pc:spChg>
-        <pc:spChg chg="add del">
-          <ac:chgData name="Federico Fiorenzo" userId="S::fiorenzo.federico@pzis022008.onmicrosoft.com::ce5ba4a8-a967-4402-b281-0e7a73d7b195" providerId="AD" clId="Web-{1A31BE24-FB3E-520D-020F-D58FCDCE39C6}" dt="2026-02-18T19:21:28.562" v="573"/>
-          <ac:spMkLst>
-            <pc:docMk/>
-            <pc:sldMk cId="2590366512" sldId="270"/>
-            <ac:spMk id="16" creationId="{F3798573-F27B-47EB-8EA4-7EE34954C2D6}"/>
-          </ac:spMkLst>
-        </pc:spChg>
         <pc:spChg chg="add">
           <ac:chgData name="Federico Fiorenzo" userId="S::fiorenzo.federico@pzis022008.onmicrosoft.com::ce5ba4a8-a967-4402-b281-0e7a73d7b195" providerId="AD" clId="Web-{1A31BE24-FB3E-520D-020F-D58FCDCE39C6}" dt="2026-02-18T19:21:28.562" v="574"/>
           <ac:spMkLst>
@@ -490,22 +429,6 @@
             <ac:picMk id="7" creationId="{90034836-A413-1B23-EA32-D67AA8819A46}"/>
           </ac:picMkLst>
         </pc:picChg>
-        <pc:picChg chg="add del">
-          <ac:chgData name="Federico Fiorenzo" userId="S::fiorenzo.federico@pzis022008.onmicrosoft.com::ce5ba4a8-a967-4402-b281-0e7a73d7b195" providerId="AD" clId="Web-{1A31BE24-FB3E-520D-020F-D58FCDCE39C6}" dt="2026-02-18T19:21:28.562" v="573"/>
-          <ac:picMkLst>
-            <pc:docMk/>
-            <pc:sldMk cId="2590366512" sldId="270"/>
-            <ac:picMk id="14" creationId="{3BC6EBB2-9BDC-4075-BA6B-43A9FBF9C86C}"/>
-          </ac:picMkLst>
-        </pc:picChg>
-        <pc:cxnChg chg="add del">
-          <ac:chgData name="Federico Fiorenzo" userId="S::fiorenzo.federico@pzis022008.onmicrosoft.com::ce5ba4a8-a967-4402-b281-0e7a73d7b195" providerId="AD" clId="Web-{1A31BE24-FB3E-520D-020F-D58FCDCE39C6}" dt="2026-02-18T19:21:28.562" v="573"/>
-          <ac:cxnSpMkLst>
-            <pc:docMk/>
-            <pc:sldMk cId="2590366512" sldId="270"/>
-            <ac:cxnSpMk id="12" creationId="{6B9695BD-ECF6-49CA-8877-8C493193C65D}"/>
-          </ac:cxnSpMkLst>
-        </pc:cxnChg>
       </pc:sldChg>
       <pc:sldChg chg="addSp delSp modSp new mod setBg setClrOvrMap">
         <pc:chgData name="Federico Fiorenzo" userId="S::fiorenzo.federico@pzis022008.onmicrosoft.com::ce5ba4a8-a967-4402-b281-0e7a73d7b195" providerId="AD" clId="Web-{1A31BE24-FB3E-520D-020F-D58FCDCE39C6}" dt="2026-02-18T19:09:58.654" v="495"/>
@@ -519,14 +442,6 @@
             <pc:docMk/>
             <pc:sldMk cId="2087066475" sldId="271"/>
             <ac:spMk id="2" creationId="{AE951D4B-EB4C-CE92-AD0A-6D13C2497EDC}"/>
-          </ac:spMkLst>
-        </pc:spChg>
-        <pc:spChg chg="del mod">
-          <ac:chgData name="Federico Fiorenzo" userId="S::fiorenzo.federico@pzis022008.onmicrosoft.com::ce5ba4a8-a967-4402-b281-0e7a73d7b195" providerId="AD" clId="Web-{1A31BE24-FB3E-520D-020F-D58FCDCE39C6}" dt="2026-02-18T19:09:58.654" v="495"/>
-          <ac:spMkLst>
-            <pc:docMk/>
-            <pc:sldMk cId="2087066475" sldId="271"/>
-            <ac:spMk id="3" creationId="{2396962D-9B5C-5B2C-83D1-5357FC25B13A}"/>
           </ac:spMkLst>
         </pc:spChg>
         <pc:spChg chg="add">
@@ -1044,6 +959,131 @@
       </pc:sldChg>
     </pc:docChg>
   </pc:docChgLst>
+  <pc:docChgLst>
+    <pc:chgData name="Federico Fiorenzo" userId="S::fiorenzo.federico@pzis022008.onmicrosoft.com::ce5ba4a8-a967-4402-b281-0e7a73d7b195" providerId="AD" clId="Web-{B67CEE5E-5FA4-42C8-F197-ECD706FFE5EF}"/>
+    <pc:docChg chg="addSld modSld">
+      <pc:chgData name="Federico Fiorenzo" userId="S::fiorenzo.federico@pzis022008.onmicrosoft.com::ce5ba4a8-a967-4402-b281-0e7a73d7b195" providerId="AD" clId="Web-{B67CEE5E-5FA4-42C8-F197-ECD706FFE5EF}" dt="2026-02-20T15:54:35.847" v="248"/>
+      <pc:docMkLst>
+        <pc:docMk/>
+      </pc:docMkLst>
+      <pc:sldChg chg="modSp">
+        <pc:chgData name="Federico Fiorenzo" userId="S::fiorenzo.federico@pzis022008.onmicrosoft.com::ce5ba4a8-a967-4402-b281-0e7a73d7b195" providerId="AD" clId="Web-{B67CEE5E-5FA4-42C8-F197-ECD706FFE5EF}" dt="2026-02-20T15:11:52.311" v="6" actId="20577"/>
+        <pc:sldMkLst>
+          <pc:docMk/>
+          <pc:sldMk cId="1004584593" sldId="268"/>
+        </pc:sldMkLst>
+        <pc:spChg chg="mod">
+          <ac:chgData name="Federico Fiorenzo" userId="S::fiorenzo.federico@pzis022008.onmicrosoft.com::ce5ba4a8-a967-4402-b281-0e7a73d7b195" providerId="AD" clId="Web-{B67CEE5E-5FA4-42C8-F197-ECD706FFE5EF}" dt="2026-02-20T15:11:52.311" v="6" actId="20577"/>
+          <ac:spMkLst>
+            <pc:docMk/>
+            <pc:sldMk cId="1004584593" sldId="268"/>
+            <ac:spMk id="3" creationId="{1B7C19C8-6452-FD76-53B1-E8B3E8D2B7F9}"/>
+          </ac:spMkLst>
+        </pc:spChg>
+      </pc:sldChg>
+      <pc:sldChg chg="modSp">
+        <pc:chgData name="Federico Fiorenzo" userId="S::fiorenzo.federico@pzis022008.onmicrosoft.com::ce5ba4a8-a967-4402-b281-0e7a73d7b195" providerId="AD" clId="Web-{B67CEE5E-5FA4-42C8-F197-ECD706FFE5EF}" dt="2026-02-20T15:12:57.768" v="7" actId="20577"/>
+        <pc:sldMkLst>
+          <pc:docMk/>
+          <pc:sldMk cId="2590366512" sldId="270"/>
+        </pc:sldMkLst>
+        <pc:spChg chg="mod">
+          <ac:chgData name="Federico Fiorenzo" userId="S::fiorenzo.federico@pzis022008.onmicrosoft.com::ce5ba4a8-a967-4402-b281-0e7a73d7b195" providerId="AD" clId="Web-{B67CEE5E-5FA4-42C8-F197-ECD706FFE5EF}" dt="2026-02-20T15:12:57.768" v="7" actId="20577"/>
+          <ac:spMkLst>
+            <pc:docMk/>
+            <pc:sldMk cId="2590366512" sldId="270"/>
+            <ac:spMk id="3" creationId="{5DE6B015-FB28-0AA0-FE12-E26E9CE8278C}"/>
+          </ac:spMkLst>
+        </pc:spChg>
+      </pc:sldChg>
+      <pc:sldChg chg="modSp new">
+        <pc:chgData name="Federico Fiorenzo" userId="S::fiorenzo.federico@pzis022008.onmicrosoft.com::ce5ba4a8-a967-4402-b281-0e7a73d7b195" providerId="AD" clId="Web-{B67CEE5E-5FA4-42C8-F197-ECD706FFE5EF}" dt="2026-02-20T15:50:09.872" v="178" actId="20577"/>
+        <pc:sldMkLst>
+          <pc:docMk/>
+          <pc:sldMk cId="3580903831" sldId="272"/>
+        </pc:sldMkLst>
+        <pc:spChg chg="mod">
+          <ac:chgData name="Federico Fiorenzo" userId="S::fiorenzo.federico@pzis022008.onmicrosoft.com::ce5ba4a8-a967-4402-b281-0e7a73d7b195" providerId="AD" clId="Web-{B67CEE5E-5FA4-42C8-F197-ECD706FFE5EF}" dt="2026-02-20T15:46:48.270" v="61" actId="20577"/>
+          <ac:spMkLst>
+            <pc:docMk/>
+            <pc:sldMk cId="3580903831" sldId="272"/>
+            <ac:spMk id="2" creationId="{53114048-B2DF-94FB-3F83-988D4AB6EB89}"/>
+          </ac:spMkLst>
+        </pc:spChg>
+        <pc:spChg chg="mod">
+          <ac:chgData name="Federico Fiorenzo" userId="S::fiorenzo.federico@pzis022008.onmicrosoft.com::ce5ba4a8-a967-4402-b281-0e7a73d7b195" providerId="AD" clId="Web-{B67CEE5E-5FA4-42C8-F197-ECD706FFE5EF}" dt="2026-02-20T15:50:09.872" v="178" actId="20577"/>
+          <ac:spMkLst>
+            <pc:docMk/>
+            <pc:sldMk cId="3580903831" sldId="272"/>
+            <ac:spMk id="3" creationId="{4F67AE7F-3B89-BDA0-83B1-16AA461172EA}"/>
+          </ac:spMkLst>
+        </pc:spChg>
+      </pc:sldChg>
+      <pc:sldChg chg="addSp delSp modSp new mod setBg setClrOvrMap">
+        <pc:chgData name="Federico Fiorenzo" userId="S::fiorenzo.federico@pzis022008.onmicrosoft.com::ce5ba4a8-a967-4402-b281-0e7a73d7b195" providerId="AD" clId="Web-{B67CEE5E-5FA4-42C8-F197-ECD706FFE5EF}" dt="2026-02-20T15:54:35.847" v="248"/>
+        <pc:sldMkLst>
+          <pc:docMk/>
+          <pc:sldMk cId="2364779526" sldId="273"/>
+        </pc:sldMkLst>
+        <pc:spChg chg="mod">
+          <ac:chgData name="Federico Fiorenzo" userId="S::fiorenzo.federico@pzis022008.onmicrosoft.com::ce5ba4a8-a967-4402-b281-0e7a73d7b195" providerId="AD" clId="Web-{B67CEE5E-5FA4-42C8-F197-ECD706FFE5EF}" dt="2026-02-20T15:54:35.847" v="248"/>
+          <ac:spMkLst>
+            <pc:docMk/>
+            <pc:sldMk cId="2364779526" sldId="273"/>
+            <ac:spMk id="2" creationId="{B9DA192F-35FA-BF6F-979C-B1F3AD67D537}"/>
+          </ac:spMkLst>
+        </pc:spChg>
+        <pc:spChg chg="del mod">
+          <ac:chgData name="Federico Fiorenzo" userId="S::fiorenzo.federico@pzis022008.onmicrosoft.com::ce5ba4a8-a967-4402-b281-0e7a73d7b195" providerId="AD" clId="Web-{B67CEE5E-5FA4-42C8-F197-ECD706FFE5EF}" dt="2026-02-20T15:54:35.847" v="248"/>
+          <ac:spMkLst>
+            <pc:docMk/>
+            <pc:sldMk cId="2364779526" sldId="273"/>
+            <ac:spMk id="3" creationId="{F645A3EA-5248-0C42-561D-D5E2E6E875FB}"/>
+          </ac:spMkLst>
+        </pc:spChg>
+        <pc:spChg chg="add">
+          <ac:chgData name="Federico Fiorenzo" userId="S::fiorenzo.federico@pzis022008.onmicrosoft.com::ce5ba4a8-a967-4402-b281-0e7a73d7b195" providerId="AD" clId="Web-{B67CEE5E-5FA4-42C8-F197-ECD706FFE5EF}" dt="2026-02-20T15:54:35.847" v="248"/>
+          <ac:spMkLst>
+            <pc:docMk/>
+            <pc:sldMk cId="2364779526" sldId="273"/>
+            <ac:spMk id="9" creationId="{4E78424C-6FD0-41F8-9CAA-5DC19C42359F}"/>
+          </ac:spMkLst>
+        </pc:spChg>
+        <pc:spChg chg="add">
+          <ac:chgData name="Federico Fiorenzo" userId="S::fiorenzo.federico@pzis022008.onmicrosoft.com::ce5ba4a8-a967-4402-b281-0e7a73d7b195" providerId="AD" clId="Web-{B67CEE5E-5FA4-42C8-F197-ECD706FFE5EF}" dt="2026-02-20T15:54:35.847" v="248"/>
+          <ac:spMkLst>
+            <pc:docMk/>
+            <pc:sldMk cId="2364779526" sldId="273"/>
+            <ac:spMk id="11" creationId="{DD136760-57DC-4301-8BEA-B71AD2D13905}"/>
+          </ac:spMkLst>
+        </pc:spChg>
+        <pc:spChg chg="add">
+          <ac:chgData name="Federico Fiorenzo" userId="S::fiorenzo.federico@pzis022008.onmicrosoft.com::ce5ba4a8-a967-4402-b281-0e7a73d7b195" providerId="AD" clId="Web-{B67CEE5E-5FA4-42C8-F197-ECD706FFE5EF}" dt="2026-02-20T15:54:35.847" v="248"/>
+          <ac:spMkLst>
+            <pc:docMk/>
+            <pc:sldMk cId="2364779526" sldId="273"/>
+            <ac:spMk id="13" creationId="{BDC58DEA-1307-4F44-AD47-E613D8B76A89}"/>
+          </ac:spMkLst>
+        </pc:spChg>
+        <pc:spChg chg="add">
+          <ac:chgData name="Federico Fiorenzo" userId="S::fiorenzo.federico@pzis022008.onmicrosoft.com::ce5ba4a8-a967-4402-b281-0e7a73d7b195" providerId="AD" clId="Web-{B67CEE5E-5FA4-42C8-F197-ECD706FFE5EF}" dt="2026-02-20T15:54:35.847" v="248"/>
+          <ac:spMkLst>
+            <pc:docMk/>
+            <pc:sldMk cId="2364779526" sldId="273"/>
+            <ac:spMk id="15" creationId="{C99B912D-1E4B-42AF-A2BE-CFEFEC916EE7}"/>
+          </ac:spMkLst>
+        </pc:spChg>
+        <pc:graphicFrameChg chg="add">
+          <ac:chgData name="Federico Fiorenzo" userId="S::fiorenzo.federico@pzis022008.onmicrosoft.com::ce5ba4a8-a967-4402-b281-0e7a73d7b195" providerId="AD" clId="Web-{B67CEE5E-5FA4-42C8-F197-ECD706FFE5EF}" dt="2026-02-20T15:54:35.847" v="248"/>
+          <ac:graphicFrameMkLst>
+            <pc:docMk/>
+            <pc:sldMk cId="2364779526" sldId="273"/>
+            <ac:graphicFrameMk id="5" creationId="{6A795070-C40A-44C6-7E22-31CF7BF6CB34}"/>
+          </ac:graphicFrameMkLst>
+        </pc:graphicFrameChg>
+      </pc:sldChg>
+    </pc:docChg>
+  </pc:docChgLst>
 </pc:chgInfo>
 </file>
 
@@ -5366,6 +5406,927 @@
     <dgm:txLinClrLst/>
     <dgm:txFillClrLst meth="repeat">
       <a:schemeClr val="tx1"/>
+    </dgm:txFillClrLst>
+    <dgm:txEffectClrLst/>
+  </dgm:styleLbl>
+</dgm:colorsDef>
+</file>
+
+<file path=ppt/diagrams/colors6.xml><?xml version="1.0" encoding="utf-8"?>
+<dgm:colorsDef xmlns:dgm="http://schemas.openxmlformats.org/drawingml/2006/diagram" xmlns:a="http://schemas.openxmlformats.org/drawingml/2006/main" uniqueId="urn:microsoft.com/office/officeart/2018/5/colors/Iconchunking_neutralicontext_colorful1">
+  <dgm:title val=""/>
+  <dgm:desc val=""/>
+  <dgm:catLst>
+    <dgm:cat type="colorful" pri="10100"/>
+  </dgm:catLst>
+  <dgm:styleLbl name="node0">
+    <dgm:fillClrLst meth="repeat">
+      <a:schemeClr val="accent1"/>
+    </dgm:fillClrLst>
+    <dgm:linClrLst meth="repeat">
+      <a:schemeClr val="lt1"/>
+    </dgm:linClrLst>
+    <dgm:effectClrLst/>
+    <dgm:txLinClrLst/>
+    <dgm:txFillClrLst/>
+    <dgm:txEffectClrLst/>
+  </dgm:styleLbl>
+  <dgm:styleLbl name="node1">
+    <dgm:fillClrLst meth="repeat">
+      <a:schemeClr val="bg1"/>
+    </dgm:fillClrLst>
+    <dgm:linClrLst meth="repeat">
+      <a:schemeClr val="lt1">
+        <a:alpha val="0"/>
+      </a:schemeClr>
+    </dgm:linClrLst>
+    <dgm:effectClrLst/>
+    <dgm:txLinClrLst/>
+    <dgm:txFillClrLst meth="repeat">
+      <a:schemeClr val="dk1"/>
+    </dgm:txFillClrLst>
+    <dgm:txEffectClrLst/>
+  </dgm:styleLbl>
+  <dgm:styleLbl name="alignNode1">
+    <dgm:fillClrLst meth="repeat">
+      <a:schemeClr val="accent2"/>
+      <a:schemeClr val="accent3"/>
+      <a:schemeClr val="accent4"/>
+      <a:schemeClr val="accent5"/>
+      <a:schemeClr val="accent6"/>
+    </dgm:fillClrLst>
+    <dgm:linClrLst meth="repeat">
+      <a:schemeClr val="accent2"/>
+      <a:schemeClr val="accent3"/>
+      <a:schemeClr val="accent4"/>
+      <a:schemeClr val="accent5"/>
+      <a:schemeClr val="accent6"/>
+    </dgm:linClrLst>
+    <dgm:effectClrLst/>
+    <dgm:txLinClrLst/>
+    <dgm:txFillClrLst/>
+    <dgm:txEffectClrLst/>
+  </dgm:styleLbl>
+  <dgm:styleLbl name="lnNode1">
+    <dgm:fillClrLst meth="repeat">
+      <a:schemeClr val="accent2"/>
+      <a:schemeClr val="accent3"/>
+      <a:schemeClr val="accent4"/>
+      <a:schemeClr val="accent5"/>
+      <a:schemeClr val="accent6"/>
+    </dgm:fillClrLst>
+    <dgm:linClrLst meth="repeat">
+      <a:schemeClr val="lt1"/>
+    </dgm:linClrLst>
+    <dgm:effectClrLst/>
+    <dgm:txLinClrLst/>
+    <dgm:txFillClrLst/>
+    <dgm:txEffectClrLst/>
+  </dgm:styleLbl>
+  <dgm:styleLbl name="vennNode1">
+    <dgm:fillClrLst meth="repeat">
+      <a:schemeClr val="accent2">
+        <a:alpha val="50000"/>
+      </a:schemeClr>
+      <a:schemeClr val="accent3">
+        <a:alpha val="50000"/>
+      </a:schemeClr>
+      <a:schemeClr val="accent4">
+        <a:alpha val="50000"/>
+      </a:schemeClr>
+      <a:schemeClr val="accent5">
+        <a:alpha val="50000"/>
+      </a:schemeClr>
+      <a:schemeClr val="accent6">
+        <a:alpha val="50000"/>
+      </a:schemeClr>
+    </dgm:fillClrLst>
+    <dgm:linClrLst meth="repeat">
+      <a:schemeClr val="lt1"/>
+    </dgm:linClrLst>
+    <dgm:effectClrLst/>
+    <dgm:txLinClrLst/>
+    <dgm:txFillClrLst/>
+    <dgm:txEffectClrLst/>
+  </dgm:styleLbl>
+  <dgm:styleLbl name="node2">
+    <dgm:fillClrLst>
+      <a:schemeClr val="accent2"/>
+    </dgm:fillClrLst>
+    <dgm:linClrLst meth="repeat">
+      <a:schemeClr val="lt1"/>
+    </dgm:linClrLst>
+    <dgm:effectClrLst/>
+    <dgm:txLinClrLst/>
+    <dgm:txFillClrLst/>
+    <dgm:txEffectClrLst/>
+  </dgm:styleLbl>
+  <dgm:styleLbl name="node3">
+    <dgm:fillClrLst>
+      <a:schemeClr val="accent3"/>
+    </dgm:fillClrLst>
+    <dgm:linClrLst meth="repeat">
+      <a:schemeClr val="lt1"/>
+    </dgm:linClrLst>
+    <dgm:effectClrLst/>
+    <dgm:txLinClrLst/>
+    <dgm:txFillClrLst/>
+    <dgm:txEffectClrLst/>
+  </dgm:styleLbl>
+  <dgm:styleLbl name="node4">
+    <dgm:fillClrLst>
+      <a:schemeClr val="accent4"/>
+    </dgm:fillClrLst>
+    <dgm:linClrLst meth="repeat">
+      <a:schemeClr val="lt1"/>
+    </dgm:linClrLst>
+    <dgm:effectClrLst/>
+    <dgm:txLinClrLst/>
+    <dgm:txFillClrLst/>
+    <dgm:txEffectClrLst/>
+  </dgm:styleLbl>
+  <dgm:styleLbl name="fgImgPlace1">
+    <dgm:fillClrLst meth="repeat">
+      <a:schemeClr val="accent2">
+        <a:tint val="50000"/>
+      </a:schemeClr>
+      <a:schemeClr val="accent3">
+        <a:tint val="50000"/>
+      </a:schemeClr>
+      <a:schemeClr val="accent4">
+        <a:tint val="50000"/>
+      </a:schemeClr>
+      <a:schemeClr val="accent5">
+        <a:tint val="50000"/>
+      </a:schemeClr>
+      <a:schemeClr val="accent6">
+        <a:tint val="50000"/>
+      </a:schemeClr>
+    </dgm:fillClrLst>
+    <dgm:linClrLst meth="repeat">
+      <a:schemeClr val="lt1"/>
+    </dgm:linClrLst>
+    <dgm:effectClrLst/>
+    <dgm:txLinClrLst/>
+    <dgm:txFillClrLst meth="repeat">
+      <a:schemeClr val="lt1"/>
+    </dgm:txFillClrLst>
+    <dgm:txEffectClrLst/>
+  </dgm:styleLbl>
+  <dgm:styleLbl name="alignImgPlace1">
+    <dgm:fillClrLst>
+      <a:schemeClr val="accent1">
+        <a:tint val="50000"/>
+      </a:schemeClr>
+      <a:schemeClr val="accent2">
+        <a:tint val="20000"/>
+      </a:schemeClr>
+    </dgm:fillClrLst>
+    <dgm:linClrLst meth="repeat">
+      <a:schemeClr val="lt1"/>
+    </dgm:linClrLst>
+    <dgm:effectClrLst/>
+    <dgm:txLinClrLst/>
+    <dgm:txFillClrLst meth="repeat">
+      <a:schemeClr val="lt1"/>
+    </dgm:txFillClrLst>
+    <dgm:txEffectClrLst/>
+  </dgm:styleLbl>
+  <dgm:styleLbl name="bgImgPlace1">
+    <dgm:fillClrLst>
+      <a:schemeClr val="accent1">
+        <a:tint val="50000"/>
+      </a:schemeClr>
+      <a:schemeClr val="accent2">
+        <a:tint val="20000"/>
+      </a:schemeClr>
+    </dgm:fillClrLst>
+    <dgm:linClrLst meth="repeat">
+      <a:schemeClr val="lt1"/>
+    </dgm:linClrLst>
+    <dgm:effectClrLst/>
+    <dgm:txLinClrLst/>
+    <dgm:txFillClrLst meth="repeat">
+      <a:schemeClr val="lt1"/>
+    </dgm:txFillClrLst>
+    <dgm:txEffectClrLst/>
+  </dgm:styleLbl>
+  <dgm:styleLbl name="sibTrans2D1">
+    <dgm:fillClrLst meth="repeat">
+      <a:schemeClr val="accent2"/>
+      <a:schemeClr val="accent3"/>
+      <a:schemeClr val="accent4"/>
+      <a:schemeClr val="accent5"/>
+      <a:schemeClr val="accent6"/>
+    </dgm:fillClrLst>
+    <dgm:linClrLst meth="cycle">
+      <a:schemeClr val="lt1"/>
+    </dgm:linClrLst>
+    <dgm:effectClrLst/>
+    <dgm:txLinClrLst/>
+    <dgm:txFillClrLst/>
+    <dgm:txEffectClrLst/>
+  </dgm:styleLbl>
+  <dgm:styleLbl name="fgSibTrans2D1">
+    <dgm:fillClrLst meth="repeat">
+      <a:schemeClr val="accent2"/>
+      <a:schemeClr val="accent3"/>
+      <a:schemeClr val="accent4"/>
+      <a:schemeClr val="accent5"/>
+      <a:schemeClr val="accent6"/>
+    </dgm:fillClrLst>
+    <dgm:linClrLst meth="cycle">
+      <a:schemeClr val="lt1"/>
+    </dgm:linClrLst>
+    <dgm:effectClrLst/>
+    <dgm:txLinClrLst/>
+    <dgm:txFillClrLst meth="repeat">
+      <a:schemeClr val="lt1"/>
+    </dgm:txFillClrLst>
+    <dgm:txEffectClrLst/>
+  </dgm:styleLbl>
+  <dgm:styleLbl name="bgSibTrans2D1">
+    <dgm:fillClrLst meth="repeat">
+      <a:schemeClr val="accent2"/>
+      <a:schemeClr val="accent3"/>
+      <a:schemeClr val="accent4"/>
+      <a:schemeClr val="accent5"/>
+      <a:schemeClr val="accent6"/>
+    </dgm:fillClrLst>
+    <dgm:linClrLst meth="cycle">
+      <a:schemeClr val="lt1"/>
+    </dgm:linClrLst>
+    <dgm:effectClrLst/>
+    <dgm:txLinClrLst/>
+    <dgm:txFillClrLst meth="repeat">
+      <a:schemeClr val="lt1"/>
+    </dgm:txFillClrLst>
+    <dgm:txEffectClrLst/>
+  </dgm:styleLbl>
+  <dgm:styleLbl name="sibTrans1D1">
+    <dgm:fillClrLst meth="repeat">
+      <a:schemeClr val="accent2"/>
+      <a:schemeClr val="accent3"/>
+      <a:schemeClr val="accent4"/>
+      <a:schemeClr val="accent5"/>
+      <a:schemeClr val="accent6"/>
+    </dgm:fillClrLst>
+    <dgm:linClrLst meth="repeat">
+      <a:schemeClr val="accent2"/>
+      <a:schemeClr val="accent3"/>
+      <a:schemeClr val="accent4"/>
+      <a:schemeClr val="accent5"/>
+      <a:schemeClr val="accent6"/>
+    </dgm:linClrLst>
+    <dgm:effectClrLst/>
+    <dgm:txLinClrLst/>
+    <dgm:txFillClrLst meth="repeat">
+      <a:schemeClr val="tx1"/>
+    </dgm:txFillClrLst>
+    <dgm:txEffectClrLst/>
+  </dgm:styleLbl>
+  <dgm:styleLbl name="callout">
+    <dgm:fillClrLst meth="repeat">
+      <a:schemeClr val="accent2"/>
+    </dgm:fillClrLst>
+    <dgm:linClrLst meth="repeat">
+      <a:schemeClr val="accent2">
+        <a:tint val="50000"/>
+      </a:schemeClr>
+    </dgm:linClrLst>
+    <dgm:effectClrLst/>
+    <dgm:txLinClrLst/>
+    <dgm:txFillClrLst meth="repeat">
+      <a:schemeClr val="tx1"/>
+    </dgm:txFillClrLst>
+    <dgm:txEffectClrLst/>
+  </dgm:styleLbl>
+  <dgm:styleLbl name="asst0">
+    <dgm:fillClrLst meth="repeat">
+      <a:schemeClr val="accent1"/>
+    </dgm:fillClrLst>
+    <dgm:linClrLst meth="repeat">
+      <a:schemeClr val="lt1"/>
+    </dgm:linClrLst>
+    <dgm:effectClrLst/>
+    <dgm:txLinClrLst/>
+    <dgm:txFillClrLst/>
+    <dgm:txEffectClrLst/>
+  </dgm:styleLbl>
+  <dgm:styleLbl name="asst1">
+    <dgm:fillClrLst meth="repeat">
+      <a:schemeClr val="accent2"/>
+    </dgm:fillClrLst>
+    <dgm:linClrLst meth="repeat">
+      <a:schemeClr val="lt1"/>
+    </dgm:linClrLst>
+    <dgm:effectClrLst/>
+    <dgm:txLinClrLst/>
+    <dgm:txFillClrLst/>
+    <dgm:txEffectClrLst/>
+  </dgm:styleLbl>
+  <dgm:styleLbl name="asst2">
+    <dgm:fillClrLst>
+      <a:schemeClr val="accent3"/>
+    </dgm:fillClrLst>
+    <dgm:linClrLst meth="repeat">
+      <a:schemeClr val="lt1"/>
+    </dgm:linClrLst>
+    <dgm:effectClrLst/>
+    <dgm:txLinClrLst/>
+    <dgm:txFillClrLst/>
+    <dgm:txEffectClrLst/>
+  </dgm:styleLbl>
+  <dgm:styleLbl name="asst3">
+    <dgm:fillClrLst>
+      <a:schemeClr val="accent4"/>
+    </dgm:fillClrLst>
+    <dgm:linClrLst meth="repeat">
+      <a:schemeClr val="lt1"/>
+    </dgm:linClrLst>
+    <dgm:effectClrLst/>
+    <dgm:txLinClrLst/>
+    <dgm:txFillClrLst/>
+    <dgm:txEffectClrLst/>
+  </dgm:styleLbl>
+  <dgm:styleLbl name="asst4">
+    <dgm:fillClrLst>
+      <a:schemeClr val="accent5"/>
+    </dgm:fillClrLst>
+    <dgm:linClrLst meth="repeat">
+      <a:schemeClr val="lt1"/>
+    </dgm:linClrLst>
+    <dgm:effectClrLst/>
+    <dgm:txLinClrLst/>
+    <dgm:txFillClrLst/>
+    <dgm:txEffectClrLst/>
+  </dgm:styleLbl>
+  <dgm:styleLbl name="parChTrans2D1">
+    <dgm:fillClrLst meth="repeat">
+      <a:schemeClr val="accent2"/>
+    </dgm:fillClrLst>
+    <dgm:linClrLst meth="repeat">
+      <a:schemeClr val="lt1"/>
+    </dgm:linClrLst>
+    <dgm:effectClrLst/>
+    <dgm:txLinClrLst/>
+    <dgm:txFillClrLst meth="repeat">
+      <a:schemeClr val="lt1"/>
+    </dgm:txFillClrLst>
+    <dgm:txEffectClrLst/>
+  </dgm:styleLbl>
+  <dgm:styleLbl name="parChTrans2D2">
+    <dgm:fillClrLst meth="repeat">
+      <a:schemeClr val="accent3"/>
+    </dgm:fillClrLst>
+    <dgm:linClrLst meth="repeat">
+      <a:schemeClr val="lt1"/>
+    </dgm:linClrLst>
+    <dgm:effectClrLst/>
+    <dgm:txLinClrLst/>
+    <dgm:txFillClrLst/>
+    <dgm:txEffectClrLst/>
+  </dgm:styleLbl>
+  <dgm:styleLbl name="parChTrans2D3">
+    <dgm:fillClrLst meth="repeat">
+      <a:schemeClr val="accent4"/>
+    </dgm:fillClrLst>
+    <dgm:linClrLst meth="repeat">
+      <a:schemeClr val="lt1"/>
+    </dgm:linClrLst>
+    <dgm:effectClrLst/>
+    <dgm:txLinClrLst/>
+    <dgm:txFillClrLst/>
+    <dgm:txEffectClrLst/>
+  </dgm:styleLbl>
+  <dgm:styleLbl name="parChTrans2D4">
+    <dgm:fillClrLst meth="repeat">
+      <a:schemeClr val="accent5"/>
+    </dgm:fillClrLst>
+    <dgm:linClrLst meth="repeat">
+      <a:schemeClr val="lt1"/>
+    </dgm:linClrLst>
+    <dgm:effectClrLst/>
+    <dgm:txLinClrLst/>
+    <dgm:txFillClrLst meth="repeat">
+      <a:schemeClr val="lt1"/>
+    </dgm:txFillClrLst>
+    <dgm:txEffectClrLst/>
+  </dgm:styleLbl>
+  <dgm:styleLbl name="parChTrans1D1">
+    <dgm:fillClrLst meth="repeat">
+      <a:schemeClr val="accent2"/>
+    </dgm:fillClrLst>
+    <dgm:linClrLst meth="repeat">
+      <a:schemeClr val="accent1"/>
+    </dgm:linClrLst>
+    <dgm:effectClrLst/>
+    <dgm:txLinClrLst/>
+    <dgm:txFillClrLst meth="repeat">
+      <a:schemeClr val="tx1"/>
+    </dgm:txFillClrLst>
+    <dgm:txEffectClrLst/>
+  </dgm:styleLbl>
+  <dgm:styleLbl name="parChTrans1D2">
+    <dgm:fillClrLst meth="repeat">
+      <a:schemeClr val="accent3">
+        <a:tint val="90000"/>
+      </a:schemeClr>
+    </dgm:fillClrLst>
+    <dgm:linClrLst meth="repeat">
+      <a:schemeClr val="accent2"/>
+    </dgm:linClrLst>
+    <dgm:effectClrLst/>
+    <dgm:txLinClrLst/>
+    <dgm:txFillClrLst meth="repeat">
+      <a:schemeClr val="tx1"/>
+    </dgm:txFillClrLst>
+    <dgm:txEffectClrLst/>
+  </dgm:styleLbl>
+  <dgm:styleLbl name="parChTrans1D3">
+    <dgm:fillClrLst meth="repeat">
+      <a:schemeClr val="accent4">
+        <a:tint val="70000"/>
+      </a:schemeClr>
+    </dgm:fillClrLst>
+    <dgm:linClrLst meth="repeat">
+      <a:schemeClr val="accent3"/>
+    </dgm:linClrLst>
+    <dgm:effectClrLst/>
+    <dgm:txLinClrLst/>
+    <dgm:txFillClrLst meth="repeat">
+      <a:schemeClr val="tx1"/>
+    </dgm:txFillClrLst>
+    <dgm:txEffectClrLst/>
+  </dgm:styleLbl>
+  <dgm:styleLbl name="parChTrans1D4">
+    <dgm:fillClrLst meth="repeat">
+      <a:schemeClr val="accent5">
+        <a:tint val="50000"/>
+      </a:schemeClr>
+    </dgm:fillClrLst>
+    <dgm:linClrLst meth="repeat">
+      <a:schemeClr val="accent4"/>
+    </dgm:linClrLst>
+    <dgm:effectClrLst/>
+    <dgm:txLinClrLst/>
+    <dgm:txFillClrLst meth="repeat">
+      <a:schemeClr val="tx1"/>
+    </dgm:txFillClrLst>
+    <dgm:txEffectClrLst/>
+  </dgm:styleLbl>
+  <dgm:styleLbl name="fgAcc1">
+    <dgm:fillClrLst meth="repeat">
+      <a:schemeClr val="lt1">
+        <a:alpha val="90000"/>
+      </a:schemeClr>
+    </dgm:fillClrLst>
+    <dgm:linClrLst meth="repeat">
+      <a:schemeClr val="accent2"/>
+      <a:schemeClr val="accent3"/>
+      <a:schemeClr val="accent4"/>
+      <a:schemeClr val="accent5"/>
+      <a:schemeClr val="accent6"/>
+    </dgm:linClrLst>
+    <dgm:effectClrLst/>
+    <dgm:txLinClrLst/>
+    <dgm:txFillClrLst meth="repeat">
+      <a:schemeClr val="dk1"/>
+    </dgm:txFillClrLst>
+    <dgm:txEffectClrLst/>
+  </dgm:styleLbl>
+  <dgm:styleLbl name="conFgAcc1">
+    <dgm:fillClrLst meth="repeat">
+      <a:schemeClr val="lt1">
+        <a:alpha val="90000"/>
+      </a:schemeClr>
+    </dgm:fillClrLst>
+    <dgm:linClrLst meth="repeat">
+      <a:schemeClr val="accent2"/>
+      <a:schemeClr val="accent3"/>
+      <a:schemeClr val="accent4"/>
+      <a:schemeClr val="accent5"/>
+      <a:schemeClr val="accent6"/>
+    </dgm:linClrLst>
+    <dgm:effectClrLst/>
+    <dgm:txLinClrLst/>
+    <dgm:txFillClrLst meth="repeat">
+      <a:schemeClr val="dk1"/>
+    </dgm:txFillClrLst>
+    <dgm:txEffectClrLst/>
+  </dgm:styleLbl>
+  <dgm:styleLbl name="alignAcc1">
+    <dgm:fillClrLst meth="repeat">
+      <a:schemeClr val="lt1">
+        <a:alpha val="90000"/>
+      </a:schemeClr>
+    </dgm:fillClrLst>
+    <dgm:linClrLst meth="repeat">
+      <a:schemeClr val="accent2"/>
+      <a:schemeClr val="accent3"/>
+      <a:schemeClr val="accent4"/>
+      <a:schemeClr val="accent5"/>
+      <a:schemeClr val="accent6"/>
+    </dgm:linClrLst>
+    <dgm:effectClrLst/>
+    <dgm:txLinClrLst/>
+    <dgm:txFillClrLst meth="repeat">
+      <a:schemeClr val="dk1"/>
+    </dgm:txFillClrLst>
+    <dgm:txEffectClrLst/>
+  </dgm:styleLbl>
+  <dgm:styleLbl name="trAlignAcc1">
+    <dgm:fillClrLst meth="repeat">
+      <a:schemeClr val="lt1">
+        <a:alpha val="40000"/>
+      </a:schemeClr>
+    </dgm:fillClrLst>
+    <dgm:linClrLst meth="repeat">
+      <a:schemeClr val="accent1"/>
+    </dgm:linClrLst>
+    <dgm:effectClrLst/>
+    <dgm:txLinClrLst/>
+    <dgm:txFillClrLst meth="repeat">
+      <a:schemeClr val="dk1"/>
+    </dgm:txFillClrLst>
+    <dgm:txEffectClrLst/>
+  </dgm:styleLbl>
+  <dgm:styleLbl name="bgAcc1">
+    <dgm:fillClrLst meth="repeat">
+      <a:schemeClr val="lt1">
+        <a:alpha val="90000"/>
+      </a:schemeClr>
+    </dgm:fillClrLst>
+    <dgm:linClrLst meth="repeat">
+      <a:schemeClr val="accent2"/>
+      <a:schemeClr val="accent3"/>
+      <a:schemeClr val="accent4"/>
+      <a:schemeClr val="accent5"/>
+      <a:schemeClr val="accent6"/>
+    </dgm:linClrLst>
+    <dgm:effectClrLst/>
+    <dgm:txLinClrLst/>
+    <dgm:txFillClrLst meth="repeat">
+      <a:schemeClr val="dk1"/>
+    </dgm:txFillClrLst>
+    <dgm:txEffectClrLst/>
+  </dgm:styleLbl>
+  <dgm:styleLbl name="solidFgAcc1">
+    <dgm:fillClrLst meth="repeat">
+      <a:schemeClr val="lt1"/>
+    </dgm:fillClrLst>
+    <dgm:linClrLst meth="repeat">
+      <a:schemeClr val="accent2"/>
+      <a:schemeClr val="accent3"/>
+      <a:schemeClr val="accent4"/>
+      <a:schemeClr val="accent5"/>
+      <a:schemeClr val="accent6"/>
+    </dgm:linClrLst>
+    <dgm:effectClrLst/>
+    <dgm:txLinClrLst/>
+    <dgm:txFillClrLst meth="repeat">
+      <a:schemeClr val="dk1"/>
+    </dgm:txFillClrLst>
+    <dgm:txEffectClrLst/>
+  </dgm:styleLbl>
+  <dgm:styleLbl name="solidAlignAcc1">
+    <dgm:fillClrLst meth="repeat">
+      <a:schemeClr val="lt1"/>
+    </dgm:fillClrLst>
+    <dgm:linClrLst meth="repeat">
+      <a:schemeClr val="accent2"/>
+      <a:schemeClr val="accent3"/>
+      <a:schemeClr val="accent4"/>
+      <a:schemeClr val="accent5"/>
+      <a:schemeClr val="accent6"/>
+    </dgm:linClrLst>
+    <dgm:effectClrLst/>
+    <dgm:txLinClrLst/>
+    <dgm:txFillClrLst meth="repeat">
+      <a:schemeClr val="dk1"/>
+    </dgm:txFillClrLst>
+    <dgm:txEffectClrLst/>
+  </dgm:styleLbl>
+  <dgm:styleLbl name="solidBgAcc1">
+    <dgm:fillClrLst meth="repeat">
+      <a:schemeClr val="lt1"/>
+    </dgm:fillClrLst>
+    <dgm:linClrLst meth="repeat">
+      <a:schemeClr val="accent2"/>
+      <a:schemeClr val="accent3"/>
+      <a:schemeClr val="accent4"/>
+      <a:schemeClr val="accent5"/>
+      <a:schemeClr val="accent6"/>
+    </dgm:linClrLst>
+    <dgm:effectClrLst/>
+    <dgm:txLinClrLst/>
+    <dgm:txFillClrLst meth="repeat">
+      <a:schemeClr val="dk1"/>
+    </dgm:txFillClrLst>
+    <dgm:txEffectClrLst/>
+  </dgm:styleLbl>
+  <dgm:styleLbl name="fgAccFollowNode1">
+    <dgm:fillClrLst meth="repeat">
+      <a:schemeClr val="accent2">
+        <a:tint val="40000"/>
+        <a:alpha val="90000"/>
+      </a:schemeClr>
+      <a:schemeClr val="accent3">
+        <a:tint val="40000"/>
+        <a:alpha val="90000"/>
+      </a:schemeClr>
+      <a:schemeClr val="accent4">
+        <a:tint val="40000"/>
+        <a:alpha val="90000"/>
+      </a:schemeClr>
+      <a:schemeClr val="accent5">
+        <a:tint val="40000"/>
+        <a:alpha val="90000"/>
+      </a:schemeClr>
+      <a:schemeClr val="accent6">
+        <a:tint val="40000"/>
+        <a:alpha val="90000"/>
+      </a:schemeClr>
+    </dgm:fillClrLst>
+    <dgm:linClrLst meth="repeat">
+      <a:schemeClr val="accent2">
+        <a:tint val="40000"/>
+        <a:alpha val="90000"/>
+      </a:schemeClr>
+      <a:schemeClr val="accent3">
+        <a:tint val="40000"/>
+        <a:alpha val="90000"/>
+      </a:schemeClr>
+      <a:schemeClr val="accent4">
+        <a:tint val="40000"/>
+        <a:alpha val="90000"/>
+      </a:schemeClr>
+      <a:schemeClr val="accent5">
+        <a:tint val="40000"/>
+        <a:alpha val="90000"/>
+      </a:schemeClr>
+      <a:schemeClr val="accent6">
+        <a:tint val="40000"/>
+        <a:alpha val="90000"/>
+      </a:schemeClr>
+    </dgm:linClrLst>
+    <dgm:effectClrLst/>
+    <dgm:txLinClrLst/>
+    <dgm:txFillClrLst meth="repeat">
+      <a:schemeClr val="dk1"/>
+    </dgm:txFillClrLst>
+    <dgm:txEffectClrLst/>
+  </dgm:styleLbl>
+  <dgm:styleLbl name="alignAccFollowNode1">
+    <dgm:fillClrLst meth="repeat">
+      <a:schemeClr val="accent2">
+        <a:tint val="40000"/>
+        <a:alpha val="90000"/>
+      </a:schemeClr>
+      <a:schemeClr val="accent3">
+        <a:tint val="40000"/>
+        <a:alpha val="90000"/>
+      </a:schemeClr>
+      <a:schemeClr val="accent4">
+        <a:tint val="40000"/>
+        <a:alpha val="90000"/>
+      </a:schemeClr>
+      <a:schemeClr val="accent5">
+        <a:tint val="40000"/>
+        <a:alpha val="90000"/>
+      </a:schemeClr>
+      <a:schemeClr val="accent6">
+        <a:tint val="40000"/>
+        <a:alpha val="90000"/>
+      </a:schemeClr>
+    </dgm:fillClrLst>
+    <dgm:linClrLst meth="repeat">
+      <a:schemeClr val="accent2">
+        <a:tint val="40000"/>
+        <a:alpha val="90000"/>
+      </a:schemeClr>
+      <a:schemeClr val="accent3">
+        <a:tint val="40000"/>
+        <a:alpha val="90000"/>
+      </a:schemeClr>
+      <a:schemeClr val="accent4">
+        <a:tint val="40000"/>
+        <a:alpha val="90000"/>
+      </a:schemeClr>
+      <a:schemeClr val="accent5">
+        <a:tint val="40000"/>
+        <a:alpha val="90000"/>
+      </a:schemeClr>
+      <a:schemeClr val="accent6">
+        <a:tint val="40000"/>
+        <a:alpha val="90000"/>
+      </a:schemeClr>
+    </dgm:linClrLst>
+    <dgm:effectClrLst/>
+    <dgm:txLinClrLst/>
+    <dgm:txFillClrLst meth="repeat">
+      <a:schemeClr val="dk1"/>
+    </dgm:txFillClrLst>
+    <dgm:txEffectClrLst/>
+  </dgm:styleLbl>
+  <dgm:styleLbl name="bgAccFollowNode1">
+    <dgm:fillClrLst meth="repeat">
+      <a:schemeClr val="accent2">
+        <a:tint val="40000"/>
+        <a:alpha val="90000"/>
+      </a:schemeClr>
+      <a:schemeClr val="accent3">
+        <a:tint val="40000"/>
+        <a:alpha val="90000"/>
+      </a:schemeClr>
+      <a:schemeClr val="accent4">
+        <a:tint val="40000"/>
+        <a:alpha val="90000"/>
+      </a:schemeClr>
+      <a:schemeClr val="accent5">
+        <a:tint val="40000"/>
+        <a:alpha val="90000"/>
+      </a:schemeClr>
+      <a:schemeClr val="accent6">
+        <a:tint val="40000"/>
+        <a:alpha val="90000"/>
+      </a:schemeClr>
+    </dgm:fillClrLst>
+    <dgm:linClrLst meth="repeat">
+      <a:schemeClr val="accent2">
+        <a:tint val="40000"/>
+        <a:alpha val="90000"/>
+      </a:schemeClr>
+      <a:schemeClr val="accent3">
+        <a:tint val="40000"/>
+        <a:alpha val="90000"/>
+      </a:schemeClr>
+      <a:schemeClr val="accent4">
+        <a:tint val="40000"/>
+        <a:alpha val="90000"/>
+      </a:schemeClr>
+      <a:schemeClr val="accent5">
+        <a:tint val="40000"/>
+        <a:alpha val="90000"/>
+      </a:schemeClr>
+      <a:schemeClr val="accent6">
+        <a:tint val="40000"/>
+        <a:alpha val="90000"/>
+      </a:schemeClr>
+    </dgm:linClrLst>
+    <dgm:effectClrLst/>
+    <dgm:txLinClrLst/>
+    <dgm:txFillClrLst meth="repeat">
+      <a:schemeClr val="dk1"/>
+    </dgm:txFillClrLst>
+    <dgm:txEffectClrLst/>
+  </dgm:styleLbl>
+  <dgm:styleLbl name="fgAcc0">
+    <dgm:fillClrLst meth="repeat">
+      <a:schemeClr val="lt1">
+        <a:alpha val="90000"/>
+      </a:schemeClr>
+    </dgm:fillClrLst>
+    <dgm:linClrLst>
+      <a:schemeClr val="accent1"/>
+    </dgm:linClrLst>
+    <dgm:effectClrLst/>
+    <dgm:txLinClrLst/>
+    <dgm:txFillClrLst meth="repeat">
+      <a:schemeClr val="dk1"/>
+    </dgm:txFillClrLst>
+    <dgm:txEffectClrLst/>
+  </dgm:styleLbl>
+  <dgm:styleLbl name="fgAcc2">
+    <dgm:fillClrLst meth="repeat">
+      <a:schemeClr val="lt1">
+        <a:alpha val="90000"/>
+      </a:schemeClr>
+    </dgm:fillClrLst>
+    <dgm:linClrLst>
+      <a:schemeClr val="accent2"/>
+    </dgm:linClrLst>
+    <dgm:effectClrLst/>
+    <dgm:txLinClrLst/>
+    <dgm:txFillClrLst meth="repeat">
+      <a:schemeClr val="dk1"/>
+    </dgm:txFillClrLst>
+    <dgm:txEffectClrLst/>
+  </dgm:styleLbl>
+  <dgm:styleLbl name="fgAcc3">
+    <dgm:fillClrLst meth="repeat">
+      <a:schemeClr val="lt1">
+        <a:alpha val="90000"/>
+      </a:schemeClr>
+    </dgm:fillClrLst>
+    <dgm:linClrLst>
+      <a:schemeClr val="accent3"/>
+    </dgm:linClrLst>
+    <dgm:effectClrLst/>
+    <dgm:txLinClrLst/>
+    <dgm:txFillClrLst meth="repeat">
+      <a:schemeClr val="dk1"/>
+    </dgm:txFillClrLst>
+    <dgm:txEffectClrLst/>
+  </dgm:styleLbl>
+  <dgm:styleLbl name="fgAcc4">
+    <dgm:fillClrLst meth="repeat">
+      <a:schemeClr val="lt1">
+        <a:alpha val="90000"/>
+      </a:schemeClr>
+    </dgm:fillClrLst>
+    <dgm:linClrLst>
+      <a:schemeClr val="accent4"/>
+    </dgm:linClrLst>
+    <dgm:effectClrLst/>
+    <dgm:txLinClrLst/>
+    <dgm:txFillClrLst meth="repeat">
+      <a:schemeClr val="dk1"/>
+    </dgm:txFillClrLst>
+    <dgm:txEffectClrLst/>
+  </dgm:styleLbl>
+  <dgm:styleLbl name="bgShp">
+    <dgm:fillClrLst meth="repeat">
+      <a:schemeClr val="accent2"/>
+      <a:schemeClr val="accent3"/>
+      <a:schemeClr val="accent4"/>
+      <a:schemeClr val="accent5"/>
+      <a:schemeClr val="accent6"/>
+    </dgm:fillClrLst>
+    <dgm:linClrLst meth="repeat">
+      <a:schemeClr val="lt1">
+        <a:alpha val="0"/>
+      </a:schemeClr>
+    </dgm:linClrLst>
+    <dgm:effectClrLst/>
+    <dgm:txLinClrLst/>
+    <dgm:txFillClrLst/>
+    <dgm:txEffectClrLst/>
+  </dgm:styleLbl>
+  <dgm:styleLbl name="dkBgShp">
+    <dgm:fillClrLst meth="repeat">
+      <a:schemeClr val="accent2">
+        <a:shade val="90000"/>
+      </a:schemeClr>
+    </dgm:fillClrLst>
+    <dgm:linClrLst meth="repeat">
+      <a:schemeClr val="dk1"/>
+    </dgm:linClrLst>
+    <dgm:effectClrLst/>
+    <dgm:txLinClrLst/>
+    <dgm:txFillClrLst meth="repeat">
+      <a:schemeClr val="lt1"/>
+    </dgm:txFillClrLst>
+    <dgm:txEffectClrLst/>
+  </dgm:styleLbl>
+  <dgm:styleLbl name="trBgShp">
+    <dgm:fillClrLst meth="repeat">
+      <a:schemeClr val="accent1">
+        <a:tint val="50000"/>
+        <a:alpha val="40000"/>
+      </a:schemeClr>
+    </dgm:fillClrLst>
+    <dgm:linClrLst meth="repeat">
+      <a:schemeClr val="accent2"/>
+    </dgm:linClrLst>
+    <dgm:effectClrLst/>
+    <dgm:txLinClrLst/>
+    <dgm:txFillClrLst meth="repeat">
+      <a:schemeClr val="lt1"/>
+    </dgm:txFillClrLst>
+    <dgm:txEffectClrLst/>
+  </dgm:styleLbl>
+  <dgm:styleLbl name="fgShp">
+    <dgm:fillClrLst meth="repeat">
+      <a:schemeClr val="accent2">
+        <a:tint val="40000"/>
+      </a:schemeClr>
+    </dgm:fillClrLst>
+    <dgm:linClrLst meth="repeat">
+      <a:schemeClr val="lt1"/>
+    </dgm:linClrLst>
+    <dgm:effectClrLst/>
+    <dgm:txLinClrLst/>
+    <dgm:txFillClrLst meth="repeat">
+      <a:schemeClr val="dk1"/>
+    </dgm:txFillClrLst>
+    <dgm:txEffectClrLst/>
+  </dgm:styleLbl>
+  <dgm:styleLbl name="revTx">
+    <dgm:fillClrLst meth="repeat">
+      <a:schemeClr val="lt1">
+        <a:alpha val="0"/>
+      </a:schemeClr>
+    </dgm:fillClrLst>
+    <dgm:linClrLst meth="repeat">
+      <a:schemeClr val="dk1">
+        <a:alpha val="0"/>
+      </a:schemeClr>
+    </dgm:linClrLst>
+    <dgm:effectClrLst/>
+    <dgm:txLinClrLst/>
+    <dgm:txFillClrLst meth="repeat">
+      <a:schemeClr val="bg1"/>
     </dgm:txFillClrLst>
     <dgm:txEffectClrLst/>
   </dgm:styleLbl>
@@ -7881,6 +8842,350 @@
     <dgm:cxn modelId="{F77BDEA8-1FD1-45E7-B6DF-5515386C386A}" type="presParOf" srcId="{A5558B2A-3715-4EF5-8BD9-D45956B87A07}" destId="{896CC092-B6FD-4B1E-B8F0-D053FD5CD3CF}" srcOrd="1" destOrd="0" presId="urn:microsoft.com/office/officeart/2018/5/layout/IconLeafLabelList"/>
     <dgm:cxn modelId="{18BD3C83-4A70-49CE-8AFB-D4EA903DBC54}" type="presParOf" srcId="{A5558B2A-3715-4EF5-8BD9-D45956B87A07}" destId="{B1360069-0142-415E-9983-751ACEBC99AF}" srcOrd="2" destOrd="0" presId="urn:microsoft.com/office/officeart/2018/5/layout/IconLeafLabelList"/>
     <dgm:cxn modelId="{A9D4CB82-E35E-4618-B2D9-110A67672670}" type="presParOf" srcId="{A5558B2A-3715-4EF5-8BD9-D45956B87A07}" destId="{F54C0875-2360-4432-A85E-A3E72ACE908C}" srcOrd="3" destOrd="0" presId="urn:microsoft.com/office/officeart/2018/5/layout/IconLeafLabelList"/>
+  </dgm:cxnLst>
+  <dgm:bg/>
+  <dgm:whole/>
+  <dgm:extLst>
+    <a:ext uri="http://schemas.microsoft.com/office/drawing/2008/diagram">
+      <dsp:dataModelExt xmlns:dsp="http://schemas.microsoft.com/office/drawing/2008/diagram" relId="rId6" minVer="http://schemas.openxmlformats.org/drawingml/2006/diagram"/>
+    </a:ext>
+  </dgm:extLst>
+</dgm:dataModel>
+</file>
+
+<file path=ppt/diagrams/data6.xml><?xml version="1.0" encoding="utf-8"?>
+<dgm:dataModel xmlns:dgm="http://schemas.openxmlformats.org/drawingml/2006/diagram" xmlns:a="http://schemas.openxmlformats.org/drawingml/2006/main">
+  <dgm:ptLst>
+    <dgm:pt modelId="{92BA974E-DC21-46A1-AE4D-75F962F6C1FA}" type="doc">
+      <dgm:prSet loTypeId="urn:microsoft.com/office/officeart/2018/2/layout/IconVerticalSolidList" loCatId="icon" qsTypeId="urn:microsoft.com/office/officeart/2005/8/quickstyle/simple1" qsCatId="simple" csTypeId="urn:microsoft.com/office/officeart/2018/5/colors/Iconchunking_neutralicontext_colorful1" csCatId="colorful" phldr="1"/>
+      <dgm:spPr/>
+      <dgm:t>
+        <a:bodyPr/>
+        <a:lstStyle/>
+        <a:p>
+          <a:endParaRPr lang="en-US"/>
+        </a:p>
+      </dgm:t>
+    </dgm:pt>
+    <dgm:pt modelId="{02721EF3-615D-478C-B0E0-F43FBB0909E1}">
+      <dgm:prSet/>
+      <dgm:spPr/>
+      <dgm:t>
+        <a:bodyPr/>
+        <a:lstStyle/>
+        <a:p>
+          <a:r>
+            <a:rPr lang="en-US"/>
+            <a:t>Suddivide la memoria centrale in piu</a:t>
+          </a:r>
+          <a:r>
+            <a:rPr lang="en-US" b="1"/>
+            <a:t> partizioni</a:t>
+          </a:r>
+          <a:endParaRPr lang="en-US"/>
+        </a:p>
+      </dgm:t>
+    </dgm:pt>
+    <dgm:pt modelId="{14A12426-3E90-438B-AA8A-6488CA6C5DF1}" type="parTrans" cxnId="{533D54EB-1707-44D2-AC0B-9AF79287084C}">
+      <dgm:prSet/>
+      <dgm:spPr/>
+      <dgm:t>
+        <a:bodyPr/>
+        <a:lstStyle/>
+        <a:p>
+          <a:endParaRPr lang="en-US"/>
+        </a:p>
+      </dgm:t>
+    </dgm:pt>
+    <dgm:pt modelId="{8F5406EA-F215-4DA0-BDA7-7233FB2E8F1E}" type="sibTrans" cxnId="{533D54EB-1707-44D2-AC0B-9AF79287084C}">
+      <dgm:prSet/>
+      <dgm:spPr/>
+      <dgm:t>
+        <a:bodyPr/>
+        <a:lstStyle/>
+        <a:p>
+          <a:endParaRPr lang="en-US"/>
+        </a:p>
+      </dgm:t>
+    </dgm:pt>
+    <dgm:pt modelId="{E503AED6-9CE5-4A83-86F3-71CAC24A8C29}">
+      <dgm:prSet/>
+      <dgm:spPr/>
+      <dgm:t>
+        <a:bodyPr/>
+        <a:lstStyle/>
+        <a:p>
+          <a:r>
+            <a:rPr lang="en-US"/>
+            <a:t>Frammentazione Interna:Si presenta quando le singole partizioni sono di </a:t>
+          </a:r>
+          <a:r>
+            <a:rPr lang="en-US" b="1"/>
+            <a:t>grandi dimensioni</a:t>
+          </a:r>
+          <a:r>
+            <a:rPr lang="en-US"/>
+            <a:t>.</a:t>
+          </a:r>
+        </a:p>
+      </dgm:t>
+    </dgm:pt>
+    <dgm:pt modelId="{753BAE67-AD58-4DCA-93EE-77CBA0FC695A}" type="parTrans" cxnId="{5BC389CB-791B-4E17-9496-4EA72F0EA198}">
+      <dgm:prSet/>
+      <dgm:spPr/>
+      <dgm:t>
+        <a:bodyPr/>
+        <a:lstStyle/>
+        <a:p>
+          <a:endParaRPr lang="en-US"/>
+        </a:p>
+      </dgm:t>
+    </dgm:pt>
+    <dgm:pt modelId="{2F804DEB-9D92-41DD-888F-CA446FE20A37}" type="sibTrans" cxnId="{5BC389CB-791B-4E17-9496-4EA72F0EA198}">
+      <dgm:prSet/>
+      <dgm:spPr/>
+      <dgm:t>
+        <a:bodyPr/>
+        <a:lstStyle/>
+        <a:p>
+          <a:endParaRPr lang="en-US"/>
+        </a:p>
+      </dgm:t>
+    </dgm:pt>
+    <dgm:pt modelId="{56923308-3740-4A0E-8709-A929F767BA26}">
+      <dgm:prSet/>
+      <dgm:spPr/>
+      <dgm:t>
+        <a:bodyPr/>
+        <a:lstStyle/>
+        <a:p>
+          <a:r>
+            <a:rPr lang="en-US"/>
+            <a:t>Frammentazione Esterna:Si presenta quando le singole partizioni sono di </a:t>
+          </a:r>
+          <a:r>
+            <a:rPr lang="en-US" b="1"/>
+            <a:t>piccole dimensioni</a:t>
+          </a:r>
+          <a:r>
+            <a:rPr lang="en-US"/>
+            <a:t>.</a:t>
+          </a:r>
+        </a:p>
+      </dgm:t>
+    </dgm:pt>
+    <dgm:pt modelId="{ED31E8FB-BFFD-479B-BF28-4BC032999348}" type="parTrans" cxnId="{84A44AD6-C3E4-42C9-962F-BE24E1BA7A16}">
+      <dgm:prSet/>
+      <dgm:spPr/>
+      <dgm:t>
+        <a:bodyPr/>
+        <a:lstStyle/>
+        <a:p>
+          <a:endParaRPr lang="en-US"/>
+        </a:p>
+      </dgm:t>
+    </dgm:pt>
+    <dgm:pt modelId="{FECE74EC-FE98-4057-8EEE-99C25A4CC6DE}" type="sibTrans" cxnId="{84A44AD6-C3E4-42C9-962F-BE24E1BA7A16}">
+      <dgm:prSet/>
+      <dgm:spPr/>
+      <dgm:t>
+        <a:bodyPr/>
+        <a:lstStyle/>
+        <a:p>
+          <a:endParaRPr lang="en-US"/>
+        </a:p>
+      </dgm:t>
+    </dgm:pt>
+    <dgm:pt modelId="{6E2914DA-0423-48D3-ABB7-2644E8109941}" type="pres">
+      <dgm:prSet presAssocID="{92BA974E-DC21-46A1-AE4D-75F962F6C1FA}" presName="root" presStyleCnt="0">
+        <dgm:presLayoutVars>
+          <dgm:dir/>
+          <dgm:resizeHandles val="exact"/>
+        </dgm:presLayoutVars>
+      </dgm:prSet>
+      <dgm:spPr/>
+    </dgm:pt>
+    <dgm:pt modelId="{35D32263-9C1B-43A7-928F-C2E6BF932DC4}" type="pres">
+      <dgm:prSet presAssocID="{02721EF3-615D-478C-B0E0-F43FBB0909E1}" presName="compNode" presStyleCnt="0"/>
+      <dgm:spPr/>
+    </dgm:pt>
+    <dgm:pt modelId="{A1EF9380-7BBC-4E35-9C48-C0DADFB6DFAE}" type="pres">
+      <dgm:prSet presAssocID="{02721EF3-615D-478C-B0E0-F43FBB0909E1}" presName="bgRect" presStyleLbl="bgShp" presStyleIdx="0" presStyleCnt="3"/>
+      <dgm:spPr/>
+    </dgm:pt>
+    <dgm:pt modelId="{9D8FE8E8-077D-4838-8408-05D34778AED4}" type="pres">
+      <dgm:prSet presAssocID="{02721EF3-615D-478C-B0E0-F43FBB0909E1}" presName="iconRect" presStyleLbl="node1" presStyleIdx="0" presStyleCnt="3"/>
+      <dgm:spPr>
+        <a:blipFill>
+          <a:blip xmlns:r="http://schemas.openxmlformats.org/officeDocument/2006/relationships" r:embed="rId1">
+            <a:extLst>
+              <a:ext uri="{28A0092B-C50C-407E-A947-70E740481C1C}">
+                <a14:useLocalDpi xmlns:a14="http://schemas.microsoft.com/office/drawing/2010/main" val="0"/>
+              </a:ext>
+              <a:ext uri="{96DAC541-7B7A-43D3-8B79-37D633B846F1}">
+                <asvg:svgBlip xmlns:asvg="http://schemas.microsoft.com/office/drawing/2016/SVG/main" r:embed="rId2"/>
+              </a:ext>
+            </a:extLst>
+          </a:blip>
+          <a:stretch>
+            <a:fillRect/>
+          </a:stretch>
+        </a:blipFill>
+        <a:ln>
+          <a:noFill/>
+        </a:ln>
+      </dgm:spPr>
+      <dgm:extLst>
+        <a:ext uri="{E40237B7-FDA0-4F09-8148-C483321AD2D9}">
+          <dgm14:cNvPr xmlns:dgm14="http://schemas.microsoft.com/office/drawing/2010/diagram" id="0" name="" descr="Segno di spunta"/>
+        </a:ext>
+      </dgm:extLst>
+    </dgm:pt>
+    <dgm:pt modelId="{F4CFE4C3-BC03-4FA3-A8DA-151CC149A807}" type="pres">
+      <dgm:prSet presAssocID="{02721EF3-615D-478C-B0E0-F43FBB0909E1}" presName="spaceRect" presStyleCnt="0"/>
+      <dgm:spPr/>
+    </dgm:pt>
+    <dgm:pt modelId="{01EBB119-03F5-4EE2-B43C-7EA6BBE66A37}" type="pres">
+      <dgm:prSet presAssocID="{02721EF3-615D-478C-B0E0-F43FBB0909E1}" presName="parTx" presStyleLbl="revTx" presStyleIdx="0" presStyleCnt="3">
+        <dgm:presLayoutVars>
+          <dgm:chMax val="0"/>
+          <dgm:chPref val="0"/>
+        </dgm:presLayoutVars>
+      </dgm:prSet>
+      <dgm:spPr/>
+    </dgm:pt>
+    <dgm:pt modelId="{98FF0BE7-D32F-4910-83C5-38E4D37D3159}" type="pres">
+      <dgm:prSet presAssocID="{8F5406EA-F215-4DA0-BDA7-7233FB2E8F1E}" presName="sibTrans" presStyleCnt="0"/>
+      <dgm:spPr/>
+    </dgm:pt>
+    <dgm:pt modelId="{B25F4238-9616-4D3F-9DB1-602DC27A961F}" type="pres">
+      <dgm:prSet presAssocID="{E503AED6-9CE5-4A83-86F3-71CAC24A8C29}" presName="compNode" presStyleCnt="0"/>
+      <dgm:spPr/>
+    </dgm:pt>
+    <dgm:pt modelId="{CFA37E36-95C8-481A-AD74-1C422B8EF7D0}" type="pres">
+      <dgm:prSet presAssocID="{E503AED6-9CE5-4A83-86F3-71CAC24A8C29}" presName="bgRect" presStyleLbl="bgShp" presStyleIdx="1" presStyleCnt="3"/>
+      <dgm:spPr/>
+    </dgm:pt>
+    <dgm:pt modelId="{A8C5C18F-40C8-41C4-86F8-B70122386A55}" type="pres">
+      <dgm:prSet presAssocID="{E503AED6-9CE5-4A83-86F3-71CAC24A8C29}" presName="iconRect" presStyleLbl="node1" presStyleIdx="1" presStyleCnt="3"/>
+      <dgm:spPr>
+        <a:blipFill>
+          <a:blip xmlns:r="http://schemas.openxmlformats.org/officeDocument/2006/relationships" r:embed="rId3">
+            <a:extLst>
+              <a:ext uri="{28A0092B-C50C-407E-A947-70E740481C1C}">
+                <a14:useLocalDpi xmlns:a14="http://schemas.microsoft.com/office/drawing/2010/main" val="0"/>
+              </a:ext>
+              <a:ext uri="{96DAC541-7B7A-43D3-8B79-37D633B846F1}">
+                <asvg:svgBlip xmlns:asvg="http://schemas.microsoft.com/office/drawing/2016/SVG/main" r:embed="rId4"/>
+              </a:ext>
+            </a:extLst>
+          </a:blip>
+          <a:stretch>
+            <a:fillRect/>
+          </a:stretch>
+        </a:blipFill>
+        <a:ln>
+          <a:noFill/>
+        </a:ln>
+      </dgm:spPr>
+      <dgm:extLst>
+        <a:ext uri="{E40237B7-FDA0-4F09-8148-C483321AD2D9}">
+          <dgm14:cNvPr xmlns:dgm14="http://schemas.microsoft.com/office/drawing/2010/diagram" id="0" name="" descr="Disconnesso"/>
+        </a:ext>
+      </dgm:extLst>
+    </dgm:pt>
+    <dgm:pt modelId="{5C429892-CFAE-4EF2-8E36-CAFCF886FFC7}" type="pres">
+      <dgm:prSet presAssocID="{E503AED6-9CE5-4A83-86F3-71CAC24A8C29}" presName="spaceRect" presStyleCnt="0"/>
+      <dgm:spPr/>
+    </dgm:pt>
+    <dgm:pt modelId="{597691CE-6EE1-4433-BE05-9D81C21D246F}" type="pres">
+      <dgm:prSet presAssocID="{E503AED6-9CE5-4A83-86F3-71CAC24A8C29}" presName="parTx" presStyleLbl="revTx" presStyleIdx="1" presStyleCnt="3">
+        <dgm:presLayoutVars>
+          <dgm:chMax val="0"/>
+          <dgm:chPref val="0"/>
+        </dgm:presLayoutVars>
+      </dgm:prSet>
+      <dgm:spPr/>
+    </dgm:pt>
+    <dgm:pt modelId="{46777252-1B23-4992-8CCA-65E667BDEF82}" type="pres">
+      <dgm:prSet presAssocID="{2F804DEB-9D92-41DD-888F-CA446FE20A37}" presName="sibTrans" presStyleCnt="0"/>
+      <dgm:spPr/>
+    </dgm:pt>
+    <dgm:pt modelId="{E5807A3E-8904-4950-878E-39537943E409}" type="pres">
+      <dgm:prSet presAssocID="{56923308-3740-4A0E-8709-A929F767BA26}" presName="compNode" presStyleCnt="0"/>
+      <dgm:spPr/>
+    </dgm:pt>
+    <dgm:pt modelId="{884E1F50-DD6B-416E-A0C7-1337FC38152A}" type="pres">
+      <dgm:prSet presAssocID="{56923308-3740-4A0E-8709-A929F767BA26}" presName="bgRect" presStyleLbl="bgShp" presStyleIdx="2" presStyleCnt="3"/>
+      <dgm:spPr/>
+    </dgm:pt>
+    <dgm:pt modelId="{F6A30FF3-2AD0-422A-B2C3-39F331FB1FAA}" type="pres">
+      <dgm:prSet presAssocID="{56923308-3740-4A0E-8709-A929F767BA26}" presName="iconRect" presStyleLbl="node1" presStyleIdx="2" presStyleCnt="3"/>
+      <dgm:spPr>
+        <a:blipFill>
+          <a:blip xmlns:r="http://schemas.openxmlformats.org/officeDocument/2006/relationships" r:embed="rId5">
+            <a:extLst>
+              <a:ext uri="{28A0092B-C50C-407E-A947-70E740481C1C}">
+                <a14:useLocalDpi xmlns:a14="http://schemas.microsoft.com/office/drawing/2010/main" val="0"/>
+              </a:ext>
+              <a:ext uri="{96DAC541-7B7A-43D3-8B79-37D633B846F1}">
+                <asvg:svgBlip xmlns:asvg="http://schemas.microsoft.com/office/drawing/2016/SVG/main" r:embed="rId6"/>
+              </a:ext>
+            </a:extLst>
+          </a:blip>
+          <a:stretch>
+            <a:fillRect/>
+          </a:stretch>
+        </a:blipFill>
+        <a:ln>
+          <a:noFill/>
+        </a:ln>
+      </dgm:spPr>
+      <dgm:extLst>
+        <a:ext uri="{E40237B7-FDA0-4F09-8148-C483321AD2D9}">
+          <dgm14:cNvPr xmlns:dgm14="http://schemas.microsoft.com/office/drawing/2010/diagram" id="0" name="" descr="Network Diagram"/>
+        </a:ext>
+      </dgm:extLst>
+    </dgm:pt>
+    <dgm:pt modelId="{72D5AE24-C6AE-4149-8BCE-70230356DD81}" type="pres">
+      <dgm:prSet presAssocID="{56923308-3740-4A0E-8709-A929F767BA26}" presName="spaceRect" presStyleCnt="0"/>
+      <dgm:spPr/>
+    </dgm:pt>
+    <dgm:pt modelId="{971CA76A-FE7F-457C-B028-9051BC03D7D9}" type="pres">
+      <dgm:prSet presAssocID="{56923308-3740-4A0E-8709-A929F767BA26}" presName="parTx" presStyleLbl="revTx" presStyleIdx="2" presStyleCnt="3">
+        <dgm:presLayoutVars>
+          <dgm:chMax val="0"/>
+          <dgm:chPref val="0"/>
+        </dgm:presLayoutVars>
+      </dgm:prSet>
+      <dgm:spPr/>
+    </dgm:pt>
+  </dgm:ptLst>
+  <dgm:cxnLst>
+    <dgm:cxn modelId="{53CCE73A-0344-437C-B1C1-A443F765B174}" type="presOf" srcId="{E503AED6-9CE5-4A83-86F3-71CAC24A8C29}" destId="{597691CE-6EE1-4433-BE05-9D81C21D246F}" srcOrd="0" destOrd="0" presId="urn:microsoft.com/office/officeart/2018/2/layout/IconVerticalSolidList"/>
+    <dgm:cxn modelId="{E603D7BA-D811-4F30-A7FF-186EF9B4434F}" type="presOf" srcId="{56923308-3740-4A0E-8709-A929F767BA26}" destId="{971CA76A-FE7F-457C-B028-9051BC03D7D9}" srcOrd="0" destOrd="0" presId="urn:microsoft.com/office/officeart/2018/2/layout/IconVerticalSolidList"/>
+    <dgm:cxn modelId="{5BC389CB-791B-4E17-9496-4EA72F0EA198}" srcId="{92BA974E-DC21-46A1-AE4D-75F962F6C1FA}" destId="{E503AED6-9CE5-4A83-86F3-71CAC24A8C29}" srcOrd="1" destOrd="0" parTransId="{753BAE67-AD58-4DCA-93EE-77CBA0FC695A}" sibTransId="{2F804DEB-9D92-41DD-888F-CA446FE20A37}"/>
+    <dgm:cxn modelId="{84A44AD6-C3E4-42C9-962F-BE24E1BA7A16}" srcId="{92BA974E-DC21-46A1-AE4D-75F962F6C1FA}" destId="{56923308-3740-4A0E-8709-A929F767BA26}" srcOrd="2" destOrd="0" parTransId="{ED31E8FB-BFFD-479B-BF28-4BC032999348}" sibTransId="{FECE74EC-FE98-4057-8EEE-99C25A4CC6DE}"/>
+    <dgm:cxn modelId="{533D54EB-1707-44D2-AC0B-9AF79287084C}" srcId="{92BA974E-DC21-46A1-AE4D-75F962F6C1FA}" destId="{02721EF3-615D-478C-B0E0-F43FBB0909E1}" srcOrd="0" destOrd="0" parTransId="{14A12426-3E90-438B-AA8A-6488CA6C5DF1}" sibTransId="{8F5406EA-F215-4DA0-BDA7-7233FB2E8F1E}"/>
+    <dgm:cxn modelId="{5225D1F9-A7C7-4149-8D5C-CB671FD88F31}" type="presOf" srcId="{92BA974E-DC21-46A1-AE4D-75F962F6C1FA}" destId="{6E2914DA-0423-48D3-ABB7-2644E8109941}" srcOrd="0" destOrd="0" presId="urn:microsoft.com/office/officeart/2018/2/layout/IconVerticalSolidList"/>
+    <dgm:cxn modelId="{2F5FA0FF-F36F-4790-93CE-1BFDEF4E0E52}" type="presOf" srcId="{02721EF3-615D-478C-B0E0-F43FBB0909E1}" destId="{01EBB119-03F5-4EE2-B43C-7EA6BBE66A37}" srcOrd="0" destOrd="0" presId="urn:microsoft.com/office/officeart/2018/2/layout/IconVerticalSolidList"/>
+    <dgm:cxn modelId="{D512D384-0005-4994-A802-F3BCC84367FA}" type="presParOf" srcId="{6E2914DA-0423-48D3-ABB7-2644E8109941}" destId="{35D32263-9C1B-43A7-928F-C2E6BF932DC4}" srcOrd="0" destOrd="0" presId="urn:microsoft.com/office/officeart/2018/2/layout/IconVerticalSolidList"/>
+    <dgm:cxn modelId="{1FED5567-CDD0-40C0-888D-9E3E692BBE88}" type="presParOf" srcId="{35D32263-9C1B-43A7-928F-C2E6BF932DC4}" destId="{A1EF9380-7BBC-4E35-9C48-C0DADFB6DFAE}" srcOrd="0" destOrd="0" presId="urn:microsoft.com/office/officeart/2018/2/layout/IconVerticalSolidList"/>
+    <dgm:cxn modelId="{0077CB8E-5291-4053-A680-53BC5FA1EA01}" type="presParOf" srcId="{35D32263-9C1B-43A7-928F-C2E6BF932DC4}" destId="{9D8FE8E8-077D-4838-8408-05D34778AED4}" srcOrd="1" destOrd="0" presId="urn:microsoft.com/office/officeart/2018/2/layout/IconVerticalSolidList"/>
+    <dgm:cxn modelId="{E55A52A2-204F-4D68-A364-1B57A21575A9}" type="presParOf" srcId="{35D32263-9C1B-43A7-928F-C2E6BF932DC4}" destId="{F4CFE4C3-BC03-4FA3-A8DA-151CC149A807}" srcOrd="2" destOrd="0" presId="urn:microsoft.com/office/officeart/2018/2/layout/IconVerticalSolidList"/>
+    <dgm:cxn modelId="{F8E721BE-577A-4E52-A469-67589BB65C8F}" type="presParOf" srcId="{35D32263-9C1B-43A7-928F-C2E6BF932DC4}" destId="{01EBB119-03F5-4EE2-B43C-7EA6BBE66A37}" srcOrd="3" destOrd="0" presId="urn:microsoft.com/office/officeart/2018/2/layout/IconVerticalSolidList"/>
+    <dgm:cxn modelId="{903DA8F7-89B8-45A0-94F2-8CF968D77E0D}" type="presParOf" srcId="{6E2914DA-0423-48D3-ABB7-2644E8109941}" destId="{98FF0BE7-D32F-4910-83C5-38E4D37D3159}" srcOrd="1" destOrd="0" presId="urn:microsoft.com/office/officeart/2018/2/layout/IconVerticalSolidList"/>
+    <dgm:cxn modelId="{A4B4C60F-5311-4E75-AEB9-C5C5F097FCC1}" type="presParOf" srcId="{6E2914DA-0423-48D3-ABB7-2644E8109941}" destId="{B25F4238-9616-4D3F-9DB1-602DC27A961F}" srcOrd="2" destOrd="0" presId="urn:microsoft.com/office/officeart/2018/2/layout/IconVerticalSolidList"/>
+    <dgm:cxn modelId="{0A9FBE1A-D616-467B-AB3D-DC8413865441}" type="presParOf" srcId="{B25F4238-9616-4D3F-9DB1-602DC27A961F}" destId="{CFA37E36-95C8-481A-AD74-1C422B8EF7D0}" srcOrd="0" destOrd="0" presId="urn:microsoft.com/office/officeart/2018/2/layout/IconVerticalSolidList"/>
+    <dgm:cxn modelId="{7268D5B8-2E3C-4DC8-BAA1-DB09D1836866}" type="presParOf" srcId="{B25F4238-9616-4D3F-9DB1-602DC27A961F}" destId="{A8C5C18F-40C8-41C4-86F8-B70122386A55}" srcOrd="1" destOrd="0" presId="urn:microsoft.com/office/officeart/2018/2/layout/IconVerticalSolidList"/>
+    <dgm:cxn modelId="{FF8DEFB9-0126-4081-82E0-2617B08448F8}" type="presParOf" srcId="{B25F4238-9616-4D3F-9DB1-602DC27A961F}" destId="{5C429892-CFAE-4EF2-8E36-CAFCF886FFC7}" srcOrd="2" destOrd="0" presId="urn:microsoft.com/office/officeart/2018/2/layout/IconVerticalSolidList"/>
+    <dgm:cxn modelId="{E2C2C291-8CE6-4D8D-BC03-296D258892C8}" type="presParOf" srcId="{B25F4238-9616-4D3F-9DB1-602DC27A961F}" destId="{597691CE-6EE1-4433-BE05-9D81C21D246F}" srcOrd="3" destOrd="0" presId="urn:microsoft.com/office/officeart/2018/2/layout/IconVerticalSolidList"/>
+    <dgm:cxn modelId="{96E54C0C-531F-4A7F-8DA0-7D2576B72884}" type="presParOf" srcId="{6E2914DA-0423-48D3-ABB7-2644E8109941}" destId="{46777252-1B23-4992-8CCA-65E667BDEF82}" srcOrd="3" destOrd="0" presId="urn:microsoft.com/office/officeart/2018/2/layout/IconVerticalSolidList"/>
+    <dgm:cxn modelId="{6DF450C2-236B-4B11-9911-F5DEFB46FA67}" type="presParOf" srcId="{6E2914DA-0423-48D3-ABB7-2644E8109941}" destId="{E5807A3E-8904-4950-878E-39537943E409}" srcOrd="4" destOrd="0" presId="urn:microsoft.com/office/officeart/2018/2/layout/IconVerticalSolidList"/>
+    <dgm:cxn modelId="{BB32D820-1573-46C0-9595-FE2DEC180A8E}" type="presParOf" srcId="{E5807A3E-8904-4950-878E-39537943E409}" destId="{884E1F50-DD6B-416E-A0C7-1337FC38152A}" srcOrd="0" destOrd="0" presId="urn:microsoft.com/office/officeart/2018/2/layout/IconVerticalSolidList"/>
+    <dgm:cxn modelId="{3DD0C5FB-46F3-4059-9E80-6C63D1580B13}" type="presParOf" srcId="{E5807A3E-8904-4950-878E-39537943E409}" destId="{F6A30FF3-2AD0-422A-B2C3-39F331FB1FAA}" srcOrd="1" destOrd="0" presId="urn:microsoft.com/office/officeart/2018/2/layout/IconVerticalSolidList"/>
+    <dgm:cxn modelId="{C7970D07-C72E-41AF-84B9-8F48468CBEF2}" type="presParOf" srcId="{E5807A3E-8904-4950-878E-39537943E409}" destId="{72D5AE24-C6AE-4149-8BCE-70230356DD81}" srcOrd="2" destOrd="0" presId="urn:microsoft.com/office/officeart/2018/2/layout/IconVerticalSolidList"/>
+    <dgm:cxn modelId="{0EFC1854-B4FB-4D0F-863F-03AA32FFE6E0}" type="presParOf" srcId="{E5807A3E-8904-4950-878E-39537943E409}" destId="{971CA76A-FE7F-457C-B028-9051BC03D7D9}" srcOrd="3" destOrd="0" presId="urn:microsoft.com/office/officeart/2018/2/layout/IconVerticalSolidList"/>
   </dgm:cxnLst>
   <dgm:bg/>
   <dgm:whole/>
@@ -11770,6 +13075,489 @@
 </dsp:drawing>
 </file>
 
+<file path=ppt/diagrams/drawing6.xml><?xml version="1.0" encoding="utf-8"?>
+<dsp:drawing xmlns:dgm="http://schemas.openxmlformats.org/drawingml/2006/diagram" xmlns:dsp="http://schemas.microsoft.com/office/drawing/2008/diagram" xmlns:a="http://schemas.openxmlformats.org/drawingml/2006/main">
+  <dsp:spTree>
+    <dsp:nvGrpSpPr>
+      <dsp:cNvPr id="0" name=""/>
+      <dsp:cNvGrpSpPr/>
+    </dsp:nvGrpSpPr>
+    <dsp:grpSpPr/>
+    <dsp:sp modelId="{A1EF9380-7BBC-4E35-9C48-C0DADFB6DFAE}">
+      <dsp:nvSpPr>
+        <dsp:cNvPr id="0" name=""/>
+        <dsp:cNvSpPr/>
+      </dsp:nvSpPr>
+      <dsp:spPr>
+        <a:xfrm>
+          <a:off x="0" y="558"/>
+          <a:ext cx="6496050" cy="1305966"/>
+        </a:xfrm>
+        <a:prstGeom prst="roundRect">
+          <a:avLst>
+            <a:gd name="adj" fmla="val 10000"/>
+          </a:avLst>
+        </a:prstGeom>
+        <a:solidFill>
+          <a:schemeClr val="accent2">
+            <a:hueOff val="0"/>
+            <a:satOff val="0"/>
+            <a:lumOff val="0"/>
+            <a:alphaOff val="0"/>
+          </a:schemeClr>
+        </a:solidFill>
+        <a:ln>
+          <a:noFill/>
+        </a:ln>
+        <a:effectLst/>
+      </dsp:spPr>
+      <dsp:style>
+        <a:lnRef idx="0">
+          <a:scrgbClr r="0" g="0" b="0"/>
+        </a:lnRef>
+        <a:fillRef idx="1">
+          <a:scrgbClr r="0" g="0" b="0"/>
+        </a:fillRef>
+        <a:effectRef idx="0">
+          <a:scrgbClr r="0" g="0" b="0"/>
+        </a:effectRef>
+        <a:fontRef idx="minor"/>
+      </dsp:style>
+    </dsp:sp>
+    <dsp:sp modelId="{9D8FE8E8-077D-4838-8408-05D34778AED4}">
+      <dsp:nvSpPr>
+        <dsp:cNvPr id="0" name=""/>
+        <dsp:cNvSpPr/>
+      </dsp:nvSpPr>
+      <dsp:spPr>
+        <a:xfrm>
+          <a:off x="395054" y="294400"/>
+          <a:ext cx="718281" cy="718281"/>
+        </a:xfrm>
+        <a:prstGeom prst="rect">
+          <a:avLst/>
+        </a:prstGeom>
+        <a:blipFill>
+          <a:blip xmlns:r="http://schemas.openxmlformats.org/officeDocument/2006/relationships" r:embed="rId1">
+            <a:extLst>
+              <a:ext uri="{28A0092B-C50C-407E-A947-70E740481C1C}">
+                <a14:useLocalDpi xmlns:a14="http://schemas.microsoft.com/office/drawing/2010/main" val="0"/>
+              </a:ext>
+              <a:ext uri="{96DAC541-7B7A-43D3-8B79-37D633B846F1}">
+                <asvg:svgBlip xmlns:asvg="http://schemas.microsoft.com/office/drawing/2016/SVG/main" r:embed="rId2"/>
+              </a:ext>
+            </a:extLst>
+          </a:blip>
+          <a:stretch>
+            <a:fillRect/>
+          </a:stretch>
+        </a:blipFill>
+        <a:ln w="19050" cap="rnd" cmpd="sng" algn="ctr">
+          <a:noFill/>
+          <a:prstDash val="solid"/>
+        </a:ln>
+        <a:effectLst/>
+      </dsp:spPr>
+      <dsp:style>
+        <a:lnRef idx="2">
+          <a:scrgbClr r="0" g="0" b="0"/>
+        </a:lnRef>
+        <a:fillRef idx="1">
+          <a:scrgbClr r="0" g="0" b="0"/>
+        </a:fillRef>
+        <a:effectRef idx="0">
+          <a:scrgbClr r="0" g="0" b="0"/>
+        </a:effectRef>
+        <a:fontRef idx="minor">
+          <a:schemeClr val="lt1"/>
+        </a:fontRef>
+      </dsp:style>
+    </dsp:sp>
+    <dsp:sp modelId="{01EBB119-03F5-4EE2-B43C-7EA6BBE66A37}">
+      <dsp:nvSpPr>
+        <dsp:cNvPr id="0" name=""/>
+        <dsp:cNvSpPr/>
+      </dsp:nvSpPr>
+      <dsp:spPr>
+        <a:xfrm>
+          <a:off x="1508391" y="558"/>
+          <a:ext cx="4987658" cy="1305966"/>
+        </a:xfrm>
+        <a:prstGeom prst="rect">
+          <a:avLst/>
+        </a:prstGeom>
+        <a:noFill/>
+        <a:ln>
+          <a:noFill/>
+        </a:ln>
+        <a:effectLst/>
+      </dsp:spPr>
+      <dsp:style>
+        <a:lnRef idx="0">
+          <a:scrgbClr r="0" g="0" b="0"/>
+        </a:lnRef>
+        <a:fillRef idx="0">
+          <a:scrgbClr r="0" g="0" b="0"/>
+        </a:fillRef>
+        <a:effectRef idx="0">
+          <a:scrgbClr r="0" g="0" b="0"/>
+        </a:effectRef>
+        <a:fontRef idx="minor"/>
+      </dsp:style>
+      <dsp:txBody>
+        <a:bodyPr spcFirstLastPara="0" vert="horz" wrap="square" lIns="138215" tIns="138215" rIns="138215" bIns="138215" numCol="1" spcCol="1270" anchor="ctr" anchorCtr="0">
+          <a:noAutofit/>
+        </a:bodyPr>
+        <a:lstStyle/>
+        <a:p>
+          <a:pPr marL="0" lvl="0" indent="0" algn="l" defTabSz="889000">
+            <a:lnSpc>
+              <a:spcPct val="90000"/>
+            </a:lnSpc>
+            <a:spcBef>
+              <a:spcPct val="0"/>
+            </a:spcBef>
+            <a:spcAft>
+              <a:spcPct val="35000"/>
+            </a:spcAft>
+            <a:buNone/>
+          </a:pPr>
+          <a:r>
+            <a:rPr lang="en-US" sz="2000" kern="1200"/>
+            <a:t>Suddivide la memoria centrale in piu</a:t>
+          </a:r>
+          <a:r>
+            <a:rPr lang="en-US" sz="2000" b="1" kern="1200"/>
+            <a:t> partizioni</a:t>
+          </a:r>
+          <a:endParaRPr lang="en-US" sz="2000" kern="1200"/>
+        </a:p>
+      </dsp:txBody>
+      <dsp:txXfrm>
+        <a:off x="1508391" y="558"/>
+        <a:ext cx="4987658" cy="1305966"/>
+      </dsp:txXfrm>
+    </dsp:sp>
+    <dsp:sp modelId="{CFA37E36-95C8-481A-AD74-1C422B8EF7D0}">
+      <dsp:nvSpPr>
+        <dsp:cNvPr id="0" name=""/>
+        <dsp:cNvSpPr/>
+      </dsp:nvSpPr>
+      <dsp:spPr>
+        <a:xfrm>
+          <a:off x="0" y="1633016"/>
+          <a:ext cx="6496050" cy="1305966"/>
+        </a:xfrm>
+        <a:prstGeom prst="roundRect">
+          <a:avLst>
+            <a:gd name="adj" fmla="val 10000"/>
+          </a:avLst>
+        </a:prstGeom>
+        <a:solidFill>
+          <a:schemeClr val="accent3">
+            <a:hueOff val="0"/>
+            <a:satOff val="0"/>
+            <a:lumOff val="0"/>
+            <a:alphaOff val="0"/>
+          </a:schemeClr>
+        </a:solidFill>
+        <a:ln>
+          <a:noFill/>
+        </a:ln>
+        <a:effectLst/>
+      </dsp:spPr>
+      <dsp:style>
+        <a:lnRef idx="0">
+          <a:scrgbClr r="0" g="0" b="0"/>
+        </a:lnRef>
+        <a:fillRef idx="1">
+          <a:scrgbClr r="0" g="0" b="0"/>
+        </a:fillRef>
+        <a:effectRef idx="0">
+          <a:scrgbClr r="0" g="0" b="0"/>
+        </a:effectRef>
+        <a:fontRef idx="minor"/>
+      </dsp:style>
+    </dsp:sp>
+    <dsp:sp modelId="{A8C5C18F-40C8-41C4-86F8-B70122386A55}">
+      <dsp:nvSpPr>
+        <dsp:cNvPr id="0" name=""/>
+        <dsp:cNvSpPr/>
+      </dsp:nvSpPr>
+      <dsp:spPr>
+        <a:xfrm>
+          <a:off x="395054" y="1926859"/>
+          <a:ext cx="718281" cy="718281"/>
+        </a:xfrm>
+        <a:prstGeom prst="rect">
+          <a:avLst/>
+        </a:prstGeom>
+        <a:blipFill>
+          <a:blip xmlns:r="http://schemas.openxmlformats.org/officeDocument/2006/relationships" r:embed="rId3">
+            <a:extLst>
+              <a:ext uri="{28A0092B-C50C-407E-A947-70E740481C1C}">
+                <a14:useLocalDpi xmlns:a14="http://schemas.microsoft.com/office/drawing/2010/main" val="0"/>
+              </a:ext>
+              <a:ext uri="{96DAC541-7B7A-43D3-8B79-37D633B846F1}">
+                <asvg:svgBlip xmlns:asvg="http://schemas.microsoft.com/office/drawing/2016/SVG/main" r:embed="rId4"/>
+              </a:ext>
+            </a:extLst>
+          </a:blip>
+          <a:stretch>
+            <a:fillRect/>
+          </a:stretch>
+        </a:blipFill>
+        <a:ln w="19050" cap="rnd" cmpd="sng" algn="ctr">
+          <a:noFill/>
+          <a:prstDash val="solid"/>
+        </a:ln>
+        <a:effectLst/>
+      </dsp:spPr>
+      <dsp:style>
+        <a:lnRef idx="2">
+          <a:scrgbClr r="0" g="0" b="0"/>
+        </a:lnRef>
+        <a:fillRef idx="1">
+          <a:scrgbClr r="0" g="0" b="0"/>
+        </a:fillRef>
+        <a:effectRef idx="0">
+          <a:scrgbClr r="0" g="0" b="0"/>
+        </a:effectRef>
+        <a:fontRef idx="minor">
+          <a:schemeClr val="lt1"/>
+        </a:fontRef>
+      </dsp:style>
+    </dsp:sp>
+    <dsp:sp modelId="{597691CE-6EE1-4433-BE05-9D81C21D246F}">
+      <dsp:nvSpPr>
+        <dsp:cNvPr id="0" name=""/>
+        <dsp:cNvSpPr/>
+      </dsp:nvSpPr>
+      <dsp:spPr>
+        <a:xfrm>
+          <a:off x="1508391" y="1633016"/>
+          <a:ext cx="4987658" cy="1305966"/>
+        </a:xfrm>
+        <a:prstGeom prst="rect">
+          <a:avLst/>
+        </a:prstGeom>
+        <a:noFill/>
+        <a:ln>
+          <a:noFill/>
+        </a:ln>
+        <a:effectLst/>
+      </dsp:spPr>
+      <dsp:style>
+        <a:lnRef idx="0">
+          <a:scrgbClr r="0" g="0" b="0"/>
+        </a:lnRef>
+        <a:fillRef idx="0">
+          <a:scrgbClr r="0" g="0" b="0"/>
+        </a:fillRef>
+        <a:effectRef idx="0">
+          <a:scrgbClr r="0" g="0" b="0"/>
+        </a:effectRef>
+        <a:fontRef idx="minor"/>
+      </dsp:style>
+      <dsp:txBody>
+        <a:bodyPr spcFirstLastPara="0" vert="horz" wrap="square" lIns="138215" tIns="138215" rIns="138215" bIns="138215" numCol="1" spcCol="1270" anchor="ctr" anchorCtr="0">
+          <a:noAutofit/>
+        </a:bodyPr>
+        <a:lstStyle/>
+        <a:p>
+          <a:pPr marL="0" lvl="0" indent="0" algn="l" defTabSz="889000">
+            <a:lnSpc>
+              <a:spcPct val="90000"/>
+            </a:lnSpc>
+            <a:spcBef>
+              <a:spcPct val="0"/>
+            </a:spcBef>
+            <a:spcAft>
+              <a:spcPct val="35000"/>
+            </a:spcAft>
+            <a:buNone/>
+          </a:pPr>
+          <a:r>
+            <a:rPr lang="en-US" sz="2000" kern="1200"/>
+            <a:t>Frammentazione Interna:Si presenta quando le singole partizioni sono di </a:t>
+          </a:r>
+          <a:r>
+            <a:rPr lang="en-US" sz="2000" b="1" kern="1200"/>
+            <a:t>grandi dimensioni</a:t>
+          </a:r>
+          <a:r>
+            <a:rPr lang="en-US" sz="2000" kern="1200"/>
+            <a:t>.</a:t>
+          </a:r>
+        </a:p>
+      </dsp:txBody>
+      <dsp:txXfrm>
+        <a:off x="1508391" y="1633016"/>
+        <a:ext cx="4987658" cy="1305966"/>
+      </dsp:txXfrm>
+    </dsp:sp>
+    <dsp:sp modelId="{884E1F50-DD6B-416E-A0C7-1337FC38152A}">
+      <dsp:nvSpPr>
+        <dsp:cNvPr id="0" name=""/>
+        <dsp:cNvSpPr/>
+      </dsp:nvSpPr>
+      <dsp:spPr>
+        <a:xfrm>
+          <a:off x="0" y="3265475"/>
+          <a:ext cx="6496050" cy="1305966"/>
+        </a:xfrm>
+        <a:prstGeom prst="roundRect">
+          <a:avLst>
+            <a:gd name="adj" fmla="val 10000"/>
+          </a:avLst>
+        </a:prstGeom>
+        <a:solidFill>
+          <a:schemeClr val="accent4">
+            <a:hueOff val="0"/>
+            <a:satOff val="0"/>
+            <a:lumOff val="0"/>
+            <a:alphaOff val="0"/>
+          </a:schemeClr>
+        </a:solidFill>
+        <a:ln>
+          <a:noFill/>
+        </a:ln>
+        <a:effectLst/>
+      </dsp:spPr>
+      <dsp:style>
+        <a:lnRef idx="0">
+          <a:scrgbClr r="0" g="0" b="0"/>
+        </a:lnRef>
+        <a:fillRef idx="1">
+          <a:scrgbClr r="0" g="0" b="0"/>
+        </a:fillRef>
+        <a:effectRef idx="0">
+          <a:scrgbClr r="0" g="0" b="0"/>
+        </a:effectRef>
+        <a:fontRef idx="minor"/>
+      </dsp:style>
+    </dsp:sp>
+    <dsp:sp modelId="{F6A30FF3-2AD0-422A-B2C3-39F331FB1FAA}">
+      <dsp:nvSpPr>
+        <dsp:cNvPr id="0" name=""/>
+        <dsp:cNvSpPr/>
+      </dsp:nvSpPr>
+      <dsp:spPr>
+        <a:xfrm>
+          <a:off x="395054" y="3559317"/>
+          <a:ext cx="718281" cy="718281"/>
+        </a:xfrm>
+        <a:prstGeom prst="rect">
+          <a:avLst/>
+        </a:prstGeom>
+        <a:blipFill>
+          <a:blip xmlns:r="http://schemas.openxmlformats.org/officeDocument/2006/relationships" r:embed="rId5">
+            <a:extLst>
+              <a:ext uri="{28A0092B-C50C-407E-A947-70E740481C1C}">
+                <a14:useLocalDpi xmlns:a14="http://schemas.microsoft.com/office/drawing/2010/main" val="0"/>
+              </a:ext>
+              <a:ext uri="{96DAC541-7B7A-43D3-8B79-37D633B846F1}">
+                <asvg:svgBlip xmlns:asvg="http://schemas.microsoft.com/office/drawing/2016/SVG/main" r:embed="rId6"/>
+              </a:ext>
+            </a:extLst>
+          </a:blip>
+          <a:stretch>
+            <a:fillRect/>
+          </a:stretch>
+        </a:blipFill>
+        <a:ln w="19050" cap="rnd" cmpd="sng" algn="ctr">
+          <a:noFill/>
+          <a:prstDash val="solid"/>
+        </a:ln>
+        <a:effectLst/>
+      </dsp:spPr>
+      <dsp:style>
+        <a:lnRef idx="2">
+          <a:scrgbClr r="0" g="0" b="0"/>
+        </a:lnRef>
+        <a:fillRef idx="1">
+          <a:scrgbClr r="0" g="0" b="0"/>
+        </a:fillRef>
+        <a:effectRef idx="0">
+          <a:scrgbClr r="0" g="0" b="0"/>
+        </a:effectRef>
+        <a:fontRef idx="minor">
+          <a:schemeClr val="lt1"/>
+        </a:fontRef>
+      </dsp:style>
+    </dsp:sp>
+    <dsp:sp modelId="{971CA76A-FE7F-457C-B028-9051BC03D7D9}">
+      <dsp:nvSpPr>
+        <dsp:cNvPr id="0" name=""/>
+        <dsp:cNvSpPr/>
+      </dsp:nvSpPr>
+      <dsp:spPr>
+        <a:xfrm>
+          <a:off x="1508391" y="3265475"/>
+          <a:ext cx="4987658" cy="1305966"/>
+        </a:xfrm>
+        <a:prstGeom prst="rect">
+          <a:avLst/>
+        </a:prstGeom>
+        <a:noFill/>
+        <a:ln>
+          <a:noFill/>
+        </a:ln>
+        <a:effectLst/>
+      </dsp:spPr>
+      <dsp:style>
+        <a:lnRef idx="0">
+          <a:scrgbClr r="0" g="0" b="0"/>
+        </a:lnRef>
+        <a:fillRef idx="0">
+          <a:scrgbClr r="0" g="0" b="0"/>
+        </a:fillRef>
+        <a:effectRef idx="0">
+          <a:scrgbClr r="0" g="0" b="0"/>
+        </a:effectRef>
+        <a:fontRef idx="minor"/>
+      </dsp:style>
+      <dsp:txBody>
+        <a:bodyPr spcFirstLastPara="0" vert="horz" wrap="square" lIns="138215" tIns="138215" rIns="138215" bIns="138215" numCol="1" spcCol="1270" anchor="ctr" anchorCtr="0">
+          <a:noAutofit/>
+        </a:bodyPr>
+        <a:lstStyle/>
+        <a:p>
+          <a:pPr marL="0" lvl="0" indent="0" algn="l" defTabSz="889000">
+            <a:lnSpc>
+              <a:spcPct val="90000"/>
+            </a:lnSpc>
+            <a:spcBef>
+              <a:spcPct val="0"/>
+            </a:spcBef>
+            <a:spcAft>
+              <a:spcPct val="35000"/>
+            </a:spcAft>
+            <a:buNone/>
+          </a:pPr>
+          <a:r>
+            <a:rPr lang="en-US" sz="2000" kern="1200"/>
+            <a:t>Frammentazione Esterna:Si presenta quando le singole partizioni sono di </a:t>
+          </a:r>
+          <a:r>
+            <a:rPr lang="en-US" sz="2000" b="1" kern="1200"/>
+            <a:t>piccole dimensioni</a:t>
+          </a:r>
+          <a:r>
+            <a:rPr lang="en-US" sz="2000" kern="1200"/>
+            <a:t>.</a:t>
+          </a:r>
+        </a:p>
+      </dsp:txBody>
+      <dsp:txXfrm>
+        <a:off x="1508391" y="3265475"/>
+        <a:ext cx="4987658" cy="1305966"/>
+      </dsp:txXfrm>
+    </dsp:sp>
+  </dsp:spTree>
+</dsp:drawing>
+</file>
+
 <file path=ppt/diagrams/layout1.xml><?xml version="1.0" encoding="utf-8"?>
 <dgm:layoutDef xmlns:dgm="http://schemas.openxmlformats.org/drawingml/2006/diagram" xmlns:a="http://schemas.openxmlformats.org/drawingml/2006/main" uniqueId="urn:microsoft.com/office/officeart/2005/8/layout/default">
   <dgm:title val=""/>
@@ -13835,6 +15623,300 @@
 </dgm:layoutDef>
 </file>
 
+<file path=ppt/diagrams/layout6.xml><?xml version="1.0" encoding="utf-8"?>
+<dgm:layoutDef xmlns:dgm="http://schemas.openxmlformats.org/drawingml/2006/diagram" xmlns:a="http://schemas.openxmlformats.org/drawingml/2006/main" uniqueId="urn:microsoft.com/office/officeart/2018/2/layout/IconVerticalSolidList">
+  <dgm:title val="Icon Vertical Solid List"/>
+  <dgm:desc val="Use to show a series of visuals from top to bottom with Level 1 or Level 1 and Level 2 text grouped in a shape. Works best with icons or small pictures with lengthier descriptions."/>
+  <dgm:catLst>
+    <dgm:cat type="icon" pri="500"/>
+  </dgm:catLst>
+  <dgm:sampData useDef="1">
+    <dgm:dataModel>
+      <dgm:ptLst/>
+      <dgm:bg/>
+      <dgm:whole/>
+    </dgm:dataModel>
+  </dgm:sampData>
+  <dgm:styleData useDef="1">
+    <dgm:dataModel>
+      <dgm:ptLst/>
+      <dgm:bg/>
+      <dgm:whole/>
+    </dgm:dataModel>
+  </dgm:styleData>
+  <dgm:clrData useDef="1">
+    <dgm:dataModel>
+      <dgm:ptLst/>
+      <dgm:bg/>
+      <dgm:whole/>
+    </dgm:dataModel>
+  </dgm:clrData>
+  <dgm:layoutNode name="root">
+    <dgm:varLst>
+      <dgm:dir/>
+      <dgm:resizeHandles val="exact"/>
+    </dgm:varLst>
+    <dgm:choose name="Name0">
+      <dgm:if name="Name1" axis="self" func="var" arg="dir" op="equ" val="norm">
+        <dgm:alg type="lin">
+          <dgm:param type="linDir" val="fromT"/>
+          <dgm:param type="nodeHorzAlign" val="l"/>
+        </dgm:alg>
+      </dgm:if>
+      <dgm:else name="Name2">
+        <dgm:alg type="lin">
+          <dgm:param type="linDir" val="fromT"/>
+          <dgm:param type="nodeHorzAlign" val="r"/>
+        </dgm:alg>
+      </dgm:else>
+    </dgm:choose>
+    <dgm:shape xmlns:r="http://schemas.openxmlformats.org/officeDocument/2006/relationships" r:blip="">
+      <dgm:adjLst/>
+    </dgm:shape>
+    <dgm:presOf/>
+    <dgm:choose name="Name3">
+      <dgm:if name="Name4" axis="ch" ptType="node" func="cnt" op="lte" val="3">
+        <dgm:constrLst>
+          <dgm:constr type="h" for="ch" forName="compNode" refType="h" fact="0.3"/>
+          <dgm:constr type="w" for="ch" forName="compNode" refType="w"/>
+          <dgm:constr type="h" for="ch" forName="sibTrans" refType="h" refFor="ch" refForName="compNode" fact="0.25"/>
+          <dgm:constr type="primFontSz" for="des" forName="parTx" val="25"/>
+          <dgm:constr type="primFontSz" for="des" forName="desTx" refType="primFontSz" refFor="des" refForName="parTx" op="lte" fact="0.75"/>
+          <dgm:constr type="h" for="des" forName="compNode" op="equ"/>
+          <dgm:constr type="h" for="des" forName="bgRect" op="equ"/>
+          <dgm:constr type="h" for="des" forName="iconRect" op="equ"/>
+          <dgm:constr type="w" for="des" forName="iconRect" op="equ"/>
+          <dgm:constr type="h" for="des" forName="spaceRect" op="equ"/>
+          <dgm:constr type="h" for="des" forName="parTx" op="equ"/>
+          <dgm:constr type="h" for="des" forName="desTx" op="equ"/>
+        </dgm:constrLst>
+      </dgm:if>
+      <dgm:if name="Name5" axis="ch" ptType="node" func="cnt" op="lte" val="4">
+        <dgm:constrLst>
+          <dgm:constr type="h" for="ch" forName="compNode" refType="h" fact="0.3"/>
+          <dgm:constr type="w" for="ch" forName="compNode" refType="w"/>
+          <dgm:constr type="h" for="ch" forName="sibTrans" refType="h" refFor="ch" refForName="compNode" fact="0.25"/>
+          <dgm:constr type="primFontSz" for="des" forName="parTx" val="22"/>
+          <dgm:constr type="primFontSz" for="des" forName="desTx" refType="primFontSz" refFor="des" refForName="parTx" op="lte" fact="0.75"/>
+          <dgm:constr type="h" for="des" forName="compNode" op="equ"/>
+          <dgm:constr type="h" for="des" forName="bgRect" op="equ"/>
+          <dgm:constr type="h" for="des" forName="iconRect" op="equ"/>
+          <dgm:constr type="w" for="des" forName="iconRect" op="equ"/>
+          <dgm:constr type="h" for="des" forName="spaceRect" op="equ"/>
+          <dgm:constr type="h" for="des" forName="parTx" op="equ"/>
+          <dgm:constr type="h" for="des" forName="desTx" op="equ"/>
+        </dgm:constrLst>
+      </dgm:if>
+      <dgm:if name="Name6" axis="ch" ptType="node" func="cnt" op="lte" val="6">
+        <dgm:constrLst>
+          <dgm:constr type="h" for="ch" forName="compNode" refType="h" fact="0.3"/>
+          <dgm:constr type="w" for="ch" forName="compNode" refType="w"/>
+          <dgm:constr type="h" for="ch" forName="sibTrans" refType="h" refFor="ch" refForName="compNode" fact="0.25"/>
+          <dgm:constr type="primFontSz" for="des" forName="parTx" val="19"/>
+          <dgm:constr type="primFontSz" for="des" forName="desTx" refType="primFontSz" refFor="des" refForName="parTx" op="lte" fact="0.75"/>
+          <dgm:constr type="h" for="des" forName="compNode" op="equ"/>
+          <dgm:constr type="h" for="des" forName="bgRect" op="equ"/>
+          <dgm:constr type="h" for="des" forName="iconRect" op="equ"/>
+          <dgm:constr type="w" for="des" forName="iconRect" op="equ"/>
+          <dgm:constr type="h" for="des" forName="spaceRect" op="equ"/>
+          <dgm:constr type="h" for="des" forName="parTx" op="equ"/>
+          <dgm:constr type="h" for="des" forName="desTx" op="equ"/>
+        </dgm:constrLst>
+      </dgm:if>
+      <dgm:else name="Name7">
+        <dgm:constrLst>
+          <dgm:constr type="h" for="ch" forName="compNode" refType="h" fact="0.3"/>
+          <dgm:constr type="w" for="ch" forName="compNode" refType="w"/>
+          <dgm:constr type="h" for="ch" forName="sibTrans" refType="h" refFor="ch" refForName="compNode" fact="0.25"/>
+          <dgm:constr type="primFontSz" for="des" forName="parTx" val="16"/>
+          <dgm:constr type="primFontSz" for="des" forName="desTx" refType="primFontSz" refFor="des" refForName="parTx" op="lte" fact="0.75"/>
+          <dgm:constr type="h" for="des" forName="compNode" op="equ"/>
+          <dgm:constr type="h" for="des" forName="bgRect" op="equ"/>
+          <dgm:constr type="h" for="des" forName="iconRect" op="equ"/>
+          <dgm:constr type="w" for="des" forName="iconRect" op="equ"/>
+          <dgm:constr type="h" for="des" forName="spaceRect" op="equ"/>
+          <dgm:constr type="h" for="des" forName="parTx" op="equ"/>
+          <dgm:constr type="h" for="des" forName="desTx" op="equ"/>
+        </dgm:constrLst>
+      </dgm:else>
+    </dgm:choose>
+    <dgm:ruleLst>
+      <dgm:rule type="h" for="ch" forName="compNode" val="0" fact="NaN" max="NaN"/>
+    </dgm:ruleLst>
+    <dgm:forEach name="Name8" axis="ch" ptType="node">
+      <dgm:layoutNode name="compNode">
+        <dgm:alg type="composite"/>
+        <dgm:shape xmlns:r="http://schemas.openxmlformats.org/officeDocument/2006/relationships" r:blip="">
+          <dgm:adjLst/>
+        </dgm:shape>
+        <dgm:presOf axis="self"/>
+        <dgm:choose name="Name9">
+          <dgm:if name="Name10" axis="ch" ptType="node" func="cnt" op="gte" val="1">
+            <dgm:constrLst>
+              <dgm:constr type="w" for="ch" forName="bgRect" refType="w"/>
+              <dgm:constr type="h" for="ch" forName="bgRect" refType="h"/>
+              <dgm:constr type="l" for="ch" forName="bgRect"/>
+              <dgm:constr type="t" for="ch" forName="bgRect"/>
+              <dgm:constr type="h" for="ch" forName="iconRect" refType="h" fact="0.55"/>
+              <dgm:constr type="w" for="ch" forName="iconRect" refType="h" refFor="ch" refForName="iconRect"/>
+              <dgm:constr type="l" for="ch" forName="iconRect" refType="h" refFor="ch" refForName="iconRect" fact="0.55"/>
+              <dgm:constr type="ctrY" for="ch" forName="iconRect" refType="ctrY" refFor="ch" refForName="bgRect"/>
+              <dgm:constr type="w" for="ch" forName="spaceRect" refType="l" refFor="ch" refForName="iconRect"/>
+              <dgm:constr type="h" for="ch" forName="spaceRect" refType="h"/>
+              <dgm:constr type="l" for="ch" forName="spaceRect" refType="r" refFor="ch" refForName="iconRect"/>
+              <dgm:constr type="t" for="ch" forName="spaceRect"/>
+              <dgm:constr type="w" for="ch" forName="parTx" refType="w" fact="0.45"/>
+              <dgm:constr type="h" for="ch" forName="parTx" refType="h"/>
+              <dgm:constr type="l" for="ch" forName="parTx" refType="r" refFor="ch" refForName="spaceRect"/>
+              <dgm:constr type="t" for="ch" forName="parTx"/>
+              <dgm:constr type="h" for="ch" forName="desTx" refType="h"/>
+              <dgm:constr type="l" for="ch" forName="desTx" refType="r" refFor="ch" refForName="parTx"/>
+              <dgm:constr type="t" for="ch" forName="desTx"/>
+            </dgm:constrLst>
+          </dgm:if>
+          <dgm:else name="Name11">
+            <dgm:constrLst>
+              <dgm:constr type="w" for="ch" forName="bgRect" refType="w"/>
+              <dgm:constr type="h" for="ch" forName="bgRect" refType="h"/>
+              <dgm:constr type="l" for="ch" forName="bgRect"/>
+              <dgm:constr type="t" for="ch" forName="bgRect"/>
+              <dgm:constr type="h" for="ch" forName="iconRect" refType="h" fact="0.55"/>
+              <dgm:constr type="w" for="ch" forName="iconRect" refType="h" refFor="ch" refForName="iconRect"/>
+              <dgm:constr type="l" for="ch" forName="iconRect" refType="h" refFor="ch" refForName="iconRect" fact="0.55"/>
+              <dgm:constr type="ctrY" for="ch" forName="iconRect" refType="ctrY" refFor="ch" refForName="bgRect"/>
+              <dgm:constr type="w" for="ch" forName="spaceRect" refType="l" refFor="ch" refForName="iconRect"/>
+              <dgm:constr type="h" for="ch" forName="spaceRect" refType="h"/>
+              <dgm:constr type="l" for="ch" forName="spaceRect" refType="r" refFor="ch" refForName="iconRect"/>
+              <dgm:constr type="t" for="ch" forName="spaceRect"/>
+              <dgm:constr type="h" for="ch" forName="parTx" refType="h"/>
+              <dgm:constr type="l" for="ch" forName="parTx" refType="r" refFor="ch" refForName="spaceRect"/>
+              <dgm:constr type="t" for="ch" forName="parTx"/>
+            </dgm:constrLst>
+          </dgm:else>
+        </dgm:choose>
+        <dgm:ruleLst>
+          <dgm:rule type="h" val="INF" fact="NaN" max="NaN"/>
+        </dgm:ruleLst>
+        <dgm:layoutNode name="bgRect" styleLbl="bgShp">
+          <dgm:alg type="sp"/>
+          <dgm:shape xmlns:r="http://schemas.openxmlformats.org/officeDocument/2006/relationships" type="roundRect" r:blip="">
+            <dgm:adjLst>
+              <dgm:adj idx="1" val="0.1"/>
+            </dgm:adjLst>
+          </dgm:shape>
+          <dgm:presOf/>
+          <dgm:constrLst/>
+          <dgm:ruleLst/>
+        </dgm:layoutNode>
+        <dgm:layoutNode name="iconRect" styleLbl="node1">
+          <dgm:alg type="sp"/>
+          <dgm:shape xmlns:r="http://schemas.openxmlformats.org/officeDocument/2006/relationships" type="rect" r:blip="" blipPhldr="1">
+            <dgm:adjLst/>
+          </dgm:shape>
+          <dgm:presOf/>
+          <dgm:constrLst/>
+          <dgm:ruleLst/>
+        </dgm:layoutNode>
+        <dgm:layoutNode name="spaceRect">
+          <dgm:alg type="sp"/>
+          <dgm:shape xmlns:r="http://schemas.openxmlformats.org/officeDocument/2006/relationships" r:blip="">
+            <dgm:adjLst/>
+          </dgm:shape>
+          <dgm:presOf/>
+          <dgm:constrLst/>
+          <dgm:ruleLst/>
+        </dgm:layoutNode>
+        <dgm:layoutNode name="parTx" styleLbl="revTx">
+          <dgm:varLst>
+            <dgm:chMax val="0"/>
+            <dgm:chPref val="0"/>
+          </dgm:varLst>
+          <dgm:alg type="tx">
+            <dgm:param type="txAnchorVert" val="mid"/>
+            <dgm:param type="parTxLTRAlign" val="l"/>
+            <dgm:param type="shpTxLTRAlignCh" val="l"/>
+            <dgm:param type="parTxRTLAlign" val="r"/>
+            <dgm:param type="shpTxRTLAlignCh" val="r"/>
+          </dgm:alg>
+          <dgm:shape xmlns:r="http://schemas.openxmlformats.org/officeDocument/2006/relationships" type="rect" r:blip="">
+            <dgm:adjLst/>
+          </dgm:shape>
+          <dgm:presOf axis="self" ptType="node"/>
+          <dgm:constrLst>
+            <dgm:constr type="lMarg" refType="h" fact="0.3"/>
+            <dgm:constr type="rMarg" refType="h" fact="0.3"/>
+            <dgm:constr type="tMarg" refType="h" fact="0.3"/>
+            <dgm:constr type="bMarg" refType="h" fact="0.3"/>
+          </dgm:constrLst>
+          <dgm:ruleLst>
+            <dgm:rule type="primFontSz" val="14" fact="NaN" max="NaN"/>
+            <dgm:rule type="h" val="INF" fact="NaN" max="NaN"/>
+          </dgm:ruleLst>
+        </dgm:layoutNode>
+        <dgm:choose name="Name12">
+          <dgm:if name="Name13" axis="ch" ptType="node" func="cnt" op="gte" val="1">
+            <dgm:layoutNode name="desTx" styleLbl="revTx">
+              <dgm:varLst/>
+              <dgm:alg type="tx">
+                <dgm:param type="txAnchorVertCh" val="mid"/>
+                <dgm:param type="parTxLTRAlign" val="l"/>
+                <dgm:param type="shpTxLTRAlignCh" val="l"/>
+                <dgm:param type="parTxRTLAlign" val="r"/>
+                <dgm:param type="shpTxRTLAlignCh" val="r"/>
+                <dgm:param type="stBulletLvl" val="0"/>
+              </dgm:alg>
+              <dgm:shape xmlns:r="http://schemas.openxmlformats.org/officeDocument/2006/relationships" type="rect" r:blip="">
+                <dgm:adjLst/>
+              </dgm:shape>
+              <dgm:presOf axis="des" ptType="node"/>
+              <dgm:constrLst>
+                <dgm:constr type="primFontSz" val="18"/>
+                <dgm:constr type="secFontSz" refType="primFontSz"/>
+                <dgm:constr type="lMarg" refType="h" fact="0.3"/>
+                <dgm:constr type="rMarg" refType="h" fact="0.3"/>
+                <dgm:constr type="tMarg" refType="h" fact="0.3"/>
+                <dgm:constr type="bMarg" refType="h" fact="0.3"/>
+              </dgm:constrLst>
+              <dgm:ruleLst>
+                <dgm:rule type="primFontSz" val="11" fact="NaN" max="NaN"/>
+              </dgm:ruleLst>
+            </dgm:layoutNode>
+          </dgm:if>
+          <dgm:else name="Name14"/>
+        </dgm:choose>
+      </dgm:layoutNode>
+      <dgm:forEach name="Name15" axis="followSib" ptType="sibTrans" cnt="1">
+        <dgm:layoutNode name="sibTrans">
+          <dgm:alg type="sp"/>
+          <dgm:shape xmlns:r="http://schemas.openxmlformats.org/officeDocument/2006/relationships" r:blip="">
+            <dgm:adjLst/>
+          </dgm:shape>
+          <dgm:presOf axis="self"/>
+          <dgm:constrLst/>
+          <dgm:ruleLst/>
+        </dgm:layoutNode>
+      </dgm:forEach>
+    </dgm:forEach>
+  </dgm:layoutNode>
+  <dgm:extLst>
+    <a:ext uri="{68A01E43-0DF5-4B5B-8FA6-DAF915123BFB}">
+      <dgm1612:lstStyle xmlns:dgm1612="http://schemas.microsoft.com/office/drawing/2016/12/diagram">
+        <a:lvl1pPr>
+          <a:lnSpc>
+            <a:spcPct val="100000"/>
+          </a:lnSpc>
+        </a:lvl1pPr>
+        <a:lvl2pPr>
+          <a:lnSpc>
+            <a:spcPct val="100000"/>
+          </a:lnSpc>
+        </a:lvl2pPr>
+      </dgm1612:lstStyle>
+    </a:ext>
+  </dgm:extLst>
+</dgm:layoutDef>
+</file>
+
 <file path=ppt/diagrams/quickStyle1.xml><?xml version="1.0" encoding="utf-8"?>
 <dgm:styleDef xmlns:dgm="http://schemas.openxmlformats.org/drawingml/2006/diagram" xmlns:a="http://schemas.openxmlformats.org/drawingml/2006/main" uniqueId="urn:microsoft.com/office/officeart/2005/8/quickstyle/simple1">
   <dgm:title val=""/>
@@ -17972,6 +20054,1040 @@
 </file>
 
 <file path=ppt/diagrams/quickStyle5.xml><?xml version="1.0" encoding="utf-8"?>
+<dgm:styleDef xmlns:dgm="http://schemas.openxmlformats.org/drawingml/2006/diagram" xmlns:a="http://schemas.openxmlformats.org/drawingml/2006/main" uniqueId="urn:microsoft.com/office/officeart/2005/8/quickstyle/simple1">
+  <dgm:title val=""/>
+  <dgm:desc val=""/>
+  <dgm:catLst>
+    <dgm:cat type="simple" pri="10100"/>
+  </dgm:catLst>
+  <dgm:scene3d>
+    <a:camera prst="orthographicFront"/>
+    <a:lightRig rig="threePt" dir="t"/>
+  </dgm:scene3d>
+  <dgm:styleLbl name="node0">
+    <dgm:scene3d>
+      <a:camera prst="orthographicFront"/>
+      <a:lightRig rig="threePt" dir="t"/>
+    </dgm:scene3d>
+    <dgm:sp3d/>
+    <dgm:txPr/>
+    <dgm:style>
+      <a:lnRef idx="2">
+        <a:scrgbClr r="0" g="0" b="0"/>
+      </a:lnRef>
+      <a:fillRef idx="1">
+        <a:scrgbClr r="0" g="0" b="0"/>
+      </a:fillRef>
+      <a:effectRef idx="0">
+        <a:scrgbClr r="0" g="0" b="0"/>
+      </a:effectRef>
+      <a:fontRef idx="minor">
+        <a:schemeClr val="lt1"/>
+      </a:fontRef>
+    </dgm:style>
+  </dgm:styleLbl>
+  <dgm:styleLbl name="lnNode1">
+    <dgm:scene3d>
+      <a:camera prst="orthographicFront"/>
+      <a:lightRig rig="threePt" dir="t"/>
+    </dgm:scene3d>
+    <dgm:sp3d/>
+    <dgm:txPr/>
+    <dgm:style>
+      <a:lnRef idx="2">
+        <a:scrgbClr r="0" g="0" b="0"/>
+      </a:lnRef>
+      <a:fillRef idx="1">
+        <a:scrgbClr r="0" g="0" b="0"/>
+      </a:fillRef>
+      <a:effectRef idx="0">
+        <a:scrgbClr r="0" g="0" b="0"/>
+      </a:effectRef>
+      <a:fontRef idx="minor">
+        <a:schemeClr val="lt1"/>
+      </a:fontRef>
+    </dgm:style>
+  </dgm:styleLbl>
+  <dgm:styleLbl name="vennNode1">
+    <dgm:scene3d>
+      <a:camera prst="orthographicFront"/>
+      <a:lightRig rig="threePt" dir="t"/>
+    </dgm:scene3d>
+    <dgm:sp3d/>
+    <dgm:txPr/>
+    <dgm:style>
+      <a:lnRef idx="2">
+        <a:scrgbClr r="0" g="0" b="0"/>
+      </a:lnRef>
+      <a:fillRef idx="1">
+        <a:scrgbClr r="0" g="0" b="0"/>
+      </a:fillRef>
+      <a:effectRef idx="0">
+        <a:scrgbClr r="0" g="0" b="0"/>
+      </a:effectRef>
+      <a:fontRef idx="minor">
+        <a:schemeClr val="tx1"/>
+      </a:fontRef>
+    </dgm:style>
+  </dgm:styleLbl>
+  <dgm:styleLbl name="alignNode1">
+    <dgm:scene3d>
+      <a:camera prst="orthographicFront"/>
+      <a:lightRig rig="threePt" dir="t"/>
+    </dgm:scene3d>
+    <dgm:sp3d/>
+    <dgm:txPr/>
+    <dgm:style>
+      <a:lnRef idx="2">
+        <a:scrgbClr r="0" g="0" b="0"/>
+      </a:lnRef>
+      <a:fillRef idx="1">
+        <a:scrgbClr r="0" g="0" b="0"/>
+      </a:fillRef>
+      <a:effectRef idx="0">
+        <a:scrgbClr r="0" g="0" b="0"/>
+      </a:effectRef>
+      <a:fontRef idx="minor">
+        <a:schemeClr val="lt1"/>
+      </a:fontRef>
+    </dgm:style>
+  </dgm:styleLbl>
+  <dgm:styleLbl name="node1">
+    <dgm:scene3d>
+      <a:camera prst="orthographicFront"/>
+      <a:lightRig rig="threePt" dir="t"/>
+    </dgm:scene3d>
+    <dgm:sp3d/>
+    <dgm:txPr/>
+    <dgm:style>
+      <a:lnRef idx="2">
+        <a:scrgbClr r="0" g="0" b="0"/>
+      </a:lnRef>
+      <a:fillRef idx="1">
+        <a:scrgbClr r="0" g="0" b="0"/>
+      </a:fillRef>
+      <a:effectRef idx="0">
+        <a:scrgbClr r="0" g="0" b="0"/>
+      </a:effectRef>
+      <a:fontRef idx="minor">
+        <a:schemeClr val="lt1"/>
+      </a:fontRef>
+    </dgm:style>
+  </dgm:styleLbl>
+  <dgm:styleLbl name="node2">
+    <dgm:scene3d>
+      <a:camera prst="orthographicFront"/>
+      <a:lightRig rig="threePt" dir="t"/>
+    </dgm:scene3d>
+    <dgm:sp3d/>
+    <dgm:txPr/>
+    <dgm:style>
+      <a:lnRef idx="2">
+        <a:scrgbClr r="0" g="0" b="0"/>
+      </a:lnRef>
+      <a:fillRef idx="1">
+        <a:scrgbClr r="0" g="0" b="0"/>
+      </a:fillRef>
+      <a:effectRef idx="0">
+        <a:scrgbClr r="0" g="0" b="0"/>
+      </a:effectRef>
+      <a:fontRef idx="minor">
+        <a:schemeClr val="lt1"/>
+      </a:fontRef>
+    </dgm:style>
+  </dgm:styleLbl>
+  <dgm:styleLbl name="node3">
+    <dgm:scene3d>
+      <a:camera prst="orthographicFront"/>
+      <a:lightRig rig="threePt" dir="t"/>
+    </dgm:scene3d>
+    <dgm:sp3d/>
+    <dgm:txPr/>
+    <dgm:style>
+      <a:lnRef idx="2">
+        <a:scrgbClr r="0" g="0" b="0"/>
+      </a:lnRef>
+      <a:fillRef idx="1">
+        <a:scrgbClr r="0" g="0" b="0"/>
+      </a:fillRef>
+      <a:effectRef idx="0">
+        <a:scrgbClr r="0" g="0" b="0"/>
+      </a:effectRef>
+      <a:fontRef idx="minor">
+        <a:schemeClr val="lt1"/>
+      </a:fontRef>
+    </dgm:style>
+  </dgm:styleLbl>
+  <dgm:styleLbl name="node4">
+    <dgm:scene3d>
+      <a:camera prst="orthographicFront"/>
+      <a:lightRig rig="threePt" dir="t"/>
+    </dgm:scene3d>
+    <dgm:sp3d/>
+    <dgm:txPr/>
+    <dgm:style>
+      <a:lnRef idx="2">
+        <a:scrgbClr r="0" g="0" b="0"/>
+      </a:lnRef>
+      <a:fillRef idx="1">
+        <a:scrgbClr r="0" g="0" b="0"/>
+      </a:fillRef>
+      <a:effectRef idx="0">
+        <a:scrgbClr r="0" g="0" b="0"/>
+      </a:effectRef>
+      <a:fontRef idx="minor">
+        <a:schemeClr val="lt1"/>
+      </a:fontRef>
+    </dgm:style>
+  </dgm:styleLbl>
+  <dgm:styleLbl name="fgImgPlace1">
+    <dgm:scene3d>
+      <a:camera prst="orthographicFront"/>
+      <a:lightRig rig="threePt" dir="t"/>
+    </dgm:scene3d>
+    <dgm:sp3d/>
+    <dgm:txPr/>
+    <dgm:style>
+      <a:lnRef idx="2">
+        <a:scrgbClr r="0" g="0" b="0"/>
+      </a:lnRef>
+      <a:fillRef idx="1">
+        <a:scrgbClr r="0" g="0" b="0"/>
+      </a:fillRef>
+      <a:effectRef idx="0">
+        <a:scrgbClr r="0" g="0" b="0"/>
+      </a:effectRef>
+      <a:fontRef idx="minor"/>
+    </dgm:style>
+  </dgm:styleLbl>
+  <dgm:styleLbl name="alignImgPlace1">
+    <dgm:scene3d>
+      <a:camera prst="orthographicFront"/>
+      <a:lightRig rig="threePt" dir="t"/>
+    </dgm:scene3d>
+    <dgm:sp3d/>
+    <dgm:txPr/>
+    <dgm:style>
+      <a:lnRef idx="2">
+        <a:scrgbClr r="0" g="0" b="0"/>
+      </a:lnRef>
+      <a:fillRef idx="1">
+        <a:scrgbClr r="0" g="0" b="0"/>
+      </a:fillRef>
+      <a:effectRef idx="0">
+        <a:scrgbClr r="0" g="0" b="0"/>
+      </a:effectRef>
+      <a:fontRef idx="minor"/>
+    </dgm:style>
+  </dgm:styleLbl>
+  <dgm:styleLbl name="bgImgPlace1">
+    <dgm:scene3d>
+      <a:camera prst="orthographicFront"/>
+      <a:lightRig rig="threePt" dir="t"/>
+    </dgm:scene3d>
+    <dgm:sp3d/>
+    <dgm:txPr/>
+    <dgm:style>
+      <a:lnRef idx="2">
+        <a:scrgbClr r="0" g="0" b="0"/>
+      </a:lnRef>
+      <a:fillRef idx="1">
+        <a:scrgbClr r="0" g="0" b="0"/>
+      </a:fillRef>
+      <a:effectRef idx="0">
+        <a:scrgbClr r="0" g="0" b="0"/>
+      </a:effectRef>
+      <a:fontRef idx="minor"/>
+    </dgm:style>
+  </dgm:styleLbl>
+  <dgm:styleLbl name="sibTrans2D1">
+    <dgm:scene3d>
+      <a:camera prst="orthographicFront"/>
+      <a:lightRig rig="threePt" dir="t"/>
+    </dgm:scene3d>
+    <dgm:sp3d/>
+    <dgm:txPr/>
+    <dgm:style>
+      <a:lnRef idx="0">
+        <a:scrgbClr r="0" g="0" b="0"/>
+      </a:lnRef>
+      <a:fillRef idx="1">
+        <a:scrgbClr r="0" g="0" b="0"/>
+      </a:fillRef>
+      <a:effectRef idx="0">
+        <a:scrgbClr r="0" g="0" b="0"/>
+      </a:effectRef>
+      <a:fontRef idx="minor">
+        <a:schemeClr val="lt1"/>
+      </a:fontRef>
+    </dgm:style>
+  </dgm:styleLbl>
+  <dgm:styleLbl name="fgSibTrans2D1">
+    <dgm:scene3d>
+      <a:camera prst="orthographicFront"/>
+      <a:lightRig rig="threePt" dir="t"/>
+    </dgm:scene3d>
+    <dgm:sp3d/>
+    <dgm:txPr/>
+    <dgm:style>
+      <a:lnRef idx="0">
+        <a:scrgbClr r="0" g="0" b="0"/>
+      </a:lnRef>
+      <a:fillRef idx="1">
+        <a:scrgbClr r="0" g="0" b="0"/>
+      </a:fillRef>
+      <a:effectRef idx="0">
+        <a:scrgbClr r="0" g="0" b="0"/>
+      </a:effectRef>
+      <a:fontRef idx="minor">
+        <a:schemeClr val="lt1"/>
+      </a:fontRef>
+    </dgm:style>
+  </dgm:styleLbl>
+  <dgm:styleLbl name="bgSibTrans2D1">
+    <dgm:scene3d>
+      <a:camera prst="orthographicFront"/>
+      <a:lightRig rig="threePt" dir="t"/>
+    </dgm:scene3d>
+    <dgm:sp3d/>
+    <dgm:txPr/>
+    <dgm:style>
+      <a:lnRef idx="0">
+        <a:scrgbClr r="0" g="0" b="0"/>
+      </a:lnRef>
+      <a:fillRef idx="1">
+        <a:scrgbClr r="0" g="0" b="0"/>
+      </a:fillRef>
+      <a:effectRef idx="0">
+        <a:scrgbClr r="0" g="0" b="0"/>
+      </a:effectRef>
+      <a:fontRef idx="minor">
+        <a:schemeClr val="lt1"/>
+      </a:fontRef>
+    </dgm:style>
+  </dgm:styleLbl>
+  <dgm:styleLbl name="sibTrans1D1">
+    <dgm:scene3d>
+      <a:camera prst="orthographicFront"/>
+      <a:lightRig rig="threePt" dir="t"/>
+    </dgm:scene3d>
+    <dgm:sp3d/>
+    <dgm:txPr/>
+    <dgm:style>
+      <a:lnRef idx="1">
+        <a:scrgbClr r="0" g="0" b="0"/>
+      </a:lnRef>
+      <a:fillRef idx="0">
+        <a:scrgbClr r="0" g="0" b="0"/>
+      </a:fillRef>
+      <a:effectRef idx="0">
+        <a:scrgbClr r="0" g="0" b="0"/>
+      </a:effectRef>
+      <a:fontRef idx="minor"/>
+    </dgm:style>
+  </dgm:styleLbl>
+  <dgm:styleLbl name="callout">
+    <dgm:scene3d>
+      <a:camera prst="orthographicFront"/>
+      <a:lightRig rig="threePt" dir="t"/>
+    </dgm:scene3d>
+    <dgm:sp3d/>
+    <dgm:txPr/>
+    <dgm:style>
+      <a:lnRef idx="2">
+        <a:scrgbClr r="0" g="0" b="0"/>
+      </a:lnRef>
+      <a:fillRef idx="1">
+        <a:scrgbClr r="0" g="0" b="0"/>
+      </a:fillRef>
+      <a:effectRef idx="0">
+        <a:scrgbClr r="0" g="0" b="0"/>
+      </a:effectRef>
+      <a:fontRef idx="minor"/>
+    </dgm:style>
+  </dgm:styleLbl>
+  <dgm:styleLbl name="asst0">
+    <dgm:scene3d>
+      <a:camera prst="orthographicFront"/>
+      <a:lightRig rig="threePt" dir="t"/>
+    </dgm:scene3d>
+    <dgm:sp3d/>
+    <dgm:txPr/>
+    <dgm:style>
+      <a:lnRef idx="2">
+        <a:scrgbClr r="0" g="0" b="0"/>
+      </a:lnRef>
+      <a:fillRef idx="1">
+        <a:scrgbClr r="0" g="0" b="0"/>
+      </a:fillRef>
+      <a:effectRef idx="0">
+        <a:scrgbClr r="0" g="0" b="0"/>
+      </a:effectRef>
+      <a:fontRef idx="minor">
+        <a:schemeClr val="lt1"/>
+      </a:fontRef>
+    </dgm:style>
+  </dgm:styleLbl>
+  <dgm:styleLbl name="asst1">
+    <dgm:scene3d>
+      <a:camera prst="orthographicFront"/>
+      <a:lightRig rig="threePt" dir="t"/>
+    </dgm:scene3d>
+    <dgm:sp3d/>
+    <dgm:txPr/>
+    <dgm:style>
+      <a:lnRef idx="2">
+        <a:scrgbClr r="0" g="0" b="0"/>
+      </a:lnRef>
+      <a:fillRef idx="1">
+        <a:scrgbClr r="0" g="0" b="0"/>
+      </a:fillRef>
+      <a:effectRef idx="0">
+        <a:scrgbClr r="0" g="0" b="0"/>
+      </a:effectRef>
+      <a:fontRef idx="minor">
+        <a:schemeClr val="lt1"/>
+      </a:fontRef>
+    </dgm:style>
+  </dgm:styleLbl>
+  <dgm:styleLbl name="asst2">
+    <dgm:scene3d>
+      <a:camera prst="orthographicFront"/>
+      <a:lightRig rig="threePt" dir="t"/>
+    </dgm:scene3d>
+    <dgm:sp3d/>
+    <dgm:txPr/>
+    <dgm:style>
+      <a:lnRef idx="2">
+        <a:scrgbClr r="0" g="0" b="0"/>
+      </a:lnRef>
+      <a:fillRef idx="1">
+        <a:scrgbClr r="0" g="0" b="0"/>
+      </a:fillRef>
+      <a:effectRef idx="0">
+        <a:scrgbClr r="0" g="0" b="0"/>
+      </a:effectRef>
+      <a:fontRef idx="minor">
+        <a:schemeClr val="lt1"/>
+      </a:fontRef>
+    </dgm:style>
+  </dgm:styleLbl>
+  <dgm:styleLbl name="asst3">
+    <dgm:scene3d>
+      <a:camera prst="orthographicFront"/>
+      <a:lightRig rig="threePt" dir="t"/>
+    </dgm:scene3d>
+    <dgm:sp3d/>
+    <dgm:txPr/>
+    <dgm:style>
+      <a:lnRef idx="2">
+        <a:scrgbClr r="0" g="0" b="0"/>
+      </a:lnRef>
+      <a:fillRef idx="1">
+        <a:scrgbClr r="0" g="0" b="0"/>
+      </a:fillRef>
+      <a:effectRef idx="0">
+        <a:scrgbClr r="0" g="0" b="0"/>
+      </a:effectRef>
+      <a:fontRef idx="minor">
+        <a:schemeClr val="lt1"/>
+      </a:fontRef>
+    </dgm:style>
+  </dgm:styleLbl>
+  <dgm:styleLbl name="asst4">
+    <dgm:scene3d>
+      <a:camera prst="orthographicFront"/>
+      <a:lightRig rig="threePt" dir="t"/>
+    </dgm:scene3d>
+    <dgm:sp3d/>
+    <dgm:txPr/>
+    <dgm:style>
+      <a:lnRef idx="2">
+        <a:scrgbClr r="0" g="0" b="0"/>
+      </a:lnRef>
+      <a:fillRef idx="1">
+        <a:scrgbClr r="0" g="0" b="0"/>
+      </a:fillRef>
+      <a:effectRef idx="0">
+        <a:scrgbClr r="0" g="0" b="0"/>
+      </a:effectRef>
+      <a:fontRef idx="minor">
+        <a:schemeClr val="lt1"/>
+      </a:fontRef>
+    </dgm:style>
+  </dgm:styleLbl>
+  <dgm:styleLbl name="parChTrans2D1">
+    <dgm:scene3d>
+      <a:camera prst="orthographicFront"/>
+      <a:lightRig rig="threePt" dir="t"/>
+    </dgm:scene3d>
+    <dgm:sp3d/>
+    <dgm:txPr/>
+    <dgm:style>
+      <a:lnRef idx="2">
+        <a:scrgbClr r="0" g="0" b="0"/>
+      </a:lnRef>
+      <a:fillRef idx="1">
+        <a:scrgbClr r="0" g="0" b="0"/>
+      </a:fillRef>
+      <a:effectRef idx="0">
+        <a:scrgbClr r="0" g="0" b="0"/>
+      </a:effectRef>
+      <a:fontRef idx="minor">
+        <a:schemeClr val="lt1"/>
+      </a:fontRef>
+    </dgm:style>
+  </dgm:styleLbl>
+  <dgm:styleLbl name="parChTrans2D2">
+    <dgm:scene3d>
+      <a:camera prst="orthographicFront"/>
+      <a:lightRig rig="threePt" dir="t"/>
+    </dgm:scene3d>
+    <dgm:sp3d/>
+    <dgm:txPr/>
+    <dgm:style>
+      <a:lnRef idx="2">
+        <a:scrgbClr r="0" g="0" b="0"/>
+      </a:lnRef>
+      <a:fillRef idx="1">
+        <a:scrgbClr r="0" g="0" b="0"/>
+      </a:fillRef>
+      <a:effectRef idx="0">
+        <a:scrgbClr r="0" g="0" b="0"/>
+      </a:effectRef>
+      <a:fontRef idx="minor">
+        <a:schemeClr val="lt1"/>
+      </a:fontRef>
+    </dgm:style>
+  </dgm:styleLbl>
+  <dgm:styleLbl name="parChTrans2D3">
+    <dgm:scene3d>
+      <a:camera prst="orthographicFront"/>
+      <a:lightRig rig="threePt" dir="t"/>
+    </dgm:scene3d>
+    <dgm:sp3d/>
+    <dgm:txPr/>
+    <dgm:style>
+      <a:lnRef idx="2">
+        <a:scrgbClr r="0" g="0" b="0"/>
+      </a:lnRef>
+      <a:fillRef idx="1">
+        <a:scrgbClr r="0" g="0" b="0"/>
+      </a:fillRef>
+      <a:effectRef idx="0">
+        <a:scrgbClr r="0" g="0" b="0"/>
+      </a:effectRef>
+      <a:fontRef idx="minor">
+        <a:schemeClr val="lt1"/>
+      </a:fontRef>
+    </dgm:style>
+  </dgm:styleLbl>
+  <dgm:styleLbl name="parChTrans2D4">
+    <dgm:scene3d>
+      <a:camera prst="orthographicFront"/>
+      <a:lightRig rig="threePt" dir="t"/>
+    </dgm:scene3d>
+    <dgm:sp3d/>
+    <dgm:txPr/>
+    <dgm:style>
+      <a:lnRef idx="2">
+        <a:scrgbClr r="0" g="0" b="0"/>
+      </a:lnRef>
+      <a:fillRef idx="1">
+        <a:scrgbClr r="0" g="0" b="0"/>
+      </a:fillRef>
+      <a:effectRef idx="0">
+        <a:scrgbClr r="0" g="0" b="0"/>
+      </a:effectRef>
+      <a:fontRef idx="minor">
+        <a:schemeClr val="lt1"/>
+      </a:fontRef>
+    </dgm:style>
+  </dgm:styleLbl>
+  <dgm:styleLbl name="parChTrans1D1">
+    <dgm:scene3d>
+      <a:camera prst="orthographicFront"/>
+      <a:lightRig rig="threePt" dir="t"/>
+    </dgm:scene3d>
+    <dgm:sp3d/>
+    <dgm:txPr/>
+    <dgm:style>
+      <a:lnRef idx="2">
+        <a:scrgbClr r="0" g="0" b="0"/>
+      </a:lnRef>
+      <a:fillRef idx="0">
+        <a:scrgbClr r="0" g="0" b="0"/>
+      </a:fillRef>
+      <a:effectRef idx="0">
+        <a:scrgbClr r="0" g="0" b="0"/>
+      </a:effectRef>
+      <a:fontRef idx="minor"/>
+    </dgm:style>
+  </dgm:styleLbl>
+  <dgm:styleLbl name="parChTrans1D2">
+    <dgm:scene3d>
+      <a:camera prst="orthographicFront"/>
+      <a:lightRig rig="threePt" dir="t"/>
+    </dgm:scene3d>
+    <dgm:sp3d/>
+    <dgm:txPr/>
+    <dgm:style>
+      <a:lnRef idx="2">
+        <a:scrgbClr r="0" g="0" b="0"/>
+      </a:lnRef>
+      <a:fillRef idx="0">
+        <a:scrgbClr r="0" g="0" b="0"/>
+      </a:fillRef>
+      <a:effectRef idx="0">
+        <a:scrgbClr r="0" g="0" b="0"/>
+      </a:effectRef>
+      <a:fontRef idx="minor"/>
+    </dgm:style>
+  </dgm:styleLbl>
+  <dgm:styleLbl name="parChTrans1D3">
+    <dgm:scene3d>
+      <a:camera prst="orthographicFront"/>
+      <a:lightRig rig="threePt" dir="t"/>
+    </dgm:scene3d>
+    <dgm:sp3d/>
+    <dgm:txPr/>
+    <dgm:style>
+      <a:lnRef idx="2">
+        <a:scrgbClr r="0" g="0" b="0"/>
+      </a:lnRef>
+      <a:fillRef idx="0">
+        <a:scrgbClr r="0" g="0" b="0"/>
+      </a:fillRef>
+      <a:effectRef idx="0">
+        <a:scrgbClr r="0" g="0" b="0"/>
+      </a:effectRef>
+      <a:fontRef idx="minor"/>
+    </dgm:style>
+  </dgm:styleLbl>
+  <dgm:styleLbl name="parChTrans1D4">
+    <dgm:scene3d>
+      <a:camera prst="orthographicFront"/>
+      <a:lightRig rig="threePt" dir="t"/>
+    </dgm:scene3d>
+    <dgm:sp3d/>
+    <dgm:txPr/>
+    <dgm:style>
+      <a:lnRef idx="2">
+        <a:scrgbClr r="0" g="0" b="0"/>
+      </a:lnRef>
+      <a:fillRef idx="0">
+        <a:scrgbClr r="0" g="0" b="0"/>
+      </a:fillRef>
+      <a:effectRef idx="0">
+        <a:scrgbClr r="0" g="0" b="0"/>
+      </a:effectRef>
+      <a:fontRef idx="minor"/>
+    </dgm:style>
+  </dgm:styleLbl>
+  <dgm:styleLbl name="fgAcc1">
+    <dgm:scene3d>
+      <a:camera prst="orthographicFront"/>
+      <a:lightRig rig="threePt" dir="t"/>
+    </dgm:scene3d>
+    <dgm:sp3d/>
+    <dgm:txPr/>
+    <dgm:style>
+      <a:lnRef idx="2">
+        <a:scrgbClr r="0" g="0" b="0"/>
+      </a:lnRef>
+      <a:fillRef idx="1">
+        <a:scrgbClr r="0" g="0" b="0"/>
+      </a:fillRef>
+      <a:effectRef idx="0">
+        <a:scrgbClr r="0" g="0" b="0"/>
+      </a:effectRef>
+      <a:fontRef idx="minor"/>
+    </dgm:style>
+  </dgm:styleLbl>
+  <dgm:styleLbl name="conFgAcc1">
+    <dgm:scene3d>
+      <a:camera prst="orthographicFront"/>
+      <a:lightRig rig="threePt" dir="t"/>
+    </dgm:scene3d>
+    <dgm:sp3d/>
+    <dgm:txPr/>
+    <dgm:style>
+      <a:lnRef idx="2">
+        <a:scrgbClr r="0" g="0" b="0"/>
+      </a:lnRef>
+      <a:fillRef idx="1">
+        <a:scrgbClr r="0" g="0" b="0"/>
+      </a:fillRef>
+      <a:effectRef idx="0">
+        <a:scrgbClr r="0" g="0" b="0"/>
+      </a:effectRef>
+      <a:fontRef idx="minor"/>
+    </dgm:style>
+  </dgm:styleLbl>
+  <dgm:styleLbl name="alignAcc1">
+    <dgm:scene3d>
+      <a:camera prst="orthographicFront"/>
+      <a:lightRig rig="threePt" dir="t"/>
+    </dgm:scene3d>
+    <dgm:sp3d/>
+    <dgm:txPr/>
+    <dgm:style>
+      <a:lnRef idx="2">
+        <a:scrgbClr r="0" g="0" b="0"/>
+      </a:lnRef>
+      <a:fillRef idx="1">
+        <a:scrgbClr r="0" g="0" b="0"/>
+      </a:fillRef>
+      <a:effectRef idx="0">
+        <a:scrgbClr r="0" g="0" b="0"/>
+      </a:effectRef>
+      <a:fontRef idx="minor"/>
+    </dgm:style>
+  </dgm:styleLbl>
+  <dgm:styleLbl name="trAlignAcc1">
+    <dgm:scene3d>
+      <a:camera prst="orthographicFront"/>
+      <a:lightRig rig="threePt" dir="t"/>
+    </dgm:scene3d>
+    <dgm:sp3d/>
+    <dgm:txPr/>
+    <dgm:style>
+      <a:lnRef idx="1">
+        <a:scrgbClr r="0" g="0" b="0"/>
+      </a:lnRef>
+      <a:fillRef idx="1">
+        <a:scrgbClr r="0" g="0" b="0"/>
+      </a:fillRef>
+      <a:effectRef idx="0">
+        <a:scrgbClr r="0" g="0" b="0"/>
+      </a:effectRef>
+      <a:fontRef idx="minor"/>
+    </dgm:style>
+  </dgm:styleLbl>
+  <dgm:styleLbl name="bgAcc1">
+    <dgm:scene3d>
+      <a:camera prst="orthographicFront"/>
+      <a:lightRig rig="threePt" dir="t"/>
+    </dgm:scene3d>
+    <dgm:sp3d/>
+    <dgm:txPr/>
+    <dgm:style>
+      <a:lnRef idx="2">
+        <a:scrgbClr r="0" g="0" b="0"/>
+      </a:lnRef>
+      <a:fillRef idx="1">
+        <a:scrgbClr r="0" g="0" b="0"/>
+      </a:fillRef>
+      <a:effectRef idx="0">
+        <a:scrgbClr r="0" g="0" b="0"/>
+      </a:effectRef>
+      <a:fontRef idx="minor"/>
+    </dgm:style>
+  </dgm:styleLbl>
+  <dgm:styleLbl name="solidFgAcc1">
+    <dgm:scene3d>
+      <a:camera prst="orthographicFront"/>
+      <a:lightRig rig="threePt" dir="t"/>
+    </dgm:scene3d>
+    <dgm:sp3d/>
+    <dgm:txPr/>
+    <dgm:style>
+      <a:lnRef idx="2">
+        <a:scrgbClr r="0" g="0" b="0"/>
+      </a:lnRef>
+      <a:fillRef idx="1">
+        <a:scrgbClr r="0" g="0" b="0"/>
+      </a:fillRef>
+      <a:effectRef idx="0">
+        <a:scrgbClr r="0" g="0" b="0"/>
+      </a:effectRef>
+      <a:fontRef idx="minor"/>
+    </dgm:style>
+  </dgm:styleLbl>
+  <dgm:styleLbl name="solidAlignAcc1">
+    <dgm:scene3d>
+      <a:camera prst="orthographicFront"/>
+      <a:lightRig rig="threePt" dir="t"/>
+    </dgm:scene3d>
+    <dgm:sp3d/>
+    <dgm:txPr/>
+    <dgm:style>
+      <a:lnRef idx="2">
+        <a:scrgbClr r="0" g="0" b="0"/>
+      </a:lnRef>
+      <a:fillRef idx="1">
+        <a:scrgbClr r="0" g="0" b="0"/>
+      </a:fillRef>
+      <a:effectRef idx="0">
+        <a:scrgbClr r="0" g="0" b="0"/>
+      </a:effectRef>
+      <a:fontRef idx="minor"/>
+    </dgm:style>
+  </dgm:styleLbl>
+  <dgm:styleLbl name="solidBgAcc1">
+    <dgm:scene3d>
+      <a:camera prst="orthographicFront"/>
+      <a:lightRig rig="threePt" dir="t"/>
+    </dgm:scene3d>
+    <dgm:sp3d/>
+    <dgm:txPr/>
+    <dgm:style>
+      <a:lnRef idx="2">
+        <a:scrgbClr r="0" g="0" b="0"/>
+      </a:lnRef>
+      <a:fillRef idx="1">
+        <a:scrgbClr r="0" g="0" b="0"/>
+      </a:fillRef>
+      <a:effectRef idx="0">
+        <a:scrgbClr r="0" g="0" b="0"/>
+      </a:effectRef>
+      <a:fontRef idx="minor"/>
+    </dgm:style>
+  </dgm:styleLbl>
+  <dgm:styleLbl name="fgAccFollowNode1">
+    <dgm:scene3d>
+      <a:camera prst="orthographicFront"/>
+      <a:lightRig rig="threePt" dir="t"/>
+    </dgm:scene3d>
+    <dgm:sp3d/>
+    <dgm:txPr/>
+    <dgm:style>
+      <a:lnRef idx="2">
+        <a:scrgbClr r="0" g="0" b="0"/>
+      </a:lnRef>
+      <a:fillRef idx="1">
+        <a:scrgbClr r="0" g="0" b="0"/>
+      </a:fillRef>
+      <a:effectRef idx="0">
+        <a:scrgbClr r="0" g="0" b="0"/>
+      </a:effectRef>
+      <a:fontRef idx="minor"/>
+    </dgm:style>
+  </dgm:styleLbl>
+  <dgm:styleLbl name="alignAccFollowNode1">
+    <dgm:scene3d>
+      <a:camera prst="orthographicFront"/>
+      <a:lightRig rig="threePt" dir="t"/>
+    </dgm:scene3d>
+    <dgm:sp3d/>
+    <dgm:txPr/>
+    <dgm:style>
+      <a:lnRef idx="2">
+        <a:scrgbClr r="0" g="0" b="0"/>
+      </a:lnRef>
+      <a:fillRef idx="1">
+        <a:scrgbClr r="0" g="0" b="0"/>
+      </a:fillRef>
+      <a:effectRef idx="0">
+        <a:scrgbClr r="0" g="0" b="0"/>
+      </a:effectRef>
+      <a:fontRef idx="minor"/>
+    </dgm:style>
+  </dgm:styleLbl>
+  <dgm:styleLbl name="bgAccFollowNode1">
+    <dgm:scene3d>
+      <a:camera prst="orthographicFront"/>
+      <a:lightRig rig="threePt" dir="t"/>
+    </dgm:scene3d>
+    <dgm:sp3d/>
+    <dgm:txPr/>
+    <dgm:style>
+      <a:lnRef idx="2">
+        <a:scrgbClr r="0" g="0" b="0"/>
+      </a:lnRef>
+      <a:fillRef idx="1">
+        <a:scrgbClr r="0" g="0" b="0"/>
+      </a:fillRef>
+      <a:effectRef idx="0">
+        <a:scrgbClr r="0" g="0" b="0"/>
+      </a:effectRef>
+      <a:fontRef idx="minor"/>
+    </dgm:style>
+  </dgm:styleLbl>
+  <dgm:styleLbl name="fgAcc0">
+    <dgm:scene3d>
+      <a:camera prst="orthographicFront"/>
+      <a:lightRig rig="threePt" dir="t"/>
+    </dgm:scene3d>
+    <dgm:sp3d/>
+    <dgm:txPr/>
+    <dgm:style>
+      <a:lnRef idx="2">
+        <a:scrgbClr r="0" g="0" b="0"/>
+      </a:lnRef>
+      <a:fillRef idx="1">
+        <a:scrgbClr r="0" g="0" b="0"/>
+      </a:fillRef>
+      <a:effectRef idx="0">
+        <a:scrgbClr r="0" g="0" b="0"/>
+      </a:effectRef>
+      <a:fontRef idx="minor"/>
+    </dgm:style>
+  </dgm:styleLbl>
+  <dgm:styleLbl name="fgAcc2">
+    <dgm:scene3d>
+      <a:camera prst="orthographicFront"/>
+      <a:lightRig rig="threePt" dir="t"/>
+    </dgm:scene3d>
+    <dgm:sp3d/>
+    <dgm:txPr/>
+    <dgm:style>
+      <a:lnRef idx="2">
+        <a:scrgbClr r="0" g="0" b="0"/>
+      </a:lnRef>
+      <a:fillRef idx="1">
+        <a:scrgbClr r="0" g="0" b="0"/>
+      </a:fillRef>
+      <a:effectRef idx="0">
+        <a:scrgbClr r="0" g="0" b="0"/>
+      </a:effectRef>
+      <a:fontRef idx="minor"/>
+    </dgm:style>
+  </dgm:styleLbl>
+  <dgm:styleLbl name="fgAcc3">
+    <dgm:scene3d>
+      <a:camera prst="orthographicFront"/>
+      <a:lightRig rig="threePt" dir="t"/>
+    </dgm:scene3d>
+    <dgm:sp3d/>
+    <dgm:txPr/>
+    <dgm:style>
+      <a:lnRef idx="2">
+        <a:scrgbClr r="0" g="0" b="0"/>
+      </a:lnRef>
+      <a:fillRef idx="1">
+        <a:scrgbClr r="0" g="0" b="0"/>
+      </a:fillRef>
+      <a:effectRef idx="0">
+        <a:scrgbClr r="0" g="0" b="0"/>
+      </a:effectRef>
+      <a:fontRef idx="minor"/>
+    </dgm:style>
+  </dgm:styleLbl>
+  <dgm:styleLbl name="fgAcc4">
+    <dgm:scene3d>
+      <a:camera prst="orthographicFront"/>
+      <a:lightRig rig="threePt" dir="t"/>
+    </dgm:scene3d>
+    <dgm:sp3d/>
+    <dgm:txPr/>
+    <dgm:style>
+      <a:lnRef idx="2">
+        <a:scrgbClr r="0" g="0" b="0"/>
+      </a:lnRef>
+      <a:fillRef idx="1">
+        <a:scrgbClr r="0" g="0" b="0"/>
+      </a:fillRef>
+      <a:effectRef idx="0">
+        <a:scrgbClr r="0" g="0" b="0"/>
+      </a:effectRef>
+      <a:fontRef idx="minor"/>
+    </dgm:style>
+  </dgm:styleLbl>
+  <dgm:styleLbl name="bgShp">
+    <dgm:scene3d>
+      <a:camera prst="orthographicFront"/>
+      <a:lightRig rig="threePt" dir="t"/>
+    </dgm:scene3d>
+    <dgm:sp3d/>
+    <dgm:txPr/>
+    <dgm:style>
+      <a:lnRef idx="0">
+        <a:scrgbClr r="0" g="0" b="0"/>
+      </a:lnRef>
+      <a:fillRef idx="1">
+        <a:scrgbClr r="0" g="0" b="0"/>
+      </a:fillRef>
+      <a:effectRef idx="0">
+        <a:scrgbClr r="0" g="0" b="0"/>
+      </a:effectRef>
+      <a:fontRef idx="minor"/>
+    </dgm:style>
+  </dgm:styleLbl>
+  <dgm:styleLbl name="dkBgShp">
+    <dgm:scene3d>
+      <a:camera prst="orthographicFront"/>
+      <a:lightRig rig="threePt" dir="t"/>
+    </dgm:scene3d>
+    <dgm:sp3d/>
+    <dgm:txPr/>
+    <dgm:style>
+      <a:lnRef idx="0">
+        <a:scrgbClr r="0" g="0" b="0"/>
+      </a:lnRef>
+      <a:fillRef idx="1">
+        <a:scrgbClr r="0" g="0" b="0"/>
+      </a:fillRef>
+      <a:effectRef idx="0">
+        <a:scrgbClr r="0" g="0" b="0"/>
+      </a:effectRef>
+      <a:fontRef idx="minor"/>
+    </dgm:style>
+  </dgm:styleLbl>
+  <dgm:styleLbl name="trBgShp">
+    <dgm:scene3d>
+      <a:camera prst="orthographicFront"/>
+      <a:lightRig rig="threePt" dir="t"/>
+    </dgm:scene3d>
+    <dgm:sp3d/>
+    <dgm:txPr/>
+    <dgm:style>
+      <a:lnRef idx="0">
+        <a:scrgbClr r="0" g="0" b="0"/>
+      </a:lnRef>
+      <a:fillRef idx="1">
+        <a:scrgbClr r="0" g="0" b="0"/>
+      </a:fillRef>
+      <a:effectRef idx="0">
+        <a:scrgbClr r="0" g="0" b="0"/>
+      </a:effectRef>
+      <a:fontRef idx="minor"/>
+    </dgm:style>
+  </dgm:styleLbl>
+  <dgm:styleLbl name="fgShp">
+    <dgm:scene3d>
+      <a:camera prst="orthographicFront"/>
+      <a:lightRig rig="threePt" dir="t"/>
+    </dgm:scene3d>
+    <dgm:sp3d/>
+    <dgm:txPr/>
+    <dgm:style>
+      <a:lnRef idx="2">
+        <a:scrgbClr r="0" g="0" b="0"/>
+      </a:lnRef>
+      <a:fillRef idx="1">
+        <a:scrgbClr r="0" g="0" b="0"/>
+      </a:fillRef>
+      <a:effectRef idx="0">
+        <a:scrgbClr r="0" g="0" b="0"/>
+      </a:effectRef>
+      <a:fontRef idx="minor"/>
+    </dgm:style>
+  </dgm:styleLbl>
+  <dgm:styleLbl name="revTx">
+    <dgm:scene3d>
+      <a:camera prst="orthographicFront"/>
+      <a:lightRig rig="threePt" dir="t"/>
+    </dgm:scene3d>
+    <dgm:sp3d/>
+    <dgm:txPr/>
+    <dgm:style>
+      <a:lnRef idx="0">
+        <a:scrgbClr r="0" g="0" b="0"/>
+      </a:lnRef>
+      <a:fillRef idx="0">
+        <a:scrgbClr r="0" g="0" b="0"/>
+      </a:fillRef>
+      <a:effectRef idx="0">
+        <a:scrgbClr r="0" g="0" b="0"/>
+      </a:effectRef>
+      <a:fontRef idx="minor"/>
+    </dgm:style>
+  </dgm:styleLbl>
+</dgm:styleDef>
+</file>
+
+<file path=ppt/diagrams/quickStyle6.xml><?xml version="1.0" encoding="utf-8"?>
 <dgm:styleDef xmlns:dgm="http://schemas.openxmlformats.org/drawingml/2006/diagram" xmlns:a="http://schemas.openxmlformats.org/drawingml/2006/main" uniqueId="urn:microsoft.com/office/officeart/2005/8/quickstyle/simple1">
   <dgm:title val=""/>
   <dgm:desc val=""/>
@@ -19191,7 +22307,7 @@
           <a:p>
             <a:fld id="{611AC9C5-9A92-489D-8C3B-66E20D177F4E}" type="datetimeFigureOut">
               <a:rPr lang="it-IT" smtClean="0"/>
-              <a:t>18/02/2026</a:t>
+              <a:t>20/02/2026</a:t>
             </a:fld>
             <a:endParaRPr lang="it-IT"/>
           </a:p>
@@ -19466,7 +22582,7 @@
           <a:p>
             <a:fld id="{611AC9C5-9A92-489D-8C3B-66E20D177F4E}" type="datetimeFigureOut">
               <a:rPr lang="it-IT" smtClean="0"/>
-              <a:t>18/02/2026</a:t>
+              <a:t>20/02/2026</a:t>
             </a:fld>
             <a:endParaRPr lang="it-IT"/>
           </a:p>
@@ -19660,7 +22776,7 @@
           <a:p>
             <a:fld id="{611AC9C5-9A92-489D-8C3B-66E20D177F4E}" type="datetimeFigureOut">
               <a:rPr lang="it-IT" smtClean="0"/>
-              <a:t>18/02/2026</a:t>
+              <a:t>20/02/2026</a:t>
             </a:fld>
             <a:endParaRPr lang="it-IT"/>
           </a:p>
@@ -19933,7 +23049,7 @@
           <a:p>
             <a:fld id="{611AC9C5-9A92-489D-8C3B-66E20D177F4E}" type="datetimeFigureOut">
               <a:rPr lang="it-IT" smtClean="0"/>
-              <a:t>18/02/2026</a:t>
+              <a:t>20/02/2026</a:t>
             </a:fld>
             <a:endParaRPr lang="it-IT"/>
           </a:p>
@@ -20274,7 +23390,7 @@
           <a:p>
             <a:fld id="{611AC9C5-9A92-489D-8C3B-66E20D177F4E}" type="datetimeFigureOut">
               <a:rPr lang="it-IT" smtClean="0"/>
-              <a:t>18/02/2026</a:t>
+              <a:t>20/02/2026</a:t>
             </a:fld>
             <a:endParaRPr lang="it-IT"/>
           </a:p>
@@ -20897,7 +24013,7 @@
           <a:p>
             <a:fld id="{611AC9C5-9A92-489D-8C3B-66E20D177F4E}" type="datetimeFigureOut">
               <a:rPr lang="it-IT" smtClean="0"/>
-              <a:t>18/02/2026</a:t>
+              <a:t>20/02/2026</a:t>
             </a:fld>
             <a:endParaRPr lang="it-IT"/>
           </a:p>
@@ -21757,7 +24873,7 @@
           <a:p>
             <a:fld id="{611AC9C5-9A92-489D-8C3B-66E20D177F4E}" type="datetimeFigureOut">
               <a:rPr lang="it-IT" smtClean="0"/>
-              <a:t>18/02/2026</a:t>
+              <a:t>20/02/2026</a:t>
             </a:fld>
             <a:endParaRPr lang="it-IT"/>
           </a:p>
@@ -21927,7 +25043,7 @@
           <a:p>
             <a:fld id="{611AC9C5-9A92-489D-8C3B-66E20D177F4E}" type="datetimeFigureOut">
               <a:rPr lang="it-IT" smtClean="0"/>
-              <a:t>18/02/2026</a:t>
+              <a:t>20/02/2026</a:t>
             </a:fld>
             <a:endParaRPr lang="it-IT"/>
           </a:p>
@@ -22107,7 +25223,7 @@
           <a:p>
             <a:fld id="{611AC9C5-9A92-489D-8C3B-66E20D177F4E}" type="datetimeFigureOut">
               <a:rPr lang="it-IT" smtClean="0"/>
-              <a:t>18/02/2026</a:t>
+              <a:t>20/02/2026</a:t>
             </a:fld>
             <a:endParaRPr lang="it-IT"/>
           </a:p>
@@ -22277,7 +25393,7 @@
           <a:p>
             <a:fld id="{611AC9C5-9A92-489D-8C3B-66E20D177F4E}" type="datetimeFigureOut">
               <a:rPr lang="it-IT" smtClean="0"/>
-              <a:t>18/02/2026</a:t>
+              <a:t>20/02/2026</a:t>
             </a:fld>
             <a:endParaRPr lang="it-IT"/>
           </a:p>
@@ -22524,7 +25640,7 @@
           <a:p>
             <a:fld id="{611AC9C5-9A92-489D-8C3B-66E20D177F4E}" type="datetimeFigureOut">
               <a:rPr lang="it-IT" smtClean="0"/>
-              <a:t>18/02/2026</a:t>
+              <a:t>20/02/2026</a:t>
             </a:fld>
             <a:endParaRPr lang="it-IT"/>
           </a:p>
@@ -22816,7 +25932,7 @@
           <a:p>
             <a:fld id="{611AC9C5-9A92-489D-8C3B-66E20D177F4E}" type="datetimeFigureOut">
               <a:rPr lang="it-IT" smtClean="0"/>
-              <a:t>18/02/2026</a:t>
+              <a:t>20/02/2026</a:t>
             </a:fld>
             <a:endParaRPr lang="it-IT"/>
           </a:p>
@@ -23260,7 +26376,7 @@
           <a:p>
             <a:fld id="{611AC9C5-9A92-489D-8C3B-66E20D177F4E}" type="datetimeFigureOut">
               <a:rPr lang="it-IT" smtClean="0"/>
-              <a:t>18/02/2026</a:t>
+              <a:t>20/02/2026</a:t>
             </a:fld>
             <a:endParaRPr lang="it-IT"/>
           </a:p>
@@ -23378,7 +26494,7 @@
           <a:p>
             <a:fld id="{611AC9C5-9A92-489D-8C3B-66E20D177F4E}" type="datetimeFigureOut">
               <a:rPr lang="it-IT" smtClean="0"/>
-              <a:t>18/02/2026</a:t>
+              <a:t>20/02/2026</a:t>
             </a:fld>
             <a:endParaRPr lang="it-IT"/>
           </a:p>
@@ -23473,7 +26589,7 @@
           <a:p>
             <a:fld id="{611AC9C5-9A92-489D-8C3B-66E20D177F4E}" type="datetimeFigureOut">
               <a:rPr lang="it-IT" smtClean="0"/>
-              <a:t>18/02/2026</a:t>
+              <a:t>20/02/2026</a:t>
             </a:fld>
             <a:endParaRPr lang="it-IT"/>
           </a:p>
@@ -23752,7 +26868,7 @@
           <a:p>
             <a:fld id="{611AC9C5-9A92-489D-8C3B-66E20D177F4E}" type="datetimeFigureOut">
               <a:rPr lang="it-IT" smtClean="0"/>
-              <a:t>18/02/2026</a:t>
+              <a:t>20/02/2026</a:t>
             </a:fld>
             <a:endParaRPr lang="it-IT"/>
           </a:p>
@@ -24027,7 +27143,7 @@
           <a:p>
             <a:fld id="{611AC9C5-9A92-489D-8C3B-66E20D177F4E}" type="datetimeFigureOut">
               <a:rPr lang="it-IT" smtClean="0"/>
-              <a:t>18/02/2026</a:t>
+              <a:t>20/02/2026</a:t>
             </a:fld>
             <a:endParaRPr lang="it-IT"/>
           </a:p>
@@ -24456,7 +27572,7 @@
           <a:p>
             <a:fld id="{611AC9C5-9A92-489D-8C3B-66E20D177F4E}" type="datetimeFigureOut">
               <a:rPr lang="it-IT" smtClean="0"/>
-              <a:t>18/02/2026</a:t>
+              <a:t>20/02/2026</a:t>
             </a:fld>
             <a:endParaRPr lang="it-IT"/>
           </a:p>
@@ -28129,31 +31245,40 @@
           </a:xfrm>
         </p:spPr>
         <p:txBody>
-          <a:bodyPr vert="horz" lIns="91440" tIns="45720" rIns="91440" bIns="45720" rtlCol="0">
+          <a:bodyPr vert="horz" lIns="91440" tIns="45720" rIns="91440" bIns="45720" rtlCol="0" anchor="t">
             <a:normAutofit/>
           </a:bodyPr>
           <a:lstStyle/>
           <a:p>
+            <a:pPr>
+              <a:buClr>
+                <a:srgbClr val="EBEBEB">
+                  <a:lumMod val="40000"/>
+                  <a:lumOff val="60000"/>
+                </a:srgbClr>
+              </a:buClr>
+            </a:pPr>
             <a:r>
-              <a:rPr lang="en-US"/>
+              <a:rPr lang="en-US" dirty="0"/>
               <a:t>Carica in memoria </a:t>
             </a:r>
             <a:r>
-              <a:rPr lang="en-US" b="1"/>
+              <a:rPr lang="en-US" b="1" dirty="0"/>
               <a:t>solo le parti </a:t>
             </a:r>
             <a:r>
-              <a:rPr lang="en-US" b="1" err="1"/>
+              <a:rPr lang="en-US" b="1" dirty="0" err="1"/>
               <a:t>necessarie</a:t>
             </a:r>
             <a:r>
-              <a:rPr lang="en-US" b="1"/>
+              <a:rPr lang="en-US" b="1" dirty="0"/>
               <a:t> del </a:t>
             </a:r>
             <a:r>
-              <a:rPr lang="en-US" b="1" err="1"/>
+              <a:rPr lang="en-US" b="1" dirty="0" err="1"/>
               <a:t>programma</a:t>
             </a:r>
+            <a:endParaRPr lang="en-US" b="1" dirty="0"/>
           </a:p>
           <a:p>
             <a:pPr>
@@ -28162,62 +31287,62 @@
               </a:buClr>
             </a:pPr>
             <a:r>
-              <a:rPr lang="en-US"/>
+              <a:rPr lang="en-US" dirty="0"/>
               <a:t>Le </a:t>
             </a:r>
             <a:r>
-              <a:rPr lang="en-US" err="1"/>
+              <a:rPr lang="en-US" dirty="0" err="1"/>
               <a:t>altre</a:t>
             </a:r>
             <a:r>
-              <a:rPr lang="en-US"/>
+              <a:rPr lang="en-US" dirty="0"/>
               <a:t> </a:t>
             </a:r>
             <a:r>
-              <a:rPr lang="en-US" err="1"/>
+              <a:rPr lang="en-US" dirty="0" err="1"/>
               <a:t>restano</a:t>
             </a:r>
             <a:r>
-              <a:rPr lang="en-US"/>
+              <a:rPr lang="en-US" dirty="0"/>
               <a:t> </a:t>
             </a:r>
             <a:r>
-              <a:rPr lang="en-US" err="1"/>
+              <a:rPr lang="en-US" dirty="0" err="1"/>
               <a:t>nel</a:t>
             </a:r>
             <a:r>
-              <a:rPr lang="en-US"/>
+              <a:rPr lang="en-US" dirty="0"/>
               <a:t> disco e </a:t>
             </a:r>
             <a:r>
-              <a:rPr lang="en-US" err="1"/>
+              <a:rPr lang="en-US" dirty="0" err="1"/>
               <a:t>vengono</a:t>
             </a:r>
             <a:r>
-              <a:rPr lang="en-US"/>
+              <a:rPr lang="en-US" dirty="0"/>
               <a:t> </a:t>
             </a:r>
             <a:r>
-              <a:rPr lang="en-US" b="1" err="1"/>
+              <a:rPr lang="en-US" b="1" dirty="0" err="1"/>
               <a:t>caricate</a:t>
             </a:r>
             <a:r>
-              <a:rPr lang="en-US" b="1"/>
+              <a:rPr lang="en-US" b="1" dirty="0"/>
               <a:t> solo </a:t>
             </a:r>
             <a:r>
-              <a:rPr lang="en-US" b="1" err="1"/>
+              <a:rPr lang="en-US" b="1" dirty="0" err="1"/>
               <a:t>quando</a:t>
             </a:r>
             <a:r>
-              <a:rPr lang="en-US" b="1"/>
+              <a:rPr lang="en-US" b="1" dirty="0"/>
               <a:t> </a:t>
             </a:r>
             <a:r>
-              <a:rPr lang="en-US" b="1" err="1"/>
+              <a:rPr lang="en-US" b="1" dirty="0" err="1"/>
               <a:t>servono</a:t>
             </a:r>
-            <a:endParaRPr lang="en-US" b="1"/>
+            <a:endParaRPr lang="en-US" b="1" dirty="0"/>
           </a:p>
         </p:txBody>
       </p:sp>
@@ -30472,69 +33597,69 @@
           </a:xfrm>
         </p:spPr>
         <p:txBody>
-          <a:bodyPr vert="horz" lIns="91440" tIns="45720" rIns="91440" bIns="45720" rtlCol="0">
+          <a:bodyPr vert="horz" lIns="91440" tIns="45720" rIns="91440" bIns="45720" rtlCol="0" anchor="t">
             <a:normAutofit/>
           </a:bodyPr>
           <a:lstStyle/>
           <a:p>
             <a:r>
-              <a:rPr lang="en-US"/>
+              <a:rPr lang="en-US" dirty="0"/>
               <a:t>Serve a </a:t>
             </a:r>
             <a:r>
-              <a:rPr lang="en-US" err="1"/>
+              <a:rPr lang="en-US" dirty="0" err="1"/>
               <a:t>riservare</a:t>
             </a:r>
             <a:r>
-              <a:rPr lang="en-US"/>
+              <a:rPr lang="en-US" dirty="0"/>
               <a:t> a ogni </a:t>
             </a:r>
             <a:r>
-              <a:rPr lang="en-US" err="1"/>
+              <a:rPr lang="en-US" b="1" dirty="0" err="1"/>
               <a:t>processo</a:t>
             </a:r>
             <a:r>
-              <a:rPr lang="en-US"/>
+              <a:rPr lang="en-US" b="1" dirty="0"/>
               <a:t> </a:t>
             </a:r>
             <a:r>
-              <a:rPr lang="en-US" err="1"/>
+              <a:rPr lang="en-US" b="1" dirty="0" err="1"/>
               <a:t>una</a:t>
             </a:r>
             <a:r>
-              <a:rPr lang="en-US"/>
+              <a:rPr lang="en-US" b="1" dirty="0"/>
               <a:t> </a:t>
             </a:r>
             <a:r>
-              <a:rPr lang="en-US" err="1"/>
+              <a:rPr lang="en-US" b="1" dirty="0" err="1"/>
               <a:t>dimensione</a:t>
             </a:r>
             <a:r>
-              <a:rPr lang="en-US"/>
+              <a:rPr lang="en-US" b="1" dirty="0"/>
               <a:t> di memoria </a:t>
             </a:r>
             <a:r>
-              <a:rPr lang="en-US" err="1"/>
+              <a:rPr lang="en-US" b="1" dirty="0" err="1"/>
               <a:t>fissa</a:t>
             </a:r>
             <a:r>
-              <a:rPr lang="en-US"/>
+              <a:rPr lang="en-US" dirty="0"/>
               <a:t> per </a:t>
             </a:r>
             <a:r>
-              <a:rPr lang="en-US" err="1"/>
+              <a:rPr lang="en-US" dirty="0" err="1"/>
               <a:t>semplificare</a:t>
             </a:r>
             <a:r>
-              <a:rPr lang="en-US"/>
+              <a:rPr lang="en-US" dirty="0"/>
               <a:t> le </a:t>
             </a:r>
             <a:r>
-              <a:rPr lang="en-US" err="1"/>
+              <a:rPr lang="en-US" dirty="0" err="1"/>
               <a:t>operazioni</a:t>
             </a:r>
             <a:r>
-              <a:rPr lang="en-US"/>
+              <a:rPr lang="en-US" dirty="0"/>
               <a:t> di swapping </a:t>
             </a:r>
           </a:p>
@@ -30594,6 +33719,1438 @@
 </file>
 
 <file path=ppt/slides/slide14.xml><?xml version="1.0" encoding="utf-8"?>
+<p:sld xmlns:a="http://schemas.openxmlformats.org/drawingml/2006/main" xmlns:r="http://schemas.openxmlformats.org/officeDocument/2006/relationships" xmlns:p="http://schemas.openxmlformats.org/presentationml/2006/main">
+  <p:cSld>
+    <p:spTree>
+      <p:nvGrpSpPr>
+        <p:cNvPr id="1" name=""/>
+        <p:cNvGrpSpPr/>
+        <p:nvPr/>
+      </p:nvGrpSpPr>
+      <p:grpSpPr>
+        <a:xfrm>
+          <a:off x="0" y="0"/>
+          <a:ext cx="0" cy="0"/>
+          <a:chOff x="0" y="0"/>
+          <a:chExt cx="0" cy="0"/>
+        </a:xfrm>
+      </p:grpSpPr>
+      <p:sp>
+        <p:nvSpPr>
+          <p:cNvPr id="2" name="Title 1">
+            <a:extLst>
+              <a:ext uri="{FF2B5EF4-FFF2-40B4-BE49-F238E27FC236}">
+                <a16:creationId xmlns:a16="http://schemas.microsoft.com/office/drawing/2014/main" id="{53114048-B2DF-94FB-3F83-988D4AB6EB89}"/>
+              </a:ext>
+            </a:extLst>
+          </p:cNvPr>
+          <p:cNvSpPr>
+            <a:spLocks noGrp="1"/>
+          </p:cNvSpPr>
+          <p:nvPr>
+            <p:ph type="title"/>
+          </p:nvPr>
+        </p:nvSpPr>
+        <p:spPr/>
+        <p:txBody>
+          <a:bodyPr/>
+          <a:lstStyle/>
+          <a:p>
+            <a:r>
+              <a:rPr lang="en-US" dirty="0" err="1"/>
+              <a:t>Tecniche</a:t>
+            </a:r>
+            <a:r>
+              <a:rPr lang="en-US" dirty="0"/>
+              <a:t> di </a:t>
+            </a:r>
+            <a:r>
+              <a:rPr lang="en-US" dirty="0" err="1"/>
+              <a:t>allocazione</a:t>
+            </a:r>
+            <a:r>
+              <a:rPr lang="en-US" dirty="0"/>
+              <a:t> </a:t>
+            </a:r>
+            <a:r>
+              <a:rPr lang="en-US" dirty="0" err="1"/>
+              <a:t>dalla</a:t>
+            </a:r>
+            <a:r>
+              <a:rPr lang="en-US" dirty="0"/>
+              <a:t> memoria centrale</a:t>
+            </a:r>
+          </a:p>
+        </p:txBody>
+      </p:sp>
+      <p:sp>
+        <p:nvSpPr>
+          <p:cNvPr id="3" name="Content Placeholder 2">
+            <a:extLst>
+              <a:ext uri="{FF2B5EF4-FFF2-40B4-BE49-F238E27FC236}">
+                <a16:creationId xmlns:a16="http://schemas.microsoft.com/office/drawing/2014/main" id="{4F67AE7F-3B89-BDA0-83B1-16AA461172EA}"/>
+              </a:ext>
+            </a:extLst>
+          </p:cNvPr>
+          <p:cNvSpPr>
+            <a:spLocks noGrp="1"/>
+          </p:cNvSpPr>
+          <p:nvPr>
+            <p:ph idx="1"/>
+          </p:nvPr>
+        </p:nvSpPr>
+        <p:spPr>
+          <a:xfrm>
+            <a:off x="872940" y="2052918"/>
+            <a:ext cx="8946541" cy="4195481"/>
+          </a:xfrm>
+        </p:spPr>
+        <p:txBody>
+          <a:bodyPr vert="horz" lIns="91440" tIns="45720" rIns="91440" bIns="45720" rtlCol="0" anchor="t">
+            <a:normAutofit/>
+          </a:bodyPr>
+          <a:lstStyle/>
+          <a:p>
+            <a:pPr>
+              <a:buClr>
+                <a:srgbClr val="8AD0D6"/>
+              </a:buClr>
+              <a:buFont typeface="Wingdings" charset="2"/>
+              <a:buChar char="v"/>
+            </a:pPr>
+            <a:r>
+              <a:rPr lang="en-US" dirty="0" err="1">
+                <a:ea typeface="+mj-lt"/>
+                <a:cs typeface="+mj-lt"/>
+              </a:rPr>
+              <a:t>Monoprogrammato</a:t>
+            </a:r>
+            <a:r>
+              <a:rPr lang="en-US" dirty="0">
+                <a:ea typeface="+mj-lt"/>
+                <a:cs typeface="+mj-lt"/>
+              </a:rPr>
+              <a:t> </a:t>
+            </a:r>
+            <a:endParaRPr lang="en-US" dirty="0"/>
+          </a:p>
+          <a:p>
+            <a:pPr>
+              <a:buClr>
+                <a:srgbClr val="8AD0D6"/>
+              </a:buClr>
+              <a:buFont typeface="Wingdings" charset="2"/>
+              <a:buChar char="v"/>
+            </a:pPr>
+            <a:r>
+              <a:rPr lang="en-US" dirty="0">
+                <a:ea typeface="+mj-lt"/>
+                <a:cs typeface="+mj-lt"/>
+              </a:rPr>
+              <a:t>   </a:t>
+            </a:r>
+            <a:r>
+              <a:rPr lang="en-US" dirty="0" err="1">
+                <a:ea typeface="+mj-lt"/>
+                <a:cs typeface="+mj-lt"/>
+              </a:rPr>
+              <a:t>Allocazione</a:t>
+            </a:r>
+            <a:r>
+              <a:rPr lang="en-US" dirty="0">
+                <a:ea typeface="+mj-lt"/>
+                <a:cs typeface="+mj-lt"/>
+              </a:rPr>
+              <a:t> </a:t>
+            </a:r>
+            <a:r>
+              <a:rPr lang="en-US" dirty="0" err="1">
+                <a:ea typeface="+mj-lt"/>
+                <a:cs typeface="+mj-lt"/>
+              </a:rPr>
+              <a:t>contiugua</a:t>
+            </a:r>
+            <a:r>
+              <a:rPr lang="en-US" dirty="0">
+                <a:ea typeface="+mj-lt"/>
+                <a:cs typeface="+mj-lt"/>
+              </a:rPr>
+              <a:t> </a:t>
+            </a:r>
+          </a:p>
+          <a:p>
+            <a:pPr>
+              <a:buClr>
+                <a:srgbClr val="8AD0D6"/>
+              </a:buClr>
+              <a:buFont typeface="Wingdings" charset="2"/>
+              <a:buChar char="v"/>
+            </a:pPr>
+            <a:r>
+              <a:rPr lang="en-US" dirty="0">
+                <a:ea typeface="+mj-lt"/>
+                <a:cs typeface="+mj-lt"/>
+              </a:rPr>
+              <a:t>      A </a:t>
+            </a:r>
+            <a:r>
+              <a:rPr lang="en-US" dirty="0" err="1">
+                <a:ea typeface="+mj-lt"/>
+                <a:cs typeface="+mj-lt"/>
+              </a:rPr>
+              <a:t>partizioni</a:t>
+            </a:r>
+            <a:r>
+              <a:rPr lang="en-US" dirty="0">
+                <a:ea typeface="+mj-lt"/>
+                <a:cs typeface="+mj-lt"/>
+              </a:rPr>
+              <a:t> </a:t>
+            </a:r>
+            <a:r>
+              <a:rPr lang="en-US" dirty="0" err="1">
+                <a:ea typeface="+mj-lt"/>
+                <a:cs typeface="+mj-lt"/>
+              </a:rPr>
+              <a:t>fisse</a:t>
+            </a:r>
+            <a:r>
+              <a:rPr lang="en-US" dirty="0">
+                <a:ea typeface="+mj-lt"/>
+                <a:cs typeface="+mj-lt"/>
+              </a:rPr>
+              <a:t> o </a:t>
+            </a:r>
+            <a:r>
+              <a:rPr lang="en-US" dirty="0" err="1">
+                <a:ea typeface="+mj-lt"/>
+                <a:cs typeface="+mj-lt"/>
+              </a:rPr>
+              <a:t>variabili</a:t>
+            </a:r>
+            <a:r>
+              <a:rPr lang="en-US" dirty="0">
+                <a:ea typeface="+mj-lt"/>
+                <a:cs typeface="+mj-lt"/>
+              </a:rPr>
+              <a:t> </a:t>
+            </a:r>
+          </a:p>
+          <a:p>
+            <a:pPr>
+              <a:buClr>
+                <a:srgbClr val="8AD0D6"/>
+              </a:buClr>
+              <a:buFont typeface="Wingdings" charset="2"/>
+              <a:buChar char="v"/>
+            </a:pPr>
+            <a:r>
+              <a:rPr lang="en-US" dirty="0">
+                <a:ea typeface="+mj-lt"/>
+                <a:cs typeface="+mj-lt"/>
+              </a:rPr>
+              <a:t>   </a:t>
+            </a:r>
+            <a:r>
+              <a:rPr lang="en-US" dirty="0" err="1">
+                <a:ea typeface="+mj-lt"/>
+                <a:cs typeface="+mj-lt"/>
+              </a:rPr>
+              <a:t>Allocazione</a:t>
+            </a:r>
+            <a:r>
+              <a:rPr lang="en-US" dirty="0">
+                <a:ea typeface="+mj-lt"/>
+                <a:cs typeface="+mj-lt"/>
+              </a:rPr>
+              <a:t> non </a:t>
+            </a:r>
+            <a:r>
+              <a:rPr lang="en-US" dirty="0" err="1">
+                <a:ea typeface="+mj-lt"/>
+                <a:cs typeface="+mj-lt"/>
+              </a:rPr>
+              <a:t>contigua</a:t>
+            </a:r>
+            <a:r>
+              <a:rPr lang="en-US" dirty="0">
+                <a:ea typeface="+mj-lt"/>
+                <a:cs typeface="+mj-lt"/>
+              </a:rPr>
+              <a:t> </a:t>
+            </a:r>
+          </a:p>
+          <a:p>
+            <a:pPr>
+              <a:buClr>
+                <a:srgbClr val="8AD0D6"/>
+              </a:buClr>
+              <a:buFont typeface="Wingdings" charset="2"/>
+              <a:buChar char="v"/>
+            </a:pPr>
+            <a:r>
+              <a:rPr lang="en-US" dirty="0">
+                <a:ea typeface="+mj-lt"/>
+                <a:cs typeface="+mj-lt"/>
+              </a:rPr>
+              <a:t>       </a:t>
+            </a:r>
+            <a:r>
+              <a:rPr lang="en-US" dirty="0" err="1">
+                <a:ea typeface="+mj-lt"/>
+                <a:cs typeface="+mj-lt"/>
+              </a:rPr>
+              <a:t>Paginazione</a:t>
+            </a:r>
+          </a:p>
+          <a:p>
+            <a:pPr>
+              <a:buClr>
+                <a:srgbClr val="8AD0D6"/>
+              </a:buClr>
+              <a:buFont typeface="Wingdings" charset="2"/>
+              <a:buChar char="v"/>
+            </a:pPr>
+            <a:r>
+              <a:rPr lang="en-US" dirty="0">
+                <a:ea typeface="+mj-lt"/>
+                <a:cs typeface="+mj-lt"/>
+              </a:rPr>
+              <a:t>       </a:t>
+            </a:r>
+            <a:r>
+              <a:rPr lang="en-US" dirty="0" err="1">
+                <a:ea typeface="+mj-lt"/>
+                <a:cs typeface="+mj-lt"/>
+              </a:rPr>
+              <a:t>Segmentazione</a:t>
+            </a:r>
+          </a:p>
+          <a:p>
+            <a:pPr>
+              <a:buClr>
+                <a:srgbClr val="8AD0D6"/>
+              </a:buClr>
+              <a:buFont typeface="Wingdings" charset="2"/>
+              <a:buChar char="v"/>
+            </a:pPr>
+            <a:r>
+              <a:rPr lang="en-US" dirty="0">
+                <a:ea typeface="+mj-lt"/>
+                <a:cs typeface="+mj-lt"/>
+              </a:rPr>
+              <a:t>       </a:t>
+            </a:r>
+            <a:r>
+              <a:rPr lang="en-US" dirty="0" err="1">
+                <a:ea typeface="+mj-lt"/>
+                <a:cs typeface="+mj-lt"/>
+              </a:rPr>
+              <a:t>Segmentazione</a:t>
+            </a:r>
+            <a:r>
+              <a:rPr lang="en-US" dirty="0">
+                <a:ea typeface="+mj-lt"/>
+                <a:cs typeface="+mj-lt"/>
+              </a:rPr>
+              <a:t> con </a:t>
+            </a:r>
+            <a:r>
+              <a:rPr lang="en-US" dirty="0" err="1">
+                <a:ea typeface="+mj-lt"/>
+                <a:cs typeface="+mj-lt"/>
+              </a:rPr>
+              <a:t>paginazione</a:t>
+            </a:r>
+            <a:r>
+              <a:rPr lang="en-US" dirty="0">
+                <a:ea typeface="+mj-lt"/>
+                <a:cs typeface="+mj-lt"/>
+              </a:rPr>
+              <a:t> </a:t>
+            </a:r>
+          </a:p>
+        </p:txBody>
+      </p:sp>
+    </p:spTree>
+    <p:extLst>
+      <p:ext uri="{BB962C8B-B14F-4D97-AF65-F5344CB8AC3E}">
+        <p14:creationId xmlns:p14="http://schemas.microsoft.com/office/powerpoint/2010/main" val="3580903831"/>
+      </p:ext>
+    </p:extLst>
+  </p:cSld>
+  <p:clrMapOvr>
+    <a:masterClrMapping/>
+  </p:clrMapOvr>
+</p:sld>
+</file>
+
+<file path=ppt/slides/slide15.xml><?xml version="1.0" encoding="utf-8"?>
+<p:sld xmlns:a="http://schemas.openxmlformats.org/drawingml/2006/main" xmlns:r="http://schemas.openxmlformats.org/officeDocument/2006/relationships" xmlns:p="http://schemas.openxmlformats.org/presentationml/2006/main">
+  <p:cSld>
+    <p:bg>
+      <p:bgPr>
+        <a:solidFill>
+          <a:schemeClr val="bg1"/>
+        </a:solidFill>
+        <a:effectLst/>
+      </p:bgPr>
+    </p:bg>
+    <p:spTree>
+      <p:nvGrpSpPr>
+        <p:cNvPr id="1" name=""/>
+        <p:cNvGrpSpPr/>
+        <p:nvPr/>
+      </p:nvGrpSpPr>
+      <p:grpSpPr>
+        <a:xfrm>
+          <a:off x="0" y="0"/>
+          <a:ext cx="0" cy="0"/>
+          <a:chOff x="0" y="0"/>
+          <a:chExt cx="0" cy="0"/>
+        </a:xfrm>
+      </p:grpSpPr>
+      <p:sp>
+        <p:nvSpPr>
+          <p:cNvPr id="9" name="Rectangle 8">
+            <a:extLst>
+              <a:ext uri="{FF2B5EF4-FFF2-40B4-BE49-F238E27FC236}">
+                <a16:creationId xmlns:a16="http://schemas.microsoft.com/office/drawing/2014/main" id="{4E78424C-6FD0-41F8-9CAA-5DC19C42359F}"/>
+              </a:ext>
+              <a:ext uri="{C183D7F6-B498-43B3-948B-1728B52AA6E4}">
+                <adec:decorative xmlns:adec="http://schemas.microsoft.com/office/drawing/2017/decorative" val="1"/>
+              </a:ext>
+            </a:extLst>
+          </p:cNvPr>
+          <p:cNvSpPr>
+            <a:spLocks noGrp="1" noRot="1" noChangeAspect="1" noMove="1" noResize="1" noEditPoints="1" noAdjustHandles="1" noChangeArrowheads="1" noChangeShapeType="1" noTextEdit="1"/>
+          </p:cNvSpPr>
+          <p:nvPr>
+            <p:extLst>
+              <p:ext uri="{386F3935-93C4-4BCD-93E2-E3B085C9AB24}">
+                <p16:designElem xmlns:p16="http://schemas.microsoft.com/office/powerpoint/2015/main" val="1"/>
+              </p:ext>
+            </p:extLst>
+          </p:nvPr>
+        </p:nvSpPr>
+        <p:spPr>
+          <a:xfrm>
+            <a:off x="0" y="-1"/>
+            <a:ext cx="12192000" cy="6858001"/>
+          </a:xfrm>
+          <a:prstGeom prst="rect">
+            <a:avLst/>
+          </a:prstGeom>
+          <a:ln>
+            <a:noFill/>
+          </a:ln>
+        </p:spPr>
+        <p:style>
+          <a:lnRef idx="2">
+            <a:schemeClr val="accent1">
+              <a:shade val="50000"/>
+            </a:schemeClr>
+          </a:lnRef>
+          <a:fillRef idx="1003">
+            <a:schemeClr val="dk2"/>
+          </a:fillRef>
+          <a:effectRef idx="0">
+            <a:schemeClr val="accent1"/>
+          </a:effectRef>
+          <a:fontRef idx="minor">
+            <a:schemeClr val="lt1"/>
+          </a:fontRef>
+        </p:style>
+        <p:txBody>
+          <a:bodyPr rtlCol="0" anchor="ctr"/>
+          <a:lstStyle/>
+          <a:p>
+            <a:pPr algn="ctr"/>
+            <a:endParaRPr lang="en-US"/>
+          </a:p>
+        </p:txBody>
+      </p:sp>
+      <p:sp>
+        <p:nvSpPr>
+          <p:cNvPr id="2" name="Title 1">
+            <a:extLst>
+              <a:ext uri="{FF2B5EF4-FFF2-40B4-BE49-F238E27FC236}">
+                <a16:creationId xmlns:a16="http://schemas.microsoft.com/office/drawing/2014/main" id="{B9DA192F-35FA-BF6F-979C-B1F3AD67D537}"/>
+              </a:ext>
+            </a:extLst>
+          </p:cNvPr>
+          <p:cNvSpPr>
+            <a:spLocks noGrp="1"/>
+          </p:cNvSpPr>
+          <p:nvPr>
+            <p:ph type="title"/>
+          </p:nvPr>
+        </p:nvSpPr>
+        <p:spPr>
+          <a:xfrm>
+            <a:off x="643855" y="1447800"/>
+            <a:ext cx="3108626" cy="4572000"/>
+          </a:xfrm>
+        </p:spPr>
+        <p:txBody>
+          <a:bodyPr anchor="ctr">
+            <a:normAutofit/>
+          </a:bodyPr>
+          <a:lstStyle/>
+          <a:p>
+            <a:r>
+              <a:rPr lang="en-US" sz="2700">
+                <a:solidFill>
+                  <a:srgbClr val="F2F2F2"/>
+                </a:solidFill>
+              </a:rPr>
+              <a:t>Partizionamento</a:t>
+            </a:r>
+          </a:p>
+        </p:txBody>
+      </p:sp>
+      <p:sp>
+        <p:nvSpPr>
+          <p:cNvPr id="11" name="Freeform: Shape 10">
+            <a:extLst>
+              <a:ext uri="{FF2B5EF4-FFF2-40B4-BE49-F238E27FC236}">
+                <a16:creationId xmlns:a16="http://schemas.microsoft.com/office/drawing/2014/main" id="{DD136760-57DC-4301-8BEA-B71AD2D13905}"/>
+              </a:ext>
+              <a:ext uri="{C183D7F6-B498-43B3-948B-1728B52AA6E4}">
+                <adec:decorative xmlns:adec="http://schemas.microsoft.com/office/drawing/2017/decorative" val="1"/>
+              </a:ext>
+            </a:extLst>
+          </p:cNvPr>
+          <p:cNvSpPr>
+            <a:spLocks noGrp="1" noRot="1" noChangeAspect="1" noMove="1" noResize="1" noEditPoints="1" noAdjustHandles="1" noChangeArrowheads="1" noChangeShapeType="1" noTextEdit="1"/>
+          </p:cNvSpPr>
+          <p:nvPr>
+            <p:extLst>
+              <p:ext uri="{386F3935-93C4-4BCD-93E2-E3B085C9AB24}">
+                <p16:designElem xmlns:p16="http://schemas.microsoft.com/office/powerpoint/2015/main" val="1"/>
+              </p:ext>
+            </p:extLst>
+          </p:nvPr>
+        </p:nvSpPr>
+        <p:spPr>
+          <a:xfrm>
+            <a:off x="4161310" y="0"/>
+            <a:ext cx="8030690" cy="6858000"/>
+          </a:xfrm>
+          <a:custGeom>
+            <a:avLst/>
+            <a:gdLst>
+              <a:gd name="connsiteX0" fmla="*/ 1176 w 8030690"/>
+              <a:gd name="connsiteY0" fmla="*/ 0 h 6858000"/>
+              <a:gd name="connsiteX1" fmla="*/ 1344715 w 8030690"/>
+              <a:gd name="connsiteY1" fmla="*/ 0 h 6858000"/>
+              <a:gd name="connsiteX2" fmla="*/ 1344715 w 8030690"/>
+              <a:gd name="connsiteY2" fmla="*/ 0 h 6858000"/>
+              <a:gd name="connsiteX3" fmla="*/ 8030690 w 8030690"/>
+              <a:gd name="connsiteY3" fmla="*/ 0 h 6858000"/>
+              <a:gd name="connsiteX4" fmla="*/ 8030690 w 8030690"/>
+              <a:gd name="connsiteY4" fmla="*/ 6858000 h 6858000"/>
+              <a:gd name="connsiteX5" fmla="*/ 477746 w 8030690"/>
+              <a:gd name="connsiteY5" fmla="*/ 6858000 h 6858000"/>
+              <a:gd name="connsiteX6" fmla="*/ 477746 w 8030690"/>
+              <a:gd name="connsiteY6" fmla="*/ 6858000 h 6858000"/>
+              <a:gd name="connsiteX7" fmla="*/ 0 w 8030690"/>
+              <a:gd name="connsiteY7" fmla="*/ 6858000 h 6858000"/>
+              <a:gd name="connsiteX8" fmla="*/ 5883 w 8030690"/>
+              <a:gd name="connsiteY8" fmla="*/ 6817538 h 6858000"/>
+              <a:gd name="connsiteX9" fmla="*/ 23196 w 8030690"/>
+              <a:gd name="connsiteY9" fmla="*/ 6698894 h 6858000"/>
+              <a:gd name="connsiteX10" fmla="*/ 35298 w 8030690"/>
+              <a:gd name="connsiteY10" fmla="*/ 6612483 h 6858000"/>
+              <a:gd name="connsiteX11" fmla="*/ 48073 w 8030690"/>
+              <a:gd name="connsiteY11" fmla="*/ 6509613 h 6858000"/>
+              <a:gd name="connsiteX12" fmla="*/ 63369 w 8030690"/>
+              <a:gd name="connsiteY12" fmla="*/ 6387541 h 6858000"/>
+              <a:gd name="connsiteX13" fmla="*/ 79506 w 8030690"/>
+              <a:gd name="connsiteY13" fmla="*/ 6252438 h 6858000"/>
+              <a:gd name="connsiteX14" fmla="*/ 96483 w 8030690"/>
+              <a:gd name="connsiteY14" fmla="*/ 6100191 h 6858000"/>
+              <a:gd name="connsiteX15" fmla="*/ 114468 w 8030690"/>
+              <a:gd name="connsiteY15" fmla="*/ 5934227 h 6858000"/>
+              <a:gd name="connsiteX16" fmla="*/ 132454 w 8030690"/>
+              <a:gd name="connsiteY16" fmla="*/ 5753862 h 6858000"/>
+              <a:gd name="connsiteX17" fmla="*/ 150775 w 8030690"/>
+              <a:gd name="connsiteY17" fmla="*/ 5561838 h 6858000"/>
+              <a:gd name="connsiteX18" fmla="*/ 167752 w 8030690"/>
+              <a:gd name="connsiteY18" fmla="*/ 5354726 h 6858000"/>
+              <a:gd name="connsiteX19" fmla="*/ 184057 w 8030690"/>
+              <a:gd name="connsiteY19" fmla="*/ 5138013 h 6858000"/>
+              <a:gd name="connsiteX20" fmla="*/ 198849 w 8030690"/>
+              <a:gd name="connsiteY20" fmla="*/ 4908956 h 6858000"/>
+              <a:gd name="connsiteX21" fmla="*/ 212968 w 8030690"/>
+              <a:gd name="connsiteY21" fmla="*/ 4670298 h 6858000"/>
+              <a:gd name="connsiteX22" fmla="*/ 226248 w 8030690"/>
+              <a:gd name="connsiteY22" fmla="*/ 4421352 h 6858000"/>
+              <a:gd name="connsiteX23" fmla="*/ 230954 w 8030690"/>
+              <a:gd name="connsiteY23" fmla="*/ 4293793 h 6858000"/>
+              <a:gd name="connsiteX24" fmla="*/ 236165 w 8030690"/>
+              <a:gd name="connsiteY24" fmla="*/ 4163491 h 6858000"/>
+              <a:gd name="connsiteX25" fmla="*/ 241039 w 8030690"/>
+              <a:gd name="connsiteY25" fmla="*/ 4031132 h 6858000"/>
+              <a:gd name="connsiteX26" fmla="*/ 244233 w 8030690"/>
+              <a:gd name="connsiteY26" fmla="*/ 3898087 h 6858000"/>
+              <a:gd name="connsiteX27" fmla="*/ 247091 w 8030690"/>
+              <a:gd name="connsiteY27" fmla="*/ 3762298 h 6858000"/>
+              <a:gd name="connsiteX28" fmla="*/ 250116 w 8030690"/>
+              <a:gd name="connsiteY28" fmla="*/ 3625138 h 6858000"/>
+              <a:gd name="connsiteX29" fmla="*/ 252133 w 8030690"/>
+              <a:gd name="connsiteY29" fmla="*/ 3485235 h 6858000"/>
+              <a:gd name="connsiteX30" fmla="*/ 252133 w 8030690"/>
+              <a:gd name="connsiteY30" fmla="*/ 3343960 h 6858000"/>
+              <a:gd name="connsiteX31" fmla="*/ 253142 w 8030690"/>
+              <a:gd name="connsiteY31" fmla="*/ 3201314 h 6858000"/>
+              <a:gd name="connsiteX32" fmla="*/ 252133 w 8030690"/>
+              <a:gd name="connsiteY32" fmla="*/ 3057296 h 6858000"/>
+              <a:gd name="connsiteX33" fmla="*/ 250116 w 8030690"/>
+              <a:gd name="connsiteY33" fmla="*/ 2911221 h 6858000"/>
+              <a:gd name="connsiteX34" fmla="*/ 248267 w 8030690"/>
+              <a:gd name="connsiteY34" fmla="*/ 2765145 h 6858000"/>
+              <a:gd name="connsiteX35" fmla="*/ 244233 w 8030690"/>
+              <a:gd name="connsiteY35" fmla="*/ 2617013 h 6858000"/>
+              <a:gd name="connsiteX36" fmla="*/ 240031 w 8030690"/>
+              <a:gd name="connsiteY36" fmla="*/ 2467508 h 6858000"/>
+              <a:gd name="connsiteX37" fmla="*/ 235156 w 8030690"/>
+              <a:gd name="connsiteY37" fmla="*/ 2318004 h 6858000"/>
+              <a:gd name="connsiteX38" fmla="*/ 228265 w 8030690"/>
+              <a:gd name="connsiteY38" fmla="*/ 2167128 h 6858000"/>
+              <a:gd name="connsiteX39" fmla="*/ 220028 w 8030690"/>
+              <a:gd name="connsiteY39" fmla="*/ 2014880 h 6858000"/>
+              <a:gd name="connsiteX40" fmla="*/ 212128 w 8030690"/>
+              <a:gd name="connsiteY40" fmla="*/ 1861947 h 6858000"/>
+              <a:gd name="connsiteX41" fmla="*/ 202043 w 8030690"/>
+              <a:gd name="connsiteY41" fmla="*/ 1709013 h 6858000"/>
+              <a:gd name="connsiteX42" fmla="*/ 189940 w 8030690"/>
+              <a:gd name="connsiteY42" fmla="*/ 1554023 h 6858000"/>
+              <a:gd name="connsiteX43" fmla="*/ 177838 w 8030690"/>
+              <a:gd name="connsiteY43" fmla="*/ 1401089 h 6858000"/>
+              <a:gd name="connsiteX44" fmla="*/ 163886 w 8030690"/>
+              <a:gd name="connsiteY44" fmla="*/ 1245413 h 6858000"/>
+              <a:gd name="connsiteX45" fmla="*/ 148590 w 8030690"/>
+              <a:gd name="connsiteY45" fmla="*/ 1089050 h 6858000"/>
+              <a:gd name="connsiteX46" fmla="*/ 132454 w 8030690"/>
+              <a:gd name="connsiteY46" fmla="*/ 934745 h 6858000"/>
+              <a:gd name="connsiteX47" fmla="*/ 113628 w 8030690"/>
+              <a:gd name="connsiteY47" fmla="*/ 778383 h 6858000"/>
+              <a:gd name="connsiteX48" fmla="*/ 93457 w 8030690"/>
+              <a:gd name="connsiteY48" fmla="*/ 622706 h 6858000"/>
+              <a:gd name="connsiteX49" fmla="*/ 73454 w 8030690"/>
+              <a:gd name="connsiteY49" fmla="*/ 466344 h 6858000"/>
+              <a:gd name="connsiteX50" fmla="*/ 50090 w 8030690"/>
+              <a:gd name="connsiteY50" fmla="*/ 310667 h 6858000"/>
+              <a:gd name="connsiteX51" fmla="*/ 26222 w 8030690"/>
+              <a:gd name="connsiteY51" fmla="*/ 155676 h 6858000"/>
+            </a:gdLst>
+            <a:ahLst/>
+            <a:cxnLst>
+              <a:cxn ang="0">
+                <a:pos x="connsiteX0" y="connsiteY0"/>
+              </a:cxn>
+              <a:cxn ang="0">
+                <a:pos x="connsiteX1" y="connsiteY1"/>
+              </a:cxn>
+              <a:cxn ang="0">
+                <a:pos x="connsiteX2" y="connsiteY2"/>
+              </a:cxn>
+              <a:cxn ang="0">
+                <a:pos x="connsiteX3" y="connsiteY3"/>
+              </a:cxn>
+              <a:cxn ang="0">
+                <a:pos x="connsiteX4" y="connsiteY4"/>
+              </a:cxn>
+              <a:cxn ang="0">
+                <a:pos x="connsiteX5" y="connsiteY5"/>
+              </a:cxn>
+              <a:cxn ang="0">
+                <a:pos x="connsiteX6" y="connsiteY6"/>
+              </a:cxn>
+              <a:cxn ang="0">
+                <a:pos x="connsiteX7" y="connsiteY7"/>
+              </a:cxn>
+              <a:cxn ang="0">
+                <a:pos x="connsiteX8" y="connsiteY8"/>
+              </a:cxn>
+              <a:cxn ang="0">
+                <a:pos x="connsiteX9" y="connsiteY9"/>
+              </a:cxn>
+              <a:cxn ang="0">
+                <a:pos x="connsiteX10" y="connsiteY10"/>
+              </a:cxn>
+              <a:cxn ang="0">
+                <a:pos x="connsiteX11" y="connsiteY11"/>
+              </a:cxn>
+              <a:cxn ang="0">
+                <a:pos x="connsiteX12" y="connsiteY12"/>
+              </a:cxn>
+              <a:cxn ang="0">
+                <a:pos x="connsiteX13" y="connsiteY13"/>
+              </a:cxn>
+              <a:cxn ang="0">
+                <a:pos x="connsiteX14" y="connsiteY14"/>
+              </a:cxn>
+              <a:cxn ang="0">
+                <a:pos x="connsiteX15" y="connsiteY15"/>
+              </a:cxn>
+              <a:cxn ang="0">
+                <a:pos x="connsiteX16" y="connsiteY16"/>
+              </a:cxn>
+              <a:cxn ang="0">
+                <a:pos x="connsiteX17" y="connsiteY17"/>
+              </a:cxn>
+              <a:cxn ang="0">
+                <a:pos x="connsiteX18" y="connsiteY18"/>
+              </a:cxn>
+              <a:cxn ang="0">
+                <a:pos x="connsiteX19" y="connsiteY19"/>
+              </a:cxn>
+              <a:cxn ang="0">
+                <a:pos x="connsiteX20" y="connsiteY20"/>
+              </a:cxn>
+              <a:cxn ang="0">
+                <a:pos x="connsiteX21" y="connsiteY21"/>
+              </a:cxn>
+              <a:cxn ang="0">
+                <a:pos x="connsiteX22" y="connsiteY22"/>
+              </a:cxn>
+              <a:cxn ang="0">
+                <a:pos x="connsiteX23" y="connsiteY23"/>
+              </a:cxn>
+              <a:cxn ang="0">
+                <a:pos x="connsiteX24" y="connsiteY24"/>
+              </a:cxn>
+              <a:cxn ang="0">
+                <a:pos x="connsiteX25" y="connsiteY25"/>
+              </a:cxn>
+              <a:cxn ang="0">
+                <a:pos x="connsiteX26" y="connsiteY26"/>
+              </a:cxn>
+              <a:cxn ang="0">
+                <a:pos x="connsiteX27" y="connsiteY27"/>
+              </a:cxn>
+              <a:cxn ang="0">
+                <a:pos x="connsiteX28" y="connsiteY28"/>
+              </a:cxn>
+              <a:cxn ang="0">
+                <a:pos x="connsiteX29" y="connsiteY29"/>
+              </a:cxn>
+              <a:cxn ang="0">
+                <a:pos x="connsiteX30" y="connsiteY30"/>
+              </a:cxn>
+              <a:cxn ang="0">
+                <a:pos x="connsiteX31" y="connsiteY31"/>
+              </a:cxn>
+              <a:cxn ang="0">
+                <a:pos x="connsiteX32" y="connsiteY32"/>
+              </a:cxn>
+              <a:cxn ang="0">
+                <a:pos x="connsiteX33" y="connsiteY33"/>
+              </a:cxn>
+              <a:cxn ang="0">
+                <a:pos x="connsiteX34" y="connsiteY34"/>
+              </a:cxn>
+              <a:cxn ang="0">
+                <a:pos x="connsiteX35" y="connsiteY35"/>
+              </a:cxn>
+              <a:cxn ang="0">
+                <a:pos x="connsiteX36" y="connsiteY36"/>
+              </a:cxn>
+              <a:cxn ang="0">
+                <a:pos x="connsiteX37" y="connsiteY37"/>
+              </a:cxn>
+              <a:cxn ang="0">
+                <a:pos x="connsiteX38" y="connsiteY38"/>
+              </a:cxn>
+              <a:cxn ang="0">
+                <a:pos x="connsiteX39" y="connsiteY39"/>
+              </a:cxn>
+              <a:cxn ang="0">
+                <a:pos x="connsiteX40" y="connsiteY40"/>
+              </a:cxn>
+              <a:cxn ang="0">
+                <a:pos x="connsiteX41" y="connsiteY41"/>
+              </a:cxn>
+              <a:cxn ang="0">
+                <a:pos x="connsiteX42" y="connsiteY42"/>
+              </a:cxn>
+              <a:cxn ang="0">
+                <a:pos x="connsiteX43" y="connsiteY43"/>
+              </a:cxn>
+              <a:cxn ang="0">
+                <a:pos x="connsiteX44" y="connsiteY44"/>
+              </a:cxn>
+              <a:cxn ang="0">
+                <a:pos x="connsiteX45" y="connsiteY45"/>
+              </a:cxn>
+              <a:cxn ang="0">
+                <a:pos x="connsiteX46" y="connsiteY46"/>
+              </a:cxn>
+              <a:cxn ang="0">
+                <a:pos x="connsiteX47" y="connsiteY47"/>
+              </a:cxn>
+              <a:cxn ang="0">
+                <a:pos x="connsiteX48" y="connsiteY48"/>
+              </a:cxn>
+              <a:cxn ang="0">
+                <a:pos x="connsiteX49" y="connsiteY49"/>
+              </a:cxn>
+              <a:cxn ang="0">
+                <a:pos x="connsiteX50" y="connsiteY50"/>
+              </a:cxn>
+              <a:cxn ang="0">
+                <a:pos x="connsiteX51" y="connsiteY51"/>
+              </a:cxn>
+            </a:cxnLst>
+            <a:rect l="l" t="t" r="r" b="b"/>
+            <a:pathLst>
+              <a:path w="8030690" h="6858000">
+                <a:moveTo>
+                  <a:pt x="1176" y="0"/>
+                </a:moveTo>
+                <a:lnTo>
+                  <a:pt x="1344715" y="0"/>
+                </a:lnTo>
+                <a:lnTo>
+                  <a:pt x="1344715" y="0"/>
+                </a:lnTo>
+                <a:lnTo>
+                  <a:pt x="8030690" y="0"/>
+                </a:lnTo>
+                <a:lnTo>
+                  <a:pt x="8030690" y="6858000"/>
+                </a:lnTo>
+                <a:lnTo>
+                  <a:pt x="477746" y="6858000"/>
+                </a:lnTo>
+                <a:lnTo>
+                  <a:pt x="477746" y="6858000"/>
+                </a:lnTo>
+                <a:lnTo>
+                  <a:pt x="0" y="6858000"/>
+                </a:lnTo>
+                <a:lnTo>
+                  <a:pt x="5883" y="6817538"/>
+                </a:lnTo>
+                <a:lnTo>
+                  <a:pt x="23196" y="6698894"/>
+                </a:lnTo>
+                <a:lnTo>
+                  <a:pt x="35298" y="6612483"/>
+                </a:lnTo>
+                <a:lnTo>
+                  <a:pt x="48073" y="6509613"/>
+                </a:lnTo>
+                <a:lnTo>
+                  <a:pt x="63369" y="6387541"/>
+                </a:lnTo>
+                <a:lnTo>
+                  <a:pt x="79506" y="6252438"/>
+                </a:lnTo>
+                <a:lnTo>
+                  <a:pt x="96483" y="6100191"/>
+                </a:lnTo>
+                <a:lnTo>
+                  <a:pt x="114468" y="5934227"/>
+                </a:lnTo>
+                <a:lnTo>
+                  <a:pt x="132454" y="5753862"/>
+                </a:lnTo>
+                <a:lnTo>
+                  <a:pt x="150775" y="5561838"/>
+                </a:lnTo>
+                <a:lnTo>
+                  <a:pt x="167752" y="5354726"/>
+                </a:lnTo>
+                <a:lnTo>
+                  <a:pt x="184057" y="5138013"/>
+                </a:lnTo>
+                <a:lnTo>
+                  <a:pt x="198849" y="4908956"/>
+                </a:lnTo>
+                <a:lnTo>
+                  <a:pt x="212968" y="4670298"/>
+                </a:lnTo>
+                <a:lnTo>
+                  <a:pt x="226248" y="4421352"/>
+                </a:lnTo>
+                <a:lnTo>
+                  <a:pt x="230954" y="4293793"/>
+                </a:lnTo>
+                <a:lnTo>
+                  <a:pt x="236165" y="4163491"/>
+                </a:lnTo>
+                <a:lnTo>
+                  <a:pt x="241039" y="4031132"/>
+                </a:lnTo>
+                <a:lnTo>
+                  <a:pt x="244233" y="3898087"/>
+                </a:lnTo>
+                <a:lnTo>
+                  <a:pt x="247091" y="3762298"/>
+                </a:lnTo>
+                <a:lnTo>
+                  <a:pt x="250116" y="3625138"/>
+                </a:lnTo>
+                <a:lnTo>
+                  <a:pt x="252133" y="3485235"/>
+                </a:lnTo>
+                <a:lnTo>
+                  <a:pt x="252133" y="3343960"/>
+                </a:lnTo>
+                <a:lnTo>
+                  <a:pt x="253142" y="3201314"/>
+                </a:lnTo>
+                <a:lnTo>
+                  <a:pt x="252133" y="3057296"/>
+                </a:lnTo>
+                <a:lnTo>
+                  <a:pt x="250116" y="2911221"/>
+                </a:lnTo>
+                <a:lnTo>
+                  <a:pt x="248267" y="2765145"/>
+                </a:lnTo>
+                <a:lnTo>
+                  <a:pt x="244233" y="2617013"/>
+                </a:lnTo>
+                <a:lnTo>
+                  <a:pt x="240031" y="2467508"/>
+                </a:lnTo>
+                <a:lnTo>
+                  <a:pt x="235156" y="2318004"/>
+                </a:lnTo>
+                <a:lnTo>
+                  <a:pt x="228265" y="2167128"/>
+                </a:lnTo>
+                <a:lnTo>
+                  <a:pt x="220028" y="2014880"/>
+                </a:lnTo>
+                <a:lnTo>
+                  <a:pt x="212128" y="1861947"/>
+                </a:lnTo>
+                <a:lnTo>
+                  <a:pt x="202043" y="1709013"/>
+                </a:lnTo>
+                <a:lnTo>
+                  <a:pt x="189940" y="1554023"/>
+                </a:lnTo>
+                <a:lnTo>
+                  <a:pt x="177838" y="1401089"/>
+                </a:lnTo>
+                <a:lnTo>
+                  <a:pt x="163886" y="1245413"/>
+                </a:lnTo>
+                <a:lnTo>
+                  <a:pt x="148590" y="1089050"/>
+                </a:lnTo>
+                <a:lnTo>
+                  <a:pt x="132454" y="934745"/>
+                </a:lnTo>
+                <a:lnTo>
+                  <a:pt x="113628" y="778383"/>
+                </a:lnTo>
+                <a:lnTo>
+                  <a:pt x="93457" y="622706"/>
+                </a:lnTo>
+                <a:lnTo>
+                  <a:pt x="73454" y="466344"/>
+                </a:lnTo>
+                <a:lnTo>
+                  <a:pt x="50090" y="310667"/>
+                </a:lnTo>
+                <a:lnTo>
+                  <a:pt x="26222" y="155676"/>
+                </a:lnTo>
+                <a:close/>
+              </a:path>
+            </a:pathLst>
+          </a:custGeom>
+          <a:solidFill>
+            <a:schemeClr val="bg1"/>
+          </a:solidFill>
+          <a:ln>
+            <a:noFill/>
+          </a:ln>
+        </p:spPr>
+        <p:style>
+          <a:lnRef idx="2">
+            <a:schemeClr val="accent1">
+              <a:shade val="50000"/>
+            </a:schemeClr>
+          </a:lnRef>
+          <a:fillRef idx="1">
+            <a:schemeClr val="accent1"/>
+          </a:fillRef>
+          <a:effectRef idx="0">
+            <a:schemeClr val="accent1"/>
+          </a:effectRef>
+          <a:fontRef idx="minor">
+            <a:schemeClr val="lt1"/>
+          </a:fontRef>
+        </p:style>
+        <p:txBody>
+          <a:bodyPr wrap="square" rtlCol="0" anchor="ctr">
+            <a:noAutofit/>
+          </a:bodyPr>
+          <a:lstStyle/>
+          <a:p>
+            <a:pPr algn="ctr"/>
+            <a:endParaRPr lang="en-US"/>
+          </a:p>
+        </p:txBody>
+      </p:sp>
+      <p:sp>
+        <p:nvSpPr>
+          <p:cNvPr id="13" name="Freeform 11">
+            <a:extLst>
+              <a:ext uri="{FF2B5EF4-FFF2-40B4-BE49-F238E27FC236}">
+                <a16:creationId xmlns:a16="http://schemas.microsoft.com/office/drawing/2014/main" id="{BDC58DEA-1307-4F44-AD47-E613D8B76A89}"/>
+              </a:ext>
+              <a:ext uri="{C183D7F6-B498-43B3-948B-1728B52AA6E4}">
+                <adec:decorative xmlns:adec="http://schemas.microsoft.com/office/drawing/2017/decorative" val="1"/>
+              </a:ext>
+            </a:extLst>
+          </p:cNvPr>
+          <p:cNvSpPr>
+            <a:spLocks noGrp="1" noRot="1" noChangeAspect="1" noMove="1" noResize="1" noEditPoints="1" noAdjustHandles="1" noChangeArrowheads="1" noChangeShapeType="1" noTextEdit="1"/>
+          </p:cNvSpPr>
+          <p:nvPr>
+            <p:extLst>
+              <p:ext uri="{386F3935-93C4-4BCD-93E2-E3B085C9AB24}">
+                <p16:designElem xmlns:p16="http://schemas.microsoft.com/office/powerpoint/2015/main" val="1"/>
+              </p:ext>
+            </p:extLst>
+          </p:nvPr>
+        </p:nvSpPr>
+        <p:spPr>
+          <a:xfrm>
+            <a:off x="3948110" y="-1"/>
+            <a:ext cx="559472" cy="3709642"/>
+          </a:xfrm>
+          <a:custGeom>
+            <a:avLst/>
+            <a:gdLst>
+              <a:gd name="connsiteX0" fmla="*/ 0 w 559472"/>
+              <a:gd name="connsiteY0" fmla="*/ 0 h 3709642"/>
+              <a:gd name="connsiteX1" fmla="*/ 473952 w 559472"/>
+              <a:gd name="connsiteY1" fmla="*/ 0 h 3709642"/>
+              <a:gd name="connsiteX2" fmla="*/ 485840 w 559472"/>
+              <a:gd name="connsiteY2" fmla="*/ 161194 h 3709642"/>
+              <a:gd name="connsiteX3" fmla="*/ 523949 w 559472"/>
+              <a:gd name="connsiteY3" fmla="*/ 3672197 h 3709642"/>
+              <a:gd name="connsiteX4" fmla="*/ 454748 w 559472"/>
+              <a:gd name="connsiteY4" fmla="*/ 3709642 h 3709642"/>
+              <a:gd name="connsiteX5" fmla="*/ 448224 w 559472"/>
+              <a:gd name="connsiteY5" fmla="*/ 3510471 h 3709642"/>
+              <a:gd name="connsiteX6" fmla="*/ 443564 w 559472"/>
+              <a:gd name="connsiteY6" fmla="*/ 3408563 h 3709642"/>
+              <a:gd name="connsiteX7" fmla="*/ 438902 w 559472"/>
+              <a:gd name="connsiteY7" fmla="*/ 3304407 h 3709642"/>
+              <a:gd name="connsiteX8" fmla="*/ 433941 w 559472"/>
+              <a:gd name="connsiteY8" fmla="*/ 3198777 h 3709642"/>
+              <a:gd name="connsiteX9" fmla="*/ 427584 w 559472"/>
+              <a:gd name="connsiteY9" fmla="*/ 3092510 h 3709642"/>
+              <a:gd name="connsiteX10" fmla="*/ 420988 w 559472"/>
+              <a:gd name="connsiteY10" fmla="*/ 2984390 h 3709642"/>
+              <a:gd name="connsiteX11" fmla="*/ 414330 w 559472"/>
+              <a:gd name="connsiteY11" fmla="*/ 2874401 h 3709642"/>
+              <a:gd name="connsiteX12" fmla="*/ 406840 w 559472"/>
+              <a:gd name="connsiteY12" fmla="*/ 2762980 h 3709642"/>
+              <a:gd name="connsiteX13" fmla="*/ 397745 w 559472"/>
+              <a:gd name="connsiteY13" fmla="*/ 2650566 h 3709642"/>
+              <a:gd name="connsiteX14" fmla="*/ 389154 w 559472"/>
+              <a:gd name="connsiteY14" fmla="*/ 2536612 h 3709642"/>
+              <a:gd name="connsiteX15" fmla="*/ 379225 w 559472"/>
+              <a:gd name="connsiteY15" fmla="*/ 2421642 h 3709642"/>
+              <a:gd name="connsiteX16" fmla="*/ 368316 w 559472"/>
+              <a:gd name="connsiteY16" fmla="*/ 2305627 h 3709642"/>
+              <a:gd name="connsiteX17" fmla="*/ 357466 w 559472"/>
+              <a:gd name="connsiteY17" fmla="*/ 2189233 h 3709642"/>
+              <a:gd name="connsiteX18" fmla="*/ 344982 w 559472"/>
+              <a:gd name="connsiteY18" fmla="*/ 2071473 h 3709642"/>
+              <a:gd name="connsiteX19" fmla="*/ 332466 w 559472"/>
+              <a:gd name="connsiteY19" fmla="*/ 1952216 h 3709642"/>
+              <a:gd name="connsiteX20" fmla="*/ 319121 w 559472"/>
+              <a:gd name="connsiteY20" fmla="*/ 1833776 h 3709642"/>
+              <a:gd name="connsiteX21" fmla="*/ 304408 w 559472"/>
+              <a:gd name="connsiteY21" fmla="*/ 1713948 h 3709642"/>
+              <a:gd name="connsiteX22" fmla="*/ 288685 w 559472"/>
+              <a:gd name="connsiteY22" fmla="*/ 1592703 h 3709642"/>
+              <a:gd name="connsiteX23" fmla="*/ 273050 w 559472"/>
+              <a:gd name="connsiteY23" fmla="*/ 1471451 h 3709642"/>
+              <a:gd name="connsiteX24" fmla="*/ 255813 w 559472"/>
+              <a:gd name="connsiteY24" fmla="*/ 1350328 h 3709642"/>
+              <a:gd name="connsiteX25" fmla="*/ 237060 w 559472"/>
+              <a:gd name="connsiteY25" fmla="*/ 1227080 h 3709642"/>
+              <a:gd name="connsiteX26" fmla="*/ 218488 w 559472"/>
+              <a:gd name="connsiteY26" fmla="*/ 1106065 h 3709642"/>
+              <a:gd name="connsiteX27" fmla="*/ 198221 w 559472"/>
+              <a:gd name="connsiteY27" fmla="*/ 982940 h 3709642"/>
+              <a:gd name="connsiteX28" fmla="*/ 177152 w 559472"/>
+              <a:gd name="connsiteY28" fmla="*/ 858755 h 3709642"/>
+              <a:gd name="connsiteX29" fmla="*/ 155551 w 559472"/>
+              <a:gd name="connsiteY29" fmla="*/ 736861 h 3709642"/>
+              <a:gd name="connsiteX30" fmla="*/ 131782 w 559472"/>
+              <a:gd name="connsiteY30" fmla="*/ 613645 h 3709642"/>
+              <a:gd name="connsiteX31" fmla="*/ 107123 w 559472"/>
+              <a:gd name="connsiteY31" fmla="*/ 490500 h 3709642"/>
+              <a:gd name="connsiteX32" fmla="*/ 82552 w 559472"/>
+              <a:gd name="connsiteY32" fmla="*/ 367348 h 3709642"/>
+              <a:gd name="connsiteX33" fmla="*/ 55608 w 559472"/>
+              <a:gd name="connsiteY33" fmla="*/ 244762 h 3709642"/>
+              <a:gd name="connsiteX34" fmla="*/ 28130 w 559472"/>
+              <a:gd name="connsiteY34" fmla="*/ 122220 h 3709642"/>
+              <a:gd name="connsiteX35" fmla="*/ 0 w 559472"/>
+              <a:gd name="connsiteY35" fmla="*/ 0 h 3709642"/>
+            </a:gdLst>
+            <a:ahLst/>
+            <a:cxnLst>
+              <a:cxn ang="0">
+                <a:pos x="connsiteX0" y="connsiteY0"/>
+              </a:cxn>
+              <a:cxn ang="0">
+                <a:pos x="connsiteX1" y="connsiteY1"/>
+              </a:cxn>
+              <a:cxn ang="0">
+                <a:pos x="connsiteX2" y="connsiteY2"/>
+              </a:cxn>
+              <a:cxn ang="0">
+                <a:pos x="connsiteX3" y="connsiteY3"/>
+              </a:cxn>
+              <a:cxn ang="0">
+                <a:pos x="connsiteX4" y="connsiteY4"/>
+              </a:cxn>
+              <a:cxn ang="0">
+                <a:pos x="connsiteX5" y="connsiteY5"/>
+              </a:cxn>
+              <a:cxn ang="0">
+                <a:pos x="connsiteX6" y="connsiteY6"/>
+              </a:cxn>
+              <a:cxn ang="0">
+                <a:pos x="connsiteX7" y="connsiteY7"/>
+              </a:cxn>
+              <a:cxn ang="0">
+                <a:pos x="connsiteX8" y="connsiteY8"/>
+              </a:cxn>
+              <a:cxn ang="0">
+                <a:pos x="connsiteX9" y="connsiteY9"/>
+              </a:cxn>
+              <a:cxn ang="0">
+                <a:pos x="connsiteX10" y="connsiteY10"/>
+              </a:cxn>
+              <a:cxn ang="0">
+                <a:pos x="connsiteX11" y="connsiteY11"/>
+              </a:cxn>
+              <a:cxn ang="0">
+                <a:pos x="connsiteX12" y="connsiteY12"/>
+              </a:cxn>
+              <a:cxn ang="0">
+                <a:pos x="connsiteX13" y="connsiteY13"/>
+              </a:cxn>
+              <a:cxn ang="0">
+                <a:pos x="connsiteX14" y="connsiteY14"/>
+              </a:cxn>
+              <a:cxn ang="0">
+                <a:pos x="connsiteX15" y="connsiteY15"/>
+              </a:cxn>
+              <a:cxn ang="0">
+                <a:pos x="connsiteX16" y="connsiteY16"/>
+              </a:cxn>
+              <a:cxn ang="0">
+                <a:pos x="connsiteX17" y="connsiteY17"/>
+              </a:cxn>
+              <a:cxn ang="0">
+                <a:pos x="connsiteX18" y="connsiteY18"/>
+              </a:cxn>
+              <a:cxn ang="0">
+                <a:pos x="connsiteX19" y="connsiteY19"/>
+              </a:cxn>
+              <a:cxn ang="0">
+                <a:pos x="connsiteX20" y="connsiteY20"/>
+              </a:cxn>
+              <a:cxn ang="0">
+                <a:pos x="connsiteX21" y="connsiteY21"/>
+              </a:cxn>
+              <a:cxn ang="0">
+                <a:pos x="connsiteX22" y="connsiteY22"/>
+              </a:cxn>
+              <a:cxn ang="0">
+                <a:pos x="connsiteX23" y="connsiteY23"/>
+              </a:cxn>
+              <a:cxn ang="0">
+                <a:pos x="connsiteX24" y="connsiteY24"/>
+              </a:cxn>
+              <a:cxn ang="0">
+                <a:pos x="connsiteX25" y="connsiteY25"/>
+              </a:cxn>
+              <a:cxn ang="0">
+                <a:pos x="connsiteX26" y="connsiteY26"/>
+              </a:cxn>
+              <a:cxn ang="0">
+                <a:pos x="connsiteX27" y="connsiteY27"/>
+              </a:cxn>
+              <a:cxn ang="0">
+                <a:pos x="connsiteX28" y="connsiteY28"/>
+              </a:cxn>
+              <a:cxn ang="0">
+                <a:pos x="connsiteX29" y="connsiteY29"/>
+              </a:cxn>
+              <a:cxn ang="0">
+                <a:pos x="connsiteX30" y="connsiteY30"/>
+              </a:cxn>
+              <a:cxn ang="0">
+                <a:pos x="connsiteX31" y="connsiteY31"/>
+              </a:cxn>
+              <a:cxn ang="0">
+                <a:pos x="connsiteX32" y="connsiteY32"/>
+              </a:cxn>
+              <a:cxn ang="0">
+                <a:pos x="connsiteX33" y="connsiteY33"/>
+              </a:cxn>
+              <a:cxn ang="0">
+                <a:pos x="connsiteX34" y="connsiteY34"/>
+              </a:cxn>
+              <a:cxn ang="0">
+                <a:pos x="connsiteX35" y="connsiteY35"/>
+              </a:cxn>
+            </a:cxnLst>
+            <a:rect l="l" t="t" r="r" b="b"/>
+            <a:pathLst>
+              <a:path w="559472" h="3709642">
+                <a:moveTo>
+                  <a:pt x="0" y="0"/>
+                </a:moveTo>
+                <a:lnTo>
+                  <a:pt x="473952" y="0"/>
+                </a:lnTo>
+                <a:lnTo>
+                  <a:pt x="485840" y="161194"/>
+                </a:lnTo>
+                <a:cubicBezTo>
+                  <a:pt x="552063" y="1147770"/>
+                  <a:pt x="592441" y="3086737"/>
+                  <a:pt x="523949" y="3672197"/>
+                </a:cubicBezTo>
+                <a:cubicBezTo>
+                  <a:pt x="500842" y="3684557"/>
+                  <a:pt x="477855" y="3697282"/>
+                  <a:pt x="454748" y="3709642"/>
+                </a:cubicBezTo>
+                <a:lnTo>
+                  <a:pt x="448224" y="3510471"/>
+                </a:lnTo>
+                <a:lnTo>
+                  <a:pt x="443564" y="3408563"/>
+                </a:lnTo>
+                <a:lnTo>
+                  <a:pt x="438902" y="3304407"/>
+                </a:lnTo>
+                <a:lnTo>
+                  <a:pt x="433941" y="3198777"/>
+                </a:lnTo>
+                <a:lnTo>
+                  <a:pt x="427584" y="3092510"/>
+                </a:lnTo>
+                <a:lnTo>
+                  <a:pt x="420988" y="2984390"/>
+                </a:lnTo>
+                <a:lnTo>
+                  <a:pt x="414330" y="2874401"/>
+                </a:lnTo>
+                <a:lnTo>
+                  <a:pt x="406840" y="2762980"/>
+                </a:lnTo>
+                <a:lnTo>
+                  <a:pt x="397745" y="2650566"/>
+                </a:lnTo>
+                <a:lnTo>
+                  <a:pt x="389154" y="2536612"/>
+                </a:lnTo>
+                <a:lnTo>
+                  <a:pt x="379225" y="2421642"/>
+                </a:lnTo>
+                <a:lnTo>
+                  <a:pt x="368316" y="2305627"/>
+                </a:lnTo>
+                <a:lnTo>
+                  <a:pt x="357466" y="2189233"/>
+                </a:lnTo>
+                <a:lnTo>
+                  <a:pt x="344982" y="2071473"/>
+                </a:lnTo>
+                <a:lnTo>
+                  <a:pt x="332466" y="1952216"/>
+                </a:lnTo>
+                <a:lnTo>
+                  <a:pt x="319121" y="1833776"/>
+                </a:lnTo>
+                <a:lnTo>
+                  <a:pt x="304408" y="1713948"/>
+                </a:lnTo>
+                <a:lnTo>
+                  <a:pt x="288685" y="1592703"/>
+                </a:lnTo>
+                <a:lnTo>
+                  <a:pt x="273050" y="1471451"/>
+                </a:lnTo>
+                <a:lnTo>
+                  <a:pt x="255813" y="1350328"/>
+                </a:lnTo>
+                <a:lnTo>
+                  <a:pt x="237060" y="1227080"/>
+                </a:lnTo>
+                <a:lnTo>
+                  <a:pt x="218488" y="1106065"/>
+                </a:lnTo>
+                <a:lnTo>
+                  <a:pt x="198221" y="982940"/>
+                </a:lnTo>
+                <a:lnTo>
+                  <a:pt x="177152" y="858755"/>
+                </a:lnTo>
+                <a:lnTo>
+                  <a:pt x="155551" y="736861"/>
+                </a:lnTo>
+                <a:lnTo>
+                  <a:pt x="131782" y="613645"/>
+                </a:lnTo>
+                <a:lnTo>
+                  <a:pt x="107123" y="490500"/>
+                </a:lnTo>
+                <a:lnTo>
+                  <a:pt x="82552" y="367348"/>
+                </a:lnTo>
+                <a:lnTo>
+                  <a:pt x="55608" y="244762"/>
+                </a:lnTo>
+                <a:lnTo>
+                  <a:pt x="28130" y="122220"/>
+                </a:lnTo>
+                <a:lnTo>
+                  <a:pt x="0" y="0"/>
+                </a:lnTo>
+                <a:close/>
+              </a:path>
+            </a:pathLst>
+          </a:custGeom>
+          <a:solidFill>
+            <a:schemeClr val="bg1">
+              <a:alpha val="20000"/>
+            </a:schemeClr>
+          </a:solidFill>
+          <a:ln>
+            <a:noFill/>
+          </a:ln>
+        </p:spPr>
+        <p:txBody>
+          <a:bodyPr rtlCol="0" anchor="ctr"/>
+          <a:lstStyle/>
+          <a:p>
+            <a:pPr algn="ctr"/>
+            <a:endParaRPr lang="en-US"/>
+          </a:p>
+        </p:txBody>
+      </p:sp>
+      <p:sp>
+        <p:nvSpPr>
+          <p:cNvPr id="15" name="Rectangle 14">
+            <a:extLst>
+              <a:ext uri="{FF2B5EF4-FFF2-40B4-BE49-F238E27FC236}">
+                <a16:creationId xmlns:a16="http://schemas.microsoft.com/office/drawing/2014/main" id="{C99B912D-1E4B-42AF-A2BE-CFEFEC916EE7}"/>
+              </a:ext>
+              <a:ext uri="{C183D7F6-B498-43B3-948B-1728B52AA6E4}">
+                <adec:decorative xmlns:adec="http://schemas.microsoft.com/office/drawing/2017/decorative" val="1"/>
+              </a:ext>
+            </a:extLst>
+          </p:cNvPr>
+          <p:cNvSpPr>
+            <a:spLocks noGrp="1" noRot="1" noChangeAspect="1" noMove="1" noResize="1" noEditPoints="1" noAdjustHandles="1" noChangeArrowheads="1" noChangeShapeType="1" noTextEdit="1"/>
+          </p:cNvSpPr>
+          <p:nvPr>
+            <p:extLst>
+              <p:ext uri="{386F3935-93C4-4BCD-93E2-E3B085C9AB24}">
+                <p16:designElem xmlns:p16="http://schemas.microsoft.com/office/powerpoint/2015/main" val="1"/>
+              </p:ext>
+            </p:extLst>
+          </p:nvPr>
+        </p:nvSpPr>
+        <p:spPr>
+          <a:xfrm>
+            <a:off x="10437812" y="0"/>
+            <a:ext cx="685800" cy="1143000"/>
+          </a:xfrm>
+          <a:prstGeom prst="rect">
+            <a:avLst/>
+          </a:prstGeom>
+          <a:solidFill>
+            <a:schemeClr val="accent1"/>
+          </a:solidFill>
+          <a:ln>
+            <a:noFill/>
+          </a:ln>
+        </p:spPr>
+        <p:style>
+          <a:lnRef idx="1">
+            <a:schemeClr val="accent1"/>
+          </a:lnRef>
+          <a:fillRef idx="3">
+            <a:schemeClr val="accent1"/>
+          </a:fillRef>
+          <a:effectRef idx="2">
+            <a:schemeClr val="accent1"/>
+          </a:effectRef>
+          <a:fontRef idx="minor">
+            <a:schemeClr val="lt1"/>
+          </a:fontRef>
+        </p:style>
+      </p:sp>
+      <p:graphicFrame>
+        <p:nvGraphicFramePr>
+          <p:cNvPr id="5" name="Content Placeholder 2">
+            <a:extLst>
+              <a:ext uri="{FF2B5EF4-FFF2-40B4-BE49-F238E27FC236}">
+                <a16:creationId xmlns:a16="http://schemas.microsoft.com/office/drawing/2014/main" id="{6A795070-C40A-44C6-7E22-31CF7BF6CB34}"/>
+              </a:ext>
+            </a:extLst>
+          </p:cNvPr>
+          <p:cNvGraphicFramePr>
+            <a:graphicFrameLocks noGrp="1"/>
+          </p:cNvGraphicFramePr>
+          <p:nvPr>
+            <p:ph idx="1"/>
+            <p:extLst>
+              <p:ext uri="{D42A27DB-BD31-4B8C-83A1-F6EECF244321}">
+                <p14:modId xmlns:p14="http://schemas.microsoft.com/office/powerpoint/2010/main" val="3155757961"/>
+              </p:ext>
+            </p:extLst>
+          </p:nvPr>
+        </p:nvGraphicFramePr>
+        <p:xfrm>
+          <a:off x="5048250" y="1447800"/>
+          <a:ext cx="6496050" cy="4572000"/>
+        </p:xfrm>
+        <a:graphic>
+          <a:graphicData uri="http://schemas.openxmlformats.org/drawingml/2006/diagram">
+            <dgm:relIds xmlns:dgm="http://schemas.openxmlformats.org/drawingml/2006/diagram" xmlns:r="http://schemas.openxmlformats.org/officeDocument/2006/relationships" r:dm="rId2" r:lo="rId3" r:qs="rId4" r:cs="rId5"/>
+          </a:graphicData>
+        </a:graphic>
+      </p:graphicFrame>
+    </p:spTree>
+    <p:extLst>
+      <p:ext uri="{BB962C8B-B14F-4D97-AF65-F5344CB8AC3E}">
+        <p14:creationId xmlns:p14="http://schemas.microsoft.com/office/powerpoint/2010/main" val="2364779526"/>
+      </p:ext>
+    </p:extLst>
+  </p:cSld>
+  <p:clrMapOvr>
+    <a:overrideClrMapping bg1="lt1" tx1="dk1" bg2="lt2" tx2="dk2" accent1="accent1" accent2="accent2" accent3="accent3" accent4="accent4" accent5="accent5" accent6="accent6" hlink="hlink" folHlink="folHlink"/>
+  </p:clrMapOvr>
+</p:sld>
+</file>
+
+<file path=ppt/slides/slide16.xml><?xml version="1.0" encoding="utf-8"?>
 <p:sld xmlns:a="http://schemas.openxmlformats.org/drawingml/2006/main" xmlns:r="http://schemas.openxmlformats.org/officeDocument/2006/relationships" xmlns:p="http://schemas.openxmlformats.org/presentationml/2006/main">
   <p:cSld>
     <p:bg>
